--- a/doc/Test-Driven Development como alternativa de garantia de qualidade.pptx
+++ b/doc/Test-Driven Development como alternativa de garantia de qualidade.pptx
@@ -51,9 +51,10 @@
     <p:sldId id="311" r:id="rId45"/>
     <p:sldId id="290" r:id="rId46"/>
     <p:sldId id="291" r:id="rId47"/>
-    <p:sldId id="292" r:id="rId48"/>
-    <p:sldId id="312" r:id="rId49"/>
-    <p:sldId id="313" r:id="rId50"/>
+    <p:sldId id="314" r:id="rId48"/>
+    <p:sldId id="292" r:id="rId49"/>
+    <p:sldId id="312" r:id="rId50"/>
+    <p:sldId id="313" r:id="rId51"/>
   </p:sldIdLst>
   <p:sldSz cx="12192000" cy="6858000"/>
   <p:notesSz cx="6858000" cy="9144000"/>
@@ -152,6 +153,11 @@
       </a:defRPr>
     </a:lvl9pPr>
   </p:defaultTextStyle>
+  <p:extLst>
+    <p:ext uri="{EFAFB233-063F-42B5-8137-9DF3F51BA10A}">
+      <p15:sldGuideLst xmlns:p15="http://schemas.microsoft.com/office/powerpoint/2012/main"/>
+    </p:ext>
+  </p:extLst>
 </p:presentation>
 </file>
 
@@ -381,7 +387,7 @@
           <a:p>
             <a:fld id="{7DEF1CBF-CE27-4B55-8A69-BEC664A7152C}" type="datetimeFigureOut">
               <a:rPr lang="pt-BR" smtClean="0"/>
-              <a:t>13/06/2015</a:t>
+              <a:t>14/06/2015</a:t>
             </a:fld>
             <a:endParaRPr lang="pt-BR"/>
           </a:p>
@@ -589,7 +595,7 @@
           <a:p>
             <a:fld id="{7DEF1CBF-CE27-4B55-8A69-BEC664A7152C}" type="datetimeFigureOut">
               <a:rPr lang="pt-BR" smtClean="0"/>
-              <a:t>13/06/2015</a:t>
+              <a:t>14/06/2015</a:t>
             </a:fld>
             <a:endParaRPr lang="pt-BR"/>
           </a:p>
@@ -845,7 +851,7 @@
           <a:p>
             <a:fld id="{7DEF1CBF-CE27-4B55-8A69-BEC664A7152C}" type="datetimeFigureOut">
               <a:rPr lang="pt-BR" smtClean="0"/>
-              <a:t>13/06/2015</a:t>
+              <a:t>14/06/2015</a:t>
             </a:fld>
             <a:endParaRPr lang="pt-BR"/>
           </a:p>
@@ -1019,7 +1025,7 @@
           <a:p>
             <a:fld id="{7DEF1CBF-CE27-4B55-8A69-BEC664A7152C}" type="datetimeFigureOut">
               <a:rPr lang="pt-BR" smtClean="0"/>
-              <a:t>13/06/2015</a:t>
+              <a:t>14/06/2015</a:t>
             </a:fld>
             <a:endParaRPr lang="pt-BR"/>
           </a:p>
@@ -1362,7 +1368,7 @@
           <a:p>
             <a:fld id="{7DEF1CBF-CE27-4B55-8A69-BEC664A7152C}" type="datetimeFigureOut">
               <a:rPr lang="pt-BR" smtClean="0"/>
-              <a:t>13/06/2015</a:t>
+              <a:t>14/06/2015</a:t>
             </a:fld>
             <a:endParaRPr lang="pt-BR"/>
           </a:p>
@@ -1637,7 +1643,7 @@
           <a:p>
             <a:fld id="{7DEF1CBF-CE27-4B55-8A69-BEC664A7152C}" type="datetimeFigureOut">
               <a:rPr lang="pt-BR" smtClean="0"/>
-              <a:t>13/06/2015</a:t>
+              <a:t>14/06/2015</a:t>
             </a:fld>
             <a:endParaRPr lang="pt-BR"/>
           </a:p>
@@ -2016,7 +2022,7 @@
           <a:p>
             <a:fld id="{7DEF1CBF-CE27-4B55-8A69-BEC664A7152C}" type="datetimeFigureOut">
               <a:rPr lang="pt-BR" smtClean="0"/>
-              <a:t>13/06/2015</a:t>
+              <a:t>14/06/2015</a:t>
             </a:fld>
             <a:endParaRPr lang="pt-BR"/>
           </a:p>
@@ -2134,7 +2140,7 @@
           <a:p>
             <a:fld id="{7DEF1CBF-CE27-4B55-8A69-BEC664A7152C}" type="datetimeFigureOut">
               <a:rPr lang="pt-BR" smtClean="0"/>
-              <a:t>13/06/2015</a:t>
+              <a:t>14/06/2015</a:t>
             </a:fld>
             <a:endParaRPr lang="pt-BR"/>
           </a:p>
@@ -2305,7 +2311,7 @@
           <a:p>
             <a:fld id="{7DEF1CBF-CE27-4B55-8A69-BEC664A7152C}" type="datetimeFigureOut">
               <a:rPr lang="pt-BR" smtClean="0"/>
-              <a:t>13/06/2015</a:t>
+              <a:t>14/06/2015</a:t>
             </a:fld>
             <a:endParaRPr lang="pt-BR"/>
           </a:p>
@@ -2659,7 +2665,7 @@
           <a:p>
             <a:fld id="{7DEF1CBF-CE27-4B55-8A69-BEC664A7152C}" type="datetimeFigureOut">
               <a:rPr lang="pt-BR" smtClean="0"/>
-              <a:t>13/06/2015</a:t>
+              <a:t>14/06/2015</a:t>
             </a:fld>
             <a:endParaRPr lang="pt-BR"/>
           </a:p>
@@ -3041,7 +3047,7 @@
           <a:p>
             <a:fld id="{7DEF1CBF-CE27-4B55-8A69-BEC664A7152C}" type="datetimeFigureOut">
               <a:rPr lang="pt-BR" smtClean="0"/>
-              <a:t>13/06/2015</a:t>
+              <a:t>14/06/2015</a:t>
             </a:fld>
             <a:endParaRPr lang="pt-BR"/>
           </a:p>
@@ -3328,7 +3334,7 @@
           <a:p>
             <a:fld id="{7DEF1CBF-CE27-4B55-8A69-BEC664A7152C}" type="datetimeFigureOut">
               <a:rPr lang="pt-BR" smtClean="0"/>
-              <a:t>13/06/2015</a:t>
+              <a:t>14/06/2015</a:t>
             </a:fld>
             <a:endParaRPr lang="pt-BR"/>
           </a:p>
@@ -4185,11 +4191,7 @@
             </a:r>
             <a:r>
               <a:rPr lang="pt-BR" sz="2000" dirty="0" smtClean="0"/>
-              <a:t>. </a:t>
-            </a:r>
-            <a:r>
-              <a:rPr lang="pt-BR" sz="2000" dirty="0" smtClean="0"/>
-              <a:t>Cristina </a:t>
+              <a:t>. Cristina </a:t>
             </a:r>
             <a:r>
               <a:rPr lang="pt-BR" sz="2000" dirty="0"/>
@@ -4207,15 +4209,7 @@
             </a:r>
             <a:r>
               <a:rPr lang="pt-BR" sz="2000" dirty="0" smtClean="0"/>
-              <a:t>. </a:t>
-            </a:r>
-            <a:r>
-              <a:rPr lang="pt-BR" sz="2000" dirty="0" smtClean="0"/>
-              <a:t>Rodrigo </a:t>
-            </a:r>
-            <a:r>
-              <a:rPr lang="pt-BR" sz="2000" dirty="0" smtClean="0"/>
-              <a:t>Tavares </a:t>
+              <a:t>. Rodrigo Tavares </a:t>
             </a:r>
             <a:r>
               <a:rPr lang="pt-BR" sz="2000" dirty="0" err="1" smtClean="0"/>
@@ -4234,11 +4228,7 @@
             </a:r>
             <a:r>
               <a:rPr lang="pt-BR" sz="2000" dirty="0" smtClean="0"/>
-              <a:t>Me. </a:t>
-            </a:r>
-            <a:r>
-              <a:rPr lang="pt-BR" sz="2000" dirty="0" smtClean="0"/>
-              <a:t>Wilson </a:t>
+              <a:t>Me. Wilson </a:t>
             </a:r>
             <a:r>
               <a:rPr lang="pt-BR" sz="2000" dirty="0" err="1"/>
@@ -4331,59 +4321,94 @@
         </p:nvSpPr>
         <p:spPr/>
         <p:txBody>
-          <a:bodyPr/>
-          <a:lstStyle/>
-          <a:p>
-            <a:r>
-              <a:rPr lang="pt-BR" dirty="0"/>
+          <a:bodyPr>
+            <a:noAutofit/>
+          </a:bodyPr>
+          <a:lstStyle/>
+          <a:p>
+            <a:r>
+              <a:rPr lang="pt-BR" sz="2400" dirty="0"/>
               <a:t>Test-</a:t>
             </a:r>
             <a:r>
-              <a:rPr lang="pt-BR" dirty="0" err="1"/>
+              <a:rPr lang="pt-BR" sz="2400" dirty="0" err="1"/>
               <a:t>Driven</a:t>
             </a:r>
             <a:r>
-              <a:rPr lang="pt-BR" dirty="0"/>
+              <a:rPr lang="pt-BR" sz="2400" dirty="0"/>
               <a:t> </a:t>
             </a:r>
             <a:r>
-              <a:rPr lang="pt-BR" dirty="0" err="1"/>
+              <a:rPr lang="pt-BR" sz="2400" dirty="0" err="1"/>
               <a:t>Development</a:t>
             </a:r>
             <a:r>
-              <a:rPr lang="pt-BR" dirty="0"/>
-              <a:t> (TDD) é uma técnica de programação criada por um membro do manifesto ágil Kent Beck, que extraiu do modelo de desenvolvimento ágil XP, também criado por ele. A técnica é simples e muitas vezes repetitiva já que são necessários somente três passos para começar a aplicar a prática. Beck (2010, p. prefácio) define os passos como </a:t>
-            </a:r>
-            <a:r>
-              <a:rPr lang="pt-BR" dirty="0" smtClean="0"/>
-              <a:t>sendo</a:t>
-            </a:r>
-            <a:endParaRPr lang="pt-BR" dirty="0"/>
-          </a:p>
-          <a:p>
-            <a:r>
-              <a:rPr lang="pt-BR" dirty="0" smtClean="0"/>
-              <a:t>1 </a:t>
-            </a:r>
-            <a:r>
-              <a:rPr lang="pt-BR" dirty="0"/>
-              <a:t>- Vermelho – Escrever um pequeno teste que não funcione e que talvez nem mesmo compile inicialmente.</a:t>
-            </a:r>
-          </a:p>
-          <a:p>
-            <a:r>
-              <a:rPr lang="pt-BR" dirty="0"/>
-              <a:t>2 - Verde – Fazer rapidamente o teste funcionar, mesmo contendo algum pecado necessário inicialmente.</a:t>
-            </a:r>
-          </a:p>
-          <a:p>
-            <a:r>
-              <a:rPr lang="pt-BR" dirty="0"/>
-              <a:t>3 - Refatorar – Eliminar todas as duplicatas criadas apenas para que o teste funcione. (BECK, 2010).</a:t>
-            </a:r>
-          </a:p>
-          <a:p>
-            <a:endParaRPr lang="pt-BR" dirty="0"/>
+              <a:rPr lang="pt-BR" sz="2400" dirty="0"/>
+              <a:t> (TDD) é uma técnica de programação criada por um membro do manifesto ágil Kent </a:t>
+            </a:r>
+            <a:r>
+              <a:rPr lang="pt-BR" sz="2400" dirty="0" smtClean="0"/>
+              <a:t>Beck. </a:t>
+            </a:r>
+          </a:p>
+          <a:p>
+            <a:r>
+              <a:rPr lang="pt-BR" sz="2400" dirty="0" smtClean="0"/>
+              <a:t>A </a:t>
+            </a:r>
+            <a:r>
+              <a:rPr lang="pt-BR" sz="2400" dirty="0"/>
+              <a:t>técnica é simples e muitas vezes repetitiva já que são necessários somente três passos para começar a aplicar a </a:t>
+            </a:r>
+            <a:r>
+              <a:rPr lang="pt-BR" sz="2400" dirty="0" smtClean="0"/>
+              <a:t>prática</a:t>
+            </a:r>
+          </a:p>
+          <a:p>
+            <a:pPr marL="749808" lvl="1" indent="-457200">
+              <a:buFont typeface="+mj-lt"/>
+              <a:buAutoNum type="arabicPeriod"/>
+            </a:pPr>
+            <a:r>
+              <a:rPr lang="pt-BR" sz="2200" dirty="0" smtClean="0"/>
+              <a:t>Vermelho </a:t>
+            </a:r>
+            <a:r>
+              <a:rPr lang="pt-BR" sz="2200" dirty="0"/>
+              <a:t>– Escrever um pequeno teste que não funcione e que talvez nem mesmo compile inicialmente.</a:t>
+            </a:r>
+          </a:p>
+          <a:p>
+            <a:pPr marL="749808" lvl="1" indent="-457200">
+              <a:buFont typeface="+mj-lt"/>
+              <a:buAutoNum type="arabicPeriod"/>
+            </a:pPr>
+            <a:r>
+              <a:rPr lang="pt-BR" sz="2200" dirty="0" smtClean="0"/>
+              <a:t>Verde </a:t>
+            </a:r>
+            <a:r>
+              <a:rPr lang="pt-BR" sz="2200" dirty="0"/>
+              <a:t>– Fazer rapidamente o teste funcionar, mesmo contendo algum pecado necessário inicialmente.</a:t>
+            </a:r>
+          </a:p>
+          <a:p>
+            <a:pPr marL="749808" lvl="1" indent="-457200">
+              <a:buFont typeface="+mj-lt"/>
+              <a:buAutoNum type="arabicPeriod"/>
+            </a:pPr>
+            <a:r>
+              <a:rPr lang="pt-BR" sz="2200" dirty="0" smtClean="0"/>
+              <a:t>Refatorar </a:t>
+            </a:r>
+            <a:r>
+              <a:rPr lang="pt-BR" sz="2200" dirty="0"/>
+              <a:t>– Eliminar todas as duplicatas criadas apenas para que o teste funcione. (BECK, 2010).</a:t>
+            </a:r>
+          </a:p>
+          <a:p>
+            <a:endParaRPr lang="pt-BR" sz="2400" dirty="0"/>
           </a:p>
         </p:txBody>
       </p:sp>
@@ -5022,14 +5047,19 @@
         <p:spPr/>
         <p:txBody>
           <a:bodyPr>
-            <a:normAutofit fontScale="90000"/>
+            <a:normAutofit/>
           </a:bodyPr>
           <a:lstStyle/>
           <a:p>
             <a:r>
               <a:rPr lang="pt-BR" dirty="0"/>
-              <a:t>Ferramenta de publicação de Livro Digital no formato e-Pub: implementação utilizando os conceitos de TDD</a:t>
-            </a:r>
+              <a:t>Ferramenta de publicação de Livro Digital no formato </a:t>
+            </a:r>
+            <a:r>
+              <a:rPr lang="pt-BR" dirty="0" smtClean="0"/>
+              <a:t>e-Pub</a:t>
+            </a:r>
+            <a:endParaRPr lang="pt-BR" dirty="0"/>
           </a:p>
         </p:txBody>
       </p:sp>
@@ -5045,30 +5075,39 @@
         </p:nvSpPr>
         <p:spPr/>
         <p:txBody>
-          <a:bodyPr/>
-          <a:lstStyle/>
-          <a:p>
-            <a:r>
-              <a:rPr lang="pt-BR" dirty="0"/>
+          <a:bodyPr>
+            <a:normAutofit/>
+          </a:bodyPr>
+          <a:lstStyle/>
+          <a:p>
+            <a:r>
+              <a:rPr lang="pt-BR" sz="2400" dirty="0"/>
               <a:t>Este projeto tem por objetivo exemplificar a prática do TDD, durante o processo de desenvolvimento do software, que será aplicado em uma ferramenta de publicação de livros digitais no formato </a:t>
             </a:r>
             <a:r>
-              <a:rPr lang="pt-BR" dirty="0" err="1"/>
+              <a:rPr lang="pt-BR" sz="2400" dirty="0" err="1" smtClean="0"/>
               <a:t>ePub</a:t>
             </a:r>
-            <a:r>
-              <a:rPr lang="pt-BR" dirty="0"/>
-              <a:t>, porém o processo de transformação em arquivo físico, é parte de uma API de terceiros com código fonte aberto disponível em http://www.siegmann.nl/epublib.</a:t>
-            </a:r>
-          </a:p>
-          <a:p>
-            <a:r>
-              <a:rPr lang="pt-BR" dirty="0"/>
+            <a:endParaRPr lang="pt-BR" sz="2400" dirty="0" smtClean="0"/>
+          </a:p>
+          <a:p>
+            <a:r>
+              <a:rPr lang="pt-BR" sz="2400" dirty="0" smtClean="0"/>
+              <a:t>API: http</a:t>
+            </a:r>
+            <a:r>
+              <a:rPr lang="pt-BR" sz="2400" dirty="0"/>
+              <a:t>://www.siegmann.nl/epublib.</a:t>
+            </a:r>
+          </a:p>
+          <a:p>
+            <a:r>
+              <a:rPr lang="pt-BR" sz="2400" dirty="0"/>
               <a:t>A principal funcionalidade da ferramenta é mostrar a criação das páginas em formato texto e transformar em um formato que a API consiga interpretar e transformar no arquivo adequado para a publicação.</a:t>
             </a:r>
           </a:p>
           <a:p>
-            <a:endParaRPr lang="pt-BR" dirty="0"/>
+            <a:endParaRPr lang="pt-BR" sz="2400" dirty="0"/>
           </a:p>
         </p:txBody>
       </p:sp>
@@ -5137,135 +5176,136 @@
         </p:nvSpPr>
         <p:spPr/>
         <p:txBody>
-          <a:bodyPr/>
+          <a:bodyPr>
+            <a:normAutofit/>
+          </a:bodyPr>
           <a:lstStyle/>
           <a:p>
             <a:pPr lvl="0"/>
             <a:r>
-              <a:rPr lang="pt-BR" dirty="0" err="1"/>
+              <a:rPr lang="pt-BR" sz="2400" dirty="0" err="1"/>
               <a:t>Netbeans</a:t>
             </a:r>
             <a:r>
-              <a:rPr lang="pt-BR" dirty="0"/>
+              <a:rPr lang="pt-BR" sz="2400" dirty="0"/>
               <a:t> – Ambiente de desenvolvimento Java distribuído pela Oracle;</a:t>
             </a:r>
           </a:p>
           <a:p>
             <a:pPr lvl="0"/>
             <a:r>
-              <a:rPr lang="en-US" dirty="0"/>
+              <a:rPr lang="en-US" sz="2400" dirty="0"/>
               <a:t>JSF – </a:t>
             </a:r>
             <a:r>
-              <a:rPr lang="en-US" i="1" dirty="0"/>
+              <a:rPr lang="en-US" sz="2400" i="1" dirty="0"/>
               <a:t>Framework</a:t>
             </a:r>
             <a:r>
-              <a:rPr lang="en-US" dirty="0"/>
+              <a:rPr lang="en-US" sz="2400" dirty="0"/>
               <a:t> Web;</a:t>
             </a:r>
-            <a:endParaRPr lang="pt-BR" dirty="0"/>
+            <a:endParaRPr lang="pt-BR" sz="2400" dirty="0"/>
           </a:p>
           <a:p>
             <a:pPr lvl="0"/>
             <a:r>
-              <a:rPr lang="en-US" dirty="0" err="1"/>
+              <a:rPr lang="en-US" sz="2400" dirty="0" err="1"/>
               <a:t>Primefaces</a:t>
             </a:r>
             <a:r>
-              <a:rPr lang="en-US" dirty="0"/>
+              <a:rPr lang="en-US" sz="2400" dirty="0"/>
               <a:t>  – </a:t>
             </a:r>
             <a:r>
-              <a:rPr lang="en-US" i="1" dirty="0"/>
+              <a:rPr lang="en-US" sz="2400" i="1" dirty="0"/>
               <a:t>Framework</a:t>
             </a:r>
             <a:r>
-              <a:rPr lang="en-US" dirty="0"/>
+              <a:rPr lang="en-US" sz="2400" dirty="0"/>
               <a:t> Web;</a:t>
             </a:r>
-            <a:endParaRPr lang="pt-BR" dirty="0"/>
+            <a:endParaRPr lang="pt-BR" sz="2400" dirty="0"/>
           </a:p>
           <a:p>
             <a:pPr lvl="0"/>
             <a:r>
-              <a:rPr lang="en-US" dirty="0" err="1"/>
+              <a:rPr lang="en-US" sz="2400" dirty="0" err="1"/>
               <a:t>Epublib</a:t>
             </a:r>
             <a:r>
-              <a:rPr lang="en-US" dirty="0"/>
+              <a:rPr lang="en-US" sz="2400" dirty="0"/>
               <a:t>  – </a:t>
             </a:r>
             <a:r>
-              <a:rPr lang="en-US" i="1" dirty="0"/>
+              <a:rPr lang="en-US" sz="2400" i="1" dirty="0"/>
               <a:t>Framework</a:t>
             </a:r>
             <a:r>
-              <a:rPr lang="en-US" dirty="0"/>
+              <a:rPr lang="en-US" sz="2400" dirty="0"/>
               <a:t> </a:t>
             </a:r>
             <a:r>
-              <a:rPr lang="en-US" dirty="0" err="1"/>
+              <a:rPr lang="en-US" sz="2400" dirty="0" err="1"/>
               <a:t>ePub</a:t>
             </a:r>
             <a:r>
-              <a:rPr lang="en-US" dirty="0"/>
+              <a:rPr lang="en-US" sz="2400" dirty="0"/>
               <a:t>;</a:t>
             </a:r>
-            <a:endParaRPr lang="pt-BR" dirty="0"/>
+            <a:endParaRPr lang="pt-BR" sz="2400" dirty="0"/>
           </a:p>
           <a:p>
             <a:pPr lvl="0"/>
             <a:r>
-              <a:rPr lang="en-US" dirty="0"/>
+              <a:rPr lang="en-US" sz="2400" dirty="0"/>
               <a:t>JUnit -  – </a:t>
             </a:r>
             <a:r>
-              <a:rPr lang="en-US" i="1" dirty="0"/>
+              <a:rPr lang="en-US" sz="2400" i="1" dirty="0"/>
               <a:t>Framework</a:t>
             </a:r>
             <a:r>
-              <a:rPr lang="en-US" dirty="0"/>
+              <a:rPr lang="en-US" sz="2400" dirty="0"/>
               <a:t> de testes;</a:t>
             </a:r>
-            <a:endParaRPr lang="pt-BR" dirty="0"/>
+            <a:endParaRPr lang="pt-BR" sz="2400" dirty="0"/>
           </a:p>
           <a:p>
             <a:pPr lvl="0"/>
             <a:r>
-              <a:rPr lang="pt-BR" dirty="0" err="1"/>
+              <a:rPr lang="pt-BR" sz="2400" dirty="0" err="1"/>
               <a:t>Maven</a:t>
             </a:r>
             <a:r>
-              <a:rPr lang="pt-BR" dirty="0"/>
+              <a:rPr lang="pt-BR" sz="2400" dirty="0"/>
               <a:t> – Ferramenta de </a:t>
             </a:r>
             <a:r>
-              <a:rPr lang="pt-BR" i="1" dirty="0"/>
+              <a:rPr lang="pt-BR" sz="2400" i="1" dirty="0"/>
               <a:t>build</a:t>
             </a:r>
             <a:r>
-              <a:rPr lang="pt-BR" dirty="0"/>
+              <a:rPr lang="pt-BR" sz="2400" dirty="0"/>
               <a:t>;</a:t>
             </a:r>
           </a:p>
           <a:p>
             <a:pPr lvl="0"/>
             <a:r>
-              <a:rPr lang="pt-BR" dirty="0" err="1"/>
+              <a:rPr lang="pt-BR" sz="2400" dirty="0" err="1"/>
               <a:t>Git</a:t>
             </a:r>
             <a:r>
-              <a:rPr lang="pt-BR" dirty="0"/>
+              <a:rPr lang="pt-BR" sz="2400" dirty="0"/>
               <a:t> – Controle de versão;</a:t>
             </a:r>
           </a:p>
           <a:p>
             <a:r>
-              <a:rPr lang="pt-BR" dirty="0"/>
+              <a:rPr lang="pt-BR" sz="2400" dirty="0"/>
               <a:t>Sonar – Ferramenta de análise de código.</a:t>
             </a:r>
-            <a:endParaRPr lang="pt-BR" dirty="0"/>
           </a:p>
         </p:txBody>
       </p:sp>
@@ -5333,7 +5373,9 @@
         </p:nvSpPr>
         <p:spPr/>
         <p:txBody>
-          <a:bodyPr/>
+          <a:bodyPr>
+            <a:noAutofit/>
+          </a:bodyPr>
           <a:lstStyle/>
           <a:p>
             <a:r>
@@ -5358,32 +5400,43 @@
             </a:r>
           </a:p>
           <a:p>
-            <a:r>
-              <a:rPr lang="pt-BR" dirty="0"/>
-              <a:t>d</a:t>
-            </a:r>
-            <a:r>
-              <a:rPr lang="pt-BR" dirty="0" smtClean="0"/>
-              <a:t>e entender</a:t>
-            </a:r>
-          </a:p>
-          <a:p>
-            <a:r>
-              <a:rPr lang="pt-BR" dirty="0" smtClean="0"/>
+            <a:pPr lvl="1"/>
+            <a:r>
+              <a:rPr lang="pt-BR" sz="2000" dirty="0"/>
+              <a:t>D</a:t>
+            </a:r>
+            <a:r>
+              <a:rPr lang="pt-BR" sz="2000" dirty="0" smtClean="0"/>
+              <a:t>e </a:t>
+            </a:r>
+            <a:r>
+              <a:rPr lang="pt-BR" sz="2000" dirty="0" smtClean="0"/>
+              <a:t>entender</a:t>
+            </a:r>
+          </a:p>
+          <a:p>
+            <a:pPr lvl="1"/>
+            <a:r>
+              <a:rPr lang="pt-BR" sz="2000" dirty="0" smtClean="0"/>
               <a:t>De ler</a:t>
             </a:r>
           </a:p>
           <a:p>
-            <a:r>
-              <a:rPr lang="pt-BR" dirty="0" smtClean="0"/>
-              <a:t>de </a:t>
-            </a:r>
-            <a:r>
-              <a:rPr lang="pt-BR" dirty="0"/>
+            <a:pPr lvl="1"/>
+            <a:r>
+              <a:rPr lang="pt-BR" sz="2000" dirty="0"/>
+              <a:t>D</a:t>
+            </a:r>
+            <a:r>
+              <a:rPr lang="pt-BR" sz="2000" dirty="0" smtClean="0"/>
+              <a:t>e </a:t>
+            </a:r>
+            <a:r>
+              <a:rPr lang="pt-BR" sz="2000" dirty="0"/>
               <a:t>dar </a:t>
             </a:r>
             <a:r>
-              <a:rPr lang="pt-BR" dirty="0" smtClean="0"/>
+              <a:rPr lang="pt-BR" sz="2000" dirty="0" smtClean="0"/>
               <a:t>manutenção</a:t>
             </a:r>
           </a:p>
@@ -5397,27 +5450,39 @@
             </a:r>
           </a:p>
           <a:p>
-            <a:r>
-              <a:rPr lang="pt-BR" dirty="0"/>
-              <a:t>códigos </a:t>
-            </a:r>
-            <a:r>
-              <a:rPr lang="pt-BR" dirty="0" smtClean="0"/>
+            <a:pPr lvl="1"/>
+            <a:r>
+              <a:rPr lang="pt-BR" sz="2000" dirty="0"/>
+              <a:t>C</a:t>
+            </a:r>
+            <a:r>
+              <a:rPr lang="pt-BR" sz="2000" dirty="0" smtClean="0"/>
+              <a:t>ódigos </a:t>
+            </a:r>
+            <a:r>
+              <a:rPr lang="pt-BR" sz="2000" dirty="0" smtClean="0"/>
               <a:t>extensos</a:t>
             </a:r>
           </a:p>
           <a:p>
-            <a:r>
-              <a:rPr lang="pt-BR" dirty="0" smtClean="0"/>
-              <a:t>inconsistentes </a:t>
-            </a:r>
-          </a:p>
-          <a:p>
-            <a:r>
-              <a:rPr lang="pt-BR" dirty="0" smtClean="0"/>
-              <a:t> duplicados</a:t>
-            </a:r>
-            <a:endParaRPr lang="pt-BR" dirty="0"/>
+            <a:pPr lvl="1"/>
+            <a:r>
+              <a:rPr lang="pt-BR" sz="2000" dirty="0"/>
+              <a:t>I</a:t>
+            </a:r>
+            <a:r>
+              <a:rPr lang="pt-BR" sz="2000" dirty="0" smtClean="0"/>
+              <a:t>nconsistentes </a:t>
+            </a:r>
+            <a:endParaRPr lang="pt-BR" sz="2000" dirty="0" smtClean="0"/>
+          </a:p>
+          <a:p>
+            <a:pPr lvl="1"/>
+            <a:r>
+              <a:rPr lang="pt-BR" sz="2000" dirty="0" smtClean="0"/>
+              <a:t>Duplicados</a:t>
+            </a:r>
+            <a:endParaRPr lang="pt-BR" sz="2000" dirty="0"/>
           </a:p>
         </p:txBody>
       </p:sp>
@@ -5550,7 +5615,11 @@
           <a:bodyPr/>
           <a:lstStyle/>
           <a:p>
-            <a:endParaRPr lang="pt-BR"/>
+            <a:r>
+              <a:rPr lang="pt-BR" dirty="0" err="1" smtClean="0"/>
+              <a:t>Sublistas</a:t>
+            </a:r>
+            <a:endParaRPr lang="pt-BR" dirty="0"/>
           </a:p>
         </p:txBody>
       </p:sp>
@@ -6304,12 +6373,18 @@
         </p:nvSpPr>
         <p:spPr/>
         <p:txBody>
-          <a:bodyPr/>
-          <a:lstStyle/>
-          <a:p>
+          <a:bodyPr>
+            <a:noAutofit/>
+          </a:bodyPr>
+          <a:lstStyle/>
+          <a:p>
+            <a:r>
+              <a:rPr lang="pt-BR" dirty="0" smtClean="0"/>
+              <a:t>Aplicação </a:t>
+            </a:r>
             <a:r>
               <a:rPr lang="pt-BR" dirty="0"/>
-              <a:t>Este trabalho tem por objetivo desenvolver uma aplicação Web aplicando Test-</a:t>
+              <a:t>Web aplicando Test-</a:t>
             </a:r>
             <a:r>
               <a:rPr lang="pt-BR" dirty="0" err="1"/>
@@ -6325,7 +6400,99 @@
             </a:r>
             <a:r>
               <a:rPr lang="pt-BR" dirty="0"/>
-              <a:t> (TDD) como alternativa de garantia de qualidade no desenvolvimento de software. A aplicação deve ser capaz de interpretar texto sinalizado com caracteres especiais para marcar e transformar em um arquivo e-Pub (e-book, livro digital), além de estudar as métricas de qualidade na produção da aplicação, garantir a legibilidade do código produzido, analisar a escalabilidade e a tolerância à mudança de requisitos do sistema, e também a influência do TDD no design do projeto.</a:t>
+              <a:t> (</a:t>
+            </a:r>
+            <a:r>
+              <a:rPr lang="pt-BR" dirty="0" smtClean="0"/>
+              <a:t>TDD)como alternativa </a:t>
+            </a:r>
+            <a:r>
+              <a:rPr lang="pt-BR" dirty="0"/>
+              <a:t>de garantia de qualidade </a:t>
+            </a:r>
+            <a:endParaRPr lang="pt-BR" dirty="0" smtClean="0"/>
+          </a:p>
+          <a:p>
+            <a:r>
+              <a:rPr lang="pt-BR" dirty="0" smtClean="0"/>
+              <a:t>A </a:t>
+            </a:r>
+            <a:r>
+              <a:rPr lang="pt-BR" dirty="0"/>
+              <a:t>aplicação deve ser capaz de interpretar texto sinalizado com caracteres especiais </a:t>
+            </a:r>
+            <a:endParaRPr lang="pt-BR" dirty="0" smtClean="0"/>
+          </a:p>
+          <a:p>
+            <a:r>
+              <a:rPr lang="pt-BR" dirty="0" smtClean="0"/>
+              <a:t>E</a:t>
+            </a:r>
+            <a:r>
+              <a:rPr lang="pt-BR" dirty="0" smtClean="0"/>
+              <a:t>studar </a:t>
+            </a:r>
+            <a:r>
+              <a:rPr lang="pt-BR" dirty="0"/>
+              <a:t>as métricas de qualidade na produção da </a:t>
+            </a:r>
+            <a:r>
+              <a:rPr lang="pt-BR" dirty="0" smtClean="0"/>
+              <a:t>aplicação</a:t>
+            </a:r>
+            <a:endParaRPr lang="pt-BR" dirty="0"/>
+          </a:p>
+          <a:p>
+            <a:pPr lvl="1"/>
+            <a:r>
+              <a:rPr lang="pt-BR" sz="2000" dirty="0" smtClean="0"/>
+              <a:t>legibilidade </a:t>
+            </a:r>
+            <a:r>
+              <a:rPr lang="pt-BR" sz="2000" dirty="0"/>
+              <a:t>do código </a:t>
+            </a:r>
+            <a:r>
+              <a:rPr lang="pt-BR" sz="2000" dirty="0" smtClean="0"/>
+              <a:t>produzido</a:t>
+            </a:r>
+          </a:p>
+          <a:p>
+            <a:pPr lvl="1"/>
+            <a:r>
+              <a:rPr lang="pt-BR" sz="2000" dirty="0" smtClean="0"/>
+              <a:t>analisar </a:t>
+            </a:r>
+            <a:r>
+              <a:rPr lang="pt-BR" sz="2000" dirty="0"/>
+              <a:t>a escalabilidade </a:t>
+            </a:r>
+            <a:endParaRPr lang="pt-BR" sz="2000" dirty="0" smtClean="0"/>
+          </a:p>
+          <a:p>
+            <a:pPr lvl="1"/>
+            <a:r>
+              <a:rPr lang="pt-BR" sz="2000" dirty="0" smtClean="0"/>
+              <a:t>tolerância </a:t>
+            </a:r>
+            <a:r>
+              <a:rPr lang="pt-BR" sz="2000" dirty="0"/>
+              <a:t>à mudança de requisitos do </a:t>
+            </a:r>
+            <a:r>
+              <a:rPr lang="pt-BR" sz="2000" dirty="0" smtClean="0"/>
+              <a:t>sistema</a:t>
+            </a:r>
+          </a:p>
+          <a:p>
+            <a:pPr lvl="1"/>
+            <a:r>
+              <a:rPr lang="pt-BR" sz="2000" dirty="0" smtClean="0"/>
+              <a:t>TDD </a:t>
+            </a:r>
+            <a:r>
+              <a:rPr lang="pt-BR" sz="2000" dirty="0"/>
+              <a:t>no design do projeto.</a:t>
             </a:r>
           </a:p>
         </p:txBody>
@@ -7210,7 +7377,7 @@
         <p:spPr/>
         <p:txBody>
           <a:bodyPr>
-            <a:normAutofit/>
+            <a:noAutofit/>
           </a:bodyPr>
           <a:lstStyle/>
           <a:p>
@@ -7815,153 +7982,98 @@
         <p:spPr/>
         <p:txBody>
           <a:bodyPr>
-            <a:normAutofit fontScale="55000" lnSpcReduction="20000"/>
+            <a:noAutofit/>
           </a:bodyPr>
           <a:lstStyle/>
           <a:p>
             <a:r>
-              <a:rPr lang="pt-BR" dirty="0"/>
-              <a:t>Este trabalho oferece uma visão objetiva de como o TDD pode ser uma técnica alternativa no desenvolvimento de um software, alcançando uma qualidade adequada na implementação de um código funcional.</a:t>
-            </a:r>
-          </a:p>
-          <a:p>
-            <a:r>
-              <a:rPr lang="pt-BR" dirty="0"/>
-              <a:t>	O conceito técnico do TDD é abordado em um ciclo do processo do trabalho, mostrando como a técnica pode ser aplicada na produção de uma aplicação Web, capaz de transformar um texto em código HTML para a geração de um livro digital </a:t>
-            </a:r>
-            <a:r>
-              <a:rPr lang="pt-BR" dirty="0" err="1"/>
-              <a:t>ePub</a:t>
-            </a:r>
-            <a:r>
-              <a:rPr lang="pt-BR" dirty="0"/>
+              <a:rPr lang="pt-BR" sz="2400" dirty="0" smtClean="0"/>
+              <a:t>TDD </a:t>
+            </a:r>
+            <a:r>
+              <a:rPr lang="pt-BR" sz="2400" dirty="0"/>
+              <a:t>pode ser uma técnica alternativa no desenvolvimento de um </a:t>
+            </a:r>
+            <a:r>
+              <a:rPr lang="pt-BR" sz="2400" dirty="0" smtClean="0"/>
+              <a:t>software.</a:t>
+            </a:r>
+            <a:endParaRPr lang="pt-BR" sz="2400" dirty="0"/>
+          </a:p>
+          <a:p>
+            <a:r>
+              <a:rPr lang="pt-BR" sz="2400" dirty="0" smtClean="0"/>
+              <a:t>Foi alcançado qualidade </a:t>
+            </a:r>
+            <a:r>
+              <a:rPr lang="pt-BR" sz="2400" dirty="0"/>
+              <a:t>do código produzido e um </a:t>
+            </a:r>
+            <a:r>
+              <a:rPr lang="pt-BR" sz="2400" i="1" dirty="0"/>
+              <a:t>design</a:t>
+            </a:r>
+            <a:r>
+              <a:rPr lang="pt-BR" sz="2400" dirty="0"/>
+              <a:t> de código </a:t>
+            </a:r>
+            <a:r>
+              <a:rPr lang="pt-BR" sz="2400" dirty="0" smtClean="0"/>
+              <a:t>legível, com </a:t>
+            </a:r>
+            <a:r>
+              <a:rPr lang="pt-BR" sz="2400" dirty="0"/>
+              <a:t>baixo acoplamento, alta coesão, testável e passível de mudanças</a:t>
+            </a:r>
+            <a:r>
+              <a:rPr lang="pt-BR" sz="2400" dirty="0" smtClean="0"/>
               <a:t>.</a:t>
             </a:r>
-          </a:p>
-          <a:p>
-            <a:r>
-              <a:rPr lang="pt-BR" dirty="0"/>
-              <a:t>	Com o TDD foi possível alcançar o objetivo esperado, que era garantir a qualidade do código produzido e um </a:t>
-            </a:r>
-            <a:r>
-              <a:rPr lang="pt-BR" i="1" dirty="0"/>
-              <a:t>design</a:t>
-            </a:r>
-            <a:r>
-              <a:rPr lang="pt-BR" dirty="0"/>
-              <a:t> de código legível, com baixo acoplamento, alta coesão, testável e passível de mudanças. O processo do desenvolvimento aplicou o TDD tanto na produção do código e quanto no design do modelo de classes.</a:t>
-            </a:r>
-          </a:p>
-          <a:p>
-            <a:r>
-              <a:rPr lang="pt-BR" dirty="0"/>
-              <a:t>	Foi possível notar o benefício da técnica utilizada, após alguns ciclos com a técnica do TDD, já que a aplicação foi ganhando forma e tornando-se funcional. O objetivo não foi a produção completa da aplicação, mas mostrar que o TDD desacopla a produção do projeto e torna-o menos dependente e mais reutilizável.</a:t>
-            </a:r>
-          </a:p>
-          <a:p>
-            <a:r>
-              <a:rPr lang="pt-BR" dirty="0"/>
-              <a:t>	Para auxílio da produção do código foi usado o conceito de lista de tarefas, para que o desenvolvedor solo não fique à deriva no início das interações do TDD na produção da aplicação. </a:t>
-            </a:r>
-          </a:p>
-          <a:p>
-            <a:r>
-              <a:rPr lang="pt-BR" dirty="0"/>
-              <a:t>	Assim que concluído alguns ciclos, foi possível ver o surgimento de um bom </a:t>
-            </a:r>
-            <a:r>
-              <a:rPr lang="pt-BR" i="1" dirty="0"/>
-              <a:t>design</a:t>
-            </a:r>
-            <a:r>
-              <a:rPr lang="pt-BR" dirty="0"/>
-              <a:t> de código e a aparição, mesmo que não planejada, de </a:t>
-            </a:r>
-            <a:r>
-              <a:rPr lang="pt-BR" i="1" dirty="0"/>
-              <a:t>design </a:t>
-            </a:r>
-            <a:r>
-              <a:rPr lang="pt-BR" i="1" dirty="0" err="1"/>
+            <a:endParaRPr lang="pt-BR" sz="2400" dirty="0"/>
+          </a:p>
+          <a:p>
+            <a:r>
+              <a:rPr lang="pt-BR" sz="2400" dirty="0" smtClean="0"/>
+              <a:t> </a:t>
+            </a:r>
+            <a:r>
+              <a:rPr lang="pt-BR" sz="2400" dirty="0"/>
+              <a:t>O objetivo não foi a produção completa da </a:t>
+            </a:r>
+            <a:r>
+              <a:rPr lang="pt-BR" sz="2400" dirty="0" smtClean="0"/>
+              <a:t>aplicação</a:t>
+            </a:r>
+            <a:r>
+              <a:rPr lang="pt-BR" sz="2400" dirty="0" smtClean="0"/>
+              <a:t>.</a:t>
+            </a:r>
+            <a:endParaRPr lang="pt-BR" sz="2400" dirty="0"/>
+          </a:p>
+          <a:p>
+            <a:r>
+              <a:rPr lang="pt-BR" sz="2400" i="1" dirty="0" smtClean="0"/>
+              <a:t>Design </a:t>
+            </a:r>
+            <a:r>
+              <a:rPr lang="pt-BR" sz="2400" i="1" dirty="0" err="1"/>
               <a:t>patterns</a:t>
             </a:r>
             <a:r>
-              <a:rPr lang="pt-BR" dirty="0"/>
+              <a:rPr lang="pt-BR" sz="2400" dirty="0"/>
               <a:t> provando que o TDD guia não somente a implementação de código, mais também o </a:t>
             </a:r>
             <a:r>
-              <a:rPr lang="pt-BR" i="1" dirty="0"/>
-              <a:t>design</a:t>
-            </a:r>
-            <a:r>
-              <a:rPr lang="pt-BR" dirty="0"/>
-              <a:t>, mostrando ser uma técnica completa para o desenvolvimento de um software.</a:t>
-            </a:r>
-          </a:p>
-          <a:p>
-            <a:r>
-              <a:rPr lang="pt-BR" dirty="0"/>
-              <a:t>	O trabalho principalmente utilizou o </a:t>
-            </a:r>
-            <a:r>
-              <a:rPr lang="pt-BR" i="1" dirty="0"/>
-              <a:t>framework</a:t>
-            </a:r>
-            <a:r>
-              <a:rPr lang="pt-BR" dirty="0"/>
-              <a:t> </a:t>
-            </a:r>
-            <a:r>
-              <a:rPr lang="pt-BR" dirty="0" err="1"/>
-              <a:t>JUnit</a:t>
-            </a:r>
-            <a:r>
-              <a:rPr lang="pt-BR" dirty="0"/>
-              <a:t> para facilitar a utilização da técnica de TDD, omitindo a complexidade da utilização da ferramenta de testes, focando o trabalho na técnica do TDD e seus benefícios.</a:t>
-            </a:r>
-          </a:p>
-          <a:p>
-            <a:r>
-              <a:rPr lang="pt-BR" dirty="0"/>
-              <a:t>	É possível continuar em trabalhos futuros a produção da aplicação de </a:t>
-            </a:r>
-            <a:r>
-              <a:rPr lang="pt-BR" dirty="0" err="1"/>
-              <a:t>ePub</a:t>
-            </a:r>
-            <a:r>
-              <a:rPr lang="pt-BR" dirty="0"/>
-              <a:t>, por meio do TDD, tornando-a uma ferramenta completamente funcional de publicação de livros digitais. Também é possível abordar o </a:t>
-            </a:r>
-            <a:r>
-              <a:rPr lang="pt-BR" i="1" dirty="0"/>
-              <a:t>framework </a:t>
-            </a:r>
-            <a:r>
-              <a:rPr lang="pt-BR" dirty="0" err="1"/>
-              <a:t>JUnit</a:t>
-            </a:r>
-            <a:r>
-              <a:rPr lang="pt-BR" dirty="0"/>
-              <a:t> de forma a explanar melhor as técnicas e alternativas de testes para demonstrar as maneiras que o </a:t>
-            </a:r>
-            <a:r>
-              <a:rPr lang="pt-BR" i="1" dirty="0"/>
-              <a:t>framework</a:t>
-            </a:r>
-            <a:r>
-              <a:rPr lang="pt-BR" dirty="0"/>
-              <a:t> de testes auxilia a técnica de TDD.  É interessante utilizar a técnica TDD e efetuar a comparação utilizando o </a:t>
-            </a:r>
-            <a:r>
-              <a:rPr lang="pt-BR" dirty="0" err="1"/>
-              <a:t>SonarQube</a:t>
-            </a:r>
-            <a:r>
-              <a:rPr lang="pt-BR" dirty="0"/>
-              <a:t> para avaliar a eficiência da obtenção de qualidade.</a:t>
-            </a:r>
-            <a:endParaRPr lang="pt-BR" dirty="0"/>
+              <a:rPr lang="pt-BR" sz="2400" i="1" dirty="0" smtClean="0"/>
+              <a:t>design.</a:t>
+            </a:r>
+            <a:endParaRPr lang="pt-BR" sz="2400" dirty="0"/>
+          </a:p>
+          <a:p>
+            <a:pPr marL="0" indent="0">
+              <a:buNone/>
+            </a:pPr>
+            <a:endParaRPr lang="pt-BR" sz="2400" dirty="0"/>
           </a:p>
         </p:txBody>
       </p:sp>
@@ -8011,239 +8123,109 @@
           <a:lstStyle/>
           <a:p>
             <a:r>
+              <a:rPr lang="pt-BR" dirty="0" smtClean="0"/>
+              <a:t>Trabalhos futuros</a:t>
+            </a:r>
+            <a:endParaRPr lang="pt-BR" dirty="0"/>
+          </a:p>
+        </p:txBody>
+      </p:sp>
+      <p:sp>
+        <p:nvSpPr>
+          <p:cNvPr id="3" name="Espaço Reservado para Conteúdo 2"/>
+          <p:cNvSpPr>
+            <a:spLocks noGrp="1"/>
+          </p:cNvSpPr>
+          <p:nvPr>
+            <p:ph idx="1"/>
+          </p:nvPr>
+        </p:nvSpPr>
+        <p:spPr/>
+        <p:txBody>
+          <a:bodyPr/>
+          <a:lstStyle/>
+          <a:p>
+            <a:pPr marL="0" indent="0">
+              <a:buNone/>
+            </a:pPr>
+            <a:r>
               <a:rPr lang="pt-BR" dirty="0"/>
-              <a:t>Referências</a:t>
-            </a:r>
-          </a:p>
-        </p:txBody>
-      </p:sp>
-      <p:sp>
-        <p:nvSpPr>
-          <p:cNvPr id="3" name="Espaço Reservado para Conteúdo 2"/>
-          <p:cNvSpPr>
-            <a:spLocks noGrp="1"/>
-          </p:cNvSpPr>
-          <p:nvPr>
-            <p:ph idx="1"/>
-          </p:nvPr>
-        </p:nvSpPr>
-        <p:spPr/>
-        <p:txBody>
-          <a:bodyPr>
-            <a:normAutofit fontScale="92500" lnSpcReduction="20000"/>
-          </a:bodyPr>
-          <a:lstStyle/>
-          <a:p>
+              <a:t>P</a:t>
+            </a:r>
+            <a:r>
+              <a:rPr lang="pt-BR" dirty="0" smtClean="0"/>
+              <a:t>rodução </a:t>
+            </a:r>
             <a:r>
               <a:rPr lang="pt-BR" dirty="0"/>
-              <a:t>ANICHE, Mauricio. </a:t>
-            </a:r>
-            <a:r>
-              <a:rPr lang="pt-BR" b="1" dirty="0"/>
-              <a:t>Test </a:t>
-            </a:r>
-            <a:r>
-              <a:rPr lang="pt-BR" b="1" dirty="0" err="1"/>
-              <a:t>Driven</a:t>
-            </a:r>
-            <a:r>
-              <a:rPr lang="pt-BR" b="1" dirty="0"/>
-              <a:t> </a:t>
-            </a:r>
-            <a:r>
-              <a:rPr lang="pt-BR" b="1" dirty="0" err="1"/>
-              <a:t>Development</a:t>
-            </a:r>
-            <a:r>
-              <a:rPr lang="pt-BR" b="1" dirty="0"/>
-              <a:t>: </a:t>
+              <a:t>da aplicação de </a:t>
+            </a:r>
+            <a:r>
+              <a:rPr lang="pt-BR" dirty="0" err="1"/>
+              <a:t>ePub</a:t>
             </a:r>
             <a:r>
               <a:rPr lang="pt-BR" dirty="0"/>
-              <a:t>Teste e Design no Mundo Real. Internet: Casa do </a:t>
+              <a:t>, por meio do TDD, tornando-a uma ferramenta completamente funcional de publicação de livros digitais. </a:t>
+            </a:r>
+            <a:endParaRPr lang="pt-BR" dirty="0" smtClean="0"/>
+          </a:p>
+          <a:p>
+            <a:pPr marL="0" indent="0">
+              <a:buNone/>
+            </a:pPr>
+            <a:r>
+              <a:rPr lang="pt-BR" dirty="0" smtClean="0"/>
+              <a:t>Também </a:t>
+            </a:r>
+            <a:r>
+              <a:rPr lang="pt-BR" dirty="0"/>
+              <a:t>é possível abordar o </a:t>
+            </a:r>
+            <a:r>
+              <a:rPr lang="pt-BR" i="1" dirty="0"/>
+              <a:t>framework </a:t>
             </a:r>
             <a:r>
               <a:rPr lang="pt-BR" dirty="0" err="1"/>
-              <a:t>Codigo</a:t>
+              <a:t>JUnit</a:t>
             </a:r>
             <a:r>
               <a:rPr lang="pt-BR" dirty="0"/>
-              <a:t>, 2014. 181 p</a:t>
-            </a:r>
+              <a:t> de forma a explanar melhor as técnicas e alternativas de testes para demonstrar as maneiras que o </a:t>
+            </a:r>
+            <a:r>
+              <a:rPr lang="pt-BR" i="1" dirty="0"/>
+              <a:t>framework</a:t>
+            </a:r>
+            <a:r>
+              <a:rPr lang="pt-BR" dirty="0"/>
+              <a:t> de testes auxilia a técnica de TDD.  </a:t>
+            </a:r>
+            <a:endParaRPr lang="pt-BR" dirty="0" smtClean="0"/>
+          </a:p>
+          <a:p>
+            <a:pPr marL="0" indent="0">
+              <a:buNone/>
+            </a:pPr>
             <a:r>
               <a:rPr lang="pt-BR" dirty="0" smtClean="0"/>
-              <a:t>.</a:t>
-            </a:r>
-            <a:endParaRPr lang="pt-BR" dirty="0"/>
-          </a:p>
-          <a:p>
+              <a:t>Utilizar </a:t>
+            </a:r>
             <a:r>
               <a:rPr lang="pt-BR" dirty="0"/>
-              <a:t>BECK, Kent. </a:t>
-            </a:r>
-            <a:r>
-              <a:rPr lang="pt-BR" b="1" dirty="0"/>
-              <a:t>TDD: Desenvolvimento Guiado Por Testes</a:t>
+              <a:t>a técnica TDD e efetuar a comparação utilizando o </a:t>
+            </a:r>
+            <a:r>
+              <a:rPr lang="pt-BR" dirty="0" err="1"/>
+              <a:t>SonarQube</a:t>
             </a:r>
             <a:r>
               <a:rPr lang="pt-BR" dirty="0"/>
-              <a:t>. Porto Alegre: </a:t>
-            </a:r>
-            <a:r>
-              <a:rPr lang="pt-BR" dirty="0" err="1"/>
-              <a:t>Bookman</a:t>
-            </a:r>
-            <a:r>
-              <a:rPr lang="pt-BR" dirty="0"/>
-              <a:t>, 2010. 240 p</a:t>
-            </a:r>
-            <a:r>
-              <a:rPr lang="pt-BR" dirty="0" smtClean="0"/>
-              <a:t>.</a:t>
-            </a:r>
-            <a:endParaRPr lang="pt-BR" dirty="0"/>
-          </a:p>
-          <a:p>
-            <a:r>
-              <a:rPr lang="pt-BR" dirty="0"/>
-              <a:t>BECK, Kent et al. </a:t>
-            </a:r>
-            <a:r>
-              <a:rPr lang="pt-BR" b="1" dirty="0"/>
-              <a:t>Manifesto para o desenvolvimento ágil de software</a:t>
-            </a:r>
-            <a:r>
-              <a:rPr lang="pt-BR" dirty="0"/>
-              <a:t>. 2001. Disponível em: &lt;http://www.manifestoagil.com.br/&gt;. Acesso em: 01 jan. 2001</a:t>
-            </a:r>
-            <a:r>
-              <a:rPr lang="pt-BR" dirty="0" smtClean="0"/>
-              <a:t>.</a:t>
-            </a:r>
-            <a:endParaRPr lang="pt-BR" dirty="0"/>
-          </a:p>
-          <a:p>
-            <a:r>
-              <a:rPr lang="pt-BR" dirty="0"/>
-              <a:t>BROOKS JUNIOR, Frederick Phillips. </a:t>
-            </a:r>
-            <a:r>
-              <a:rPr lang="pt-BR" b="1" dirty="0"/>
-              <a:t>O </a:t>
-            </a:r>
-            <a:r>
-              <a:rPr lang="pt-BR" b="1" dirty="0" err="1"/>
-              <a:t>Mitico</a:t>
-            </a:r>
-            <a:r>
-              <a:rPr lang="pt-BR" b="1" dirty="0"/>
-              <a:t> Homem-</a:t>
-            </a:r>
-            <a:r>
-              <a:rPr lang="pt-BR" b="1" dirty="0" err="1"/>
-              <a:t>Mes</a:t>
-            </a:r>
-            <a:r>
-              <a:rPr lang="pt-BR" b="1" dirty="0"/>
-              <a:t>: </a:t>
-            </a:r>
-            <a:r>
-              <a:rPr lang="pt-BR" dirty="0"/>
-              <a:t>Ensaios sobre engenharia de software. Rio de Janeiro: Campus, 2009. 300 p</a:t>
-            </a:r>
-            <a:r>
-              <a:rPr lang="pt-BR" dirty="0" smtClean="0"/>
-              <a:t>.</a:t>
-            </a:r>
-            <a:endParaRPr lang="pt-BR" dirty="0"/>
-          </a:p>
-          <a:p>
-            <a:r>
-              <a:rPr lang="pt-BR" dirty="0"/>
-              <a:t>CAELUM (São Paulo). </a:t>
-            </a:r>
-            <a:r>
-              <a:rPr lang="pt-BR" dirty="0" err="1"/>
-              <a:t>Caelum</a:t>
-            </a:r>
-            <a:r>
-              <a:rPr lang="pt-BR" dirty="0"/>
-              <a:t> Ensino e Inovação. </a:t>
-            </a:r>
-            <a:r>
-              <a:rPr lang="pt-BR" b="1" dirty="0"/>
-              <a:t>Práticas Ágeis de Desenvolvimento de Software em Java: </a:t>
-            </a:r>
-            <a:r>
-              <a:rPr lang="pt-BR" dirty="0"/>
-              <a:t>Curso PM-87. </a:t>
-            </a:r>
-            <a:r>
-              <a:rPr lang="en-US" dirty="0"/>
-              <a:t>São Paulo, 2014</a:t>
-            </a:r>
-            <a:r>
-              <a:rPr lang="en-US" dirty="0" smtClean="0"/>
-              <a:t>.</a:t>
-            </a:r>
-            <a:endParaRPr lang="pt-BR" dirty="0"/>
-          </a:p>
-          <a:p>
-            <a:r>
-              <a:rPr lang="en-US" dirty="0"/>
-              <a:t>CRISPIN, Lisa. </a:t>
-            </a:r>
-            <a:r>
-              <a:rPr lang="en-US" b="1" dirty="0"/>
-              <a:t>Driving Software Quality</a:t>
-            </a:r>
-            <a:r>
-              <a:rPr lang="en-US" dirty="0"/>
-              <a:t>: How Test-Driven Development Impacts Software Quality. In: QUALITY TIME. Quality time. </a:t>
-            </a:r>
-            <a:r>
-              <a:rPr lang="en-US" dirty="0" err="1"/>
-              <a:t>Ieee</a:t>
-            </a:r>
-            <a:r>
-              <a:rPr lang="en-US" dirty="0"/>
-              <a:t>, 2006. v. 23, p. 70 - 71</a:t>
-            </a:r>
-            <a:r>
-              <a:rPr lang="en-US" dirty="0" smtClean="0"/>
-              <a:t>.</a:t>
-            </a:r>
-            <a:endParaRPr lang="pt-BR" dirty="0"/>
-          </a:p>
-          <a:p>
-            <a:r>
-              <a:rPr lang="en-US" dirty="0"/>
-              <a:t>CUNNIGHAM, Ward. </a:t>
-            </a:r>
-            <a:r>
-              <a:rPr lang="pt-BR" b="1" dirty="0" err="1"/>
-              <a:t>Technical</a:t>
-            </a:r>
-            <a:r>
-              <a:rPr lang="pt-BR" b="1" dirty="0"/>
-              <a:t> </a:t>
-            </a:r>
-            <a:r>
-              <a:rPr lang="pt-BR" b="1" dirty="0" err="1"/>
-              <a:t>Debt</a:t>
-            </a:r>
-            <a:r>
-              <a:rPr lang="pt-BR" b="1" dirty="0"/>
-              <a:t>. </a:t>
-            </a:r>
-            <a:r>
-              <a:rPr lang="pt-BR" dirty="0"/>
-              <a:t>2014. Disponível em: &lt;http://c2.com/cgi/wiki?TechnicalDebt&gt;. Acesso em: 22 mar. 2015</a:t>
-            </a:r>
-            <a:r>
-              <a:rPr lang="pt-BR" dirty="0" smtClean="0"/>
-              <a:t>.</a:t>
-            </a:r>
+              <a:t> para avaliar a eficiência da obtenção de qualidade.</a:t>
+            </a:r>
+          </a:p>
+          <a:p>
             <a:endParaRPr lang="pt-BR" dirty="0"/>
           </a:p>
         </p:txBody>
@@ -8251,7 +8233,7 @@
     </p:spTree>
     <p:extLst>
       <p:ext uri="{BB962C8B-B14F-4D97-AF65-F5344CB8AC3E}">
-        <p14:creationId xmlns:p14="http://schemas.microsoft.com/office/powerpoint/2010/main" val="318647329"/>
+        <p14:creationId xmlns:p14="http://schemas.microsoft.com/office/powerpoint/2010/main" val="357187015"/>
       </p:ext>
     </p:extLst>
   </p:cSld>
@@ -8293,7 +8275,10 @@
           <a:bodyPr/>
           <a:lstStyle/>
           <a:p>
-            <a:endParaRPr lang="pt-BR"/>
+            <a:r>
+              <a:rPr lang="pt-BR" dirty="0"/>
+              <a:t>Referências</a:t>
+            </a:r>
           </a:p>
         </p:txBody>
       </p:sp>
@@ -8310,24 +8295,45 @@
         <p:spPr/>
         <p:txBody>
           <a:bodyPr>
-            <a:normAutofit fontScale="85000" lnSpcReduction="20000"/>
+            <a:normAutofit fontScale="92500" lnSpcReduction="20000"/>
           </a:bodyPr>
           <a:lstStyle/>
           <a:p>
-            <a:endParaRPr lang="pt-BR" dirty="0"/>
-          </a:p>
-          <a:p>
             <a:r>
               <a:rPr lang="pt-BR" dirty="0"/>
-              <a:t>DEVMEDIA. </a:t>
+              <a:t>ANICHE, Mauricio. </a:t>
             </a:r>
             <a:r>
               <a:rPr lang="pt-BR" b="1" dirty="0"/>
-              <a:t>Sequência de Fibonacci em Java. </a:t>
+              <a:t>Test </a:t>
+            </a:r>
+            <a:r>
+              <a:rPr lang="pt-BR" b="1" dirty="0" err="1"/>
+              <a:t>Driven</a:t>
+            </a:r>
+            <a:r>
+              <a:rPr lang="pt-BR" b="1" dirty="0"/>
+              <a:t> </a:t>
+            </a:r>
+            <a:r>
+              <a:rPr lang="pt-BR" b="1" dirty="0" err="1"/>
+              <a:t>Development</a:t>
+            </a:r>
+            <a:r>
+              <a:rPr lang="pt-BR" b="1" dirty="0"/>
+              <a:t>: </a:t>
             </a:r>
             <a:r>
               <a:rPr lang="pt-BR" dirty="0"/>
-              <a:t>Disponível em: &lt;http://www.devmedia.com.br/sequencia-de-fibonacci-em-java/23620&gt;. Acesso em: 22 mar. 2015</a:t>
+              <a:t>Teste e Design no Mundo Real. Internet: Casa do </a:t>
+            </a:r>
+            <a:r>
+              <a:rPr lang="pt-BR" dirty="0" err="1"/>
+              <a:t>Codigo</a:t>
+            </a:r>
+            <a:r>
+              <a:rPr lang="pt-BR" dirty="0"/>
+              <a:t>, 2014. 181 p</a:t>
             </a:r>
             <a:r>
               <a:rPr lang="pt-BR" dirty="0" smtClean="0"/>
@@ -8338,23 +8344,108 @@
           <a:p>
             <a:r>
               <a:rPr lang="pt-BR" dirty="0"/>
-              <a:t>FEATHERS, Michael C.. </a:t>
+              <a:t>BECK, Kent. </a:t>
             </a:r>
             <a:r>
               <a:rPr lang="pt-BR" b="1" dirty="0"/>
-              <a:t>Trabalho eficaz com </a:t>
+              <a:t>TDD: Desenvolvimento Guiado Por Testes</a:t>
+            </a:r>
+            <a:r>
+              <a:rPr lang="pt-BR" dirty="0"/>
+              <a:t>. Porto Alegre: </a:t>
+            </a:r>
+            <a:r>
+              <a:rPr lang="pt-BR" dirty="0" err="1"/>
+              <a:t>Bookman</a:t>
+            </a:r>
+            <a:r>
+              <a:rPr lang="pt-BR" dirty="0"/>
+              <a:t>, 2010. 240 p</a:t>
+            </a:r>
+            <a:r>
+              <a:rPr lang="pt-BR" dirty="0" smtClean="0"/>
+              <a:t>.</a:t>
+            </a:r>
+            <a:endParaRPr lang="pt-BR" dirty="0"/>
+          </a:p>
+          <a:p>
+            <a:r>
+              <a:rPr lang="pt-BR" dirty="0"/>
+              <a:t>BECK, Kent et al. </a:t>
+            </a:r>
+            <a:r>
+              <a:rPr lang="pt-BR" b="1" dirty="0"/>
+              <a:t>Manifesto para o desenvolvimento ágil de software</a:t>
+            </a:r>
+            <a:r>
+              <a:rPr lang="pt-BR" dirty="0"/>
+              <a:t>. 2001. Disponível em: &lt;http://www.manifestoagil.com.br/&gt;. Acesso em: 01 jan. 2001</a:t>
+            </a:r>
+            <a:r>
+              <a:rPr lang="pt-BR" dirty="0" smtClean="0"/>
+              <a:t>.</a:t>
+            </a:r>
+            <a:endParaRPr lang="pt-BR" dirty="0"/>
+          </a:p>
+          <a:p>
+            <a:r>
+              <a:rPr lang="pt-BR" dirty="0"/>
+              <a:t>BROOKS JUNIOR, Frederick Phillips. </a:t>
+            </a:r>
+            <a:r>
+              <a:rPr lang="pt-BR" b="1" dirty="0"/>
+              <a:t>O </a:t>
             </a:r>
             <a:r>
               <a:rPr lang="pt-BR" b="1" dirty="0" err="1"/>
-              <a:t>codigo</a:t>
+              <a:t>Mitico</a:t>
             </a:r>
             <a:r>
               <a:rPr lang="pt-BR" b="1" dirty="0"/>
-              <a:t> legado. </a:t>
+              <a:t> Homem-</a:t>
+            </a:r>
+            <a:r>
+              <a:rPr lang="pt-BR" b="1" dirty="0" err="1"/>
+              <a:t>Mes</a:t>
+            </a:r>
+            <a:r>
+              <a:rPr lang="pt-BR" b="1" dirty="0"/>
+              <a:t>: </a:t>
+            </a:r>
+            <a:r>
+              <a:rPr lang="pt-BR" dirty="0"/>
+              <a:t>Ensaios sobre engenharia de software. Rio de Janeiro: Campus, 2009. 300 p</a:t>
+            </a:r>
+            <a:r>
+              <a:rPr lang="pt-BR" dirty="0" smtClean="0"/>
+              <a:t>.</a:t>
+            </a:r>
+            <a:endParaRPr lang="pt-BR" dirty="0"/>
+          </a:p>
+          <a:p>
+            <a:r>
+              <a:rPr lang="pt-BR" dirty="0"/>
+              <a:t>CAELUM (São Paulo). </a:t>
+            </a:r>
+            <a:r>
+              <a:rPr lang="pt-BR" dirty="0" err="1"/>
+              <a:t>Caelum</a:t>
+            </a:r>
+            <a:r>
+              <a:rPr lang="pt-BR" dirty="0"/>
+              <a:t> Ensino e Inovação. </a:t>
+            </a:r>
+            <a:r>
+              <a:rPr lang="pt-BR" b="1" dirty="0"/>
+              <a:t>Práticas Ágeis de Desenvolvimento de Software em Java: </a:t>
+            </a:r>
+            <a:r>
+              <a:rPr lang="pt-BR" dirty="0"/>
+              <a:t>Curso PM-87. </a:t>
             </a:r>
             <a:r>
               <a:rPr lang="en-US" dirty="0"/>
-              <a:t>Porto Alegre: Bookman, 2013. 406 p</a:t>
+              <a:t>São Paulo, 2014</a:t>
             </a:r>
             <a:r>
               <a:rPr lang="en-US" dirty="0" smtClean="0"/>
@@ -8365,34 +8456,46 @@
           <a:p>
             <a:r>
               <a:rPr lang="en-US" dirty="0"/>
-              <a:t>FOWLER, Martin. </a:t>
-            </a:r>
-            <a:r>
-              <a:rPr lang="en-US" b="1" dirty="0" err="1"/>
-              <a:t>TechnicalDebt</a:t>
+              <a:t>CRISPIN, Lisa. </a:t>
             </a:r>
             <a:r>
               <a:rPr lang="en-US" b="1" dirty="0"/>
-              <a:t>. </a:t>
-            </a:r>
-            <a:r>
-              <a:rPr lang="pt-BR" dirty="0"/>
-              <a:t>2003. Disponível em: &lt;http://martinfowler.com/bliki/TechnicalDebt.html&gt;. Acesso em: 22 mar. 2015</a:t>
-            </a:r>
-            <a:r>
-              <a:rPr lang="pt-BR" dirty="0" smtClean="0"/>
+              <a:t>Driving Software Quality</a:t>
+            </a:r>
+            <a:r>
+              <a:rPr lang="en-US" dirty="0"/>
+              <a:t>: How Test-Driven Development Impacts Software Quality. In: QUALITY TIME. Quality time. </a:t>
+            </a:r>
+            <a:r>
+              <a:rPr lang="en-US" dirty="0" err="1"/>
+              <a:t>Ieee</a:t>
+            </a:r>
+            <a:r>
+              <a:rPr lang="en-US" dirty="0"/>
+              <a:t>, 2006. v. 23, p. 70 - 71</a:t>
+            </a:r>
+            <a:r>
+              <a:rPr lang="en-US" dirty="0" smtClean="0"/>
               <a:t>.</a:t>
             </a:r>
             <a:endParaRPr lang="pt-BR" dirty="0"/>
           </a:p>
           <a:p>
             <a:r>
-              <a:rPr lang="pt-BR" dirty="0"/>
-              <a:t>FOWLER, Martin. </a:t>
+              <a:rPr lang="en-US" dirty="0"/>
+              <a:t>CUNNIGHAM, Ward. </a:t>
             </a:r>
             <a:r>
               <a:rPr lang="pt-BR" b="1" dirty="0" err="1"/>
-              <a:t>Refactoring</a:t>
+              <a:t>Technical</a:t>
+            </a:r>
+            <a:r>
+              <a:rPr lang="pt-BR" b="1" dirty="0"/>
+              <a:t> </a:t>
+            </a:r>
+            <a:r>
+              <a:rPr lang="pt-BR" b="1" dirty="0" err="1"/>
+              <a:t>Debt</a:t>
             </a:r>
             <a:r>
               <a:rPr lang="pt-BR" b="1" dirty="0"/>
@@ -8400,100 +8503,7 @@
             </a:r>
             <a:r>
               <a:rPr lang="pt-BR" dirty="0"/>
-              <a:t>2013. Disponível em: &lt; http://refactoring.com/&gt;. </a:t>
-            </a:r>
-            <a:r>
-              <a:rPr lang="en-US" dirty="0" err="1"/>
-              <a:t>Acesso</a:t>
-            </a:r>
-            <a:r>
-              <a:rPr lang="en-US" dirty="0"/>
-              <a:t> </a:t>
-            </a:r>
-            <a:r>
-              <a:rPr lang="en-US" dirty="0" err="1"/>
-              <a:t>em</a:t>
-            </a:r>
-            <a:r>
-              <a:rPr lang="en-US" dirty="0"/>
-              <a:t>: 30 abr. </a:t>
-            </a:r>
-            <a:r>
-              <a:rPr lang="en-US" dirty="0" smtClean="0"/>
-              <a:t>2015.</a:t>
-            </a:r>
-            <a:endParaRPr lang="pt-BR" dirty="0"/>
-          </a:p>
-          <a:p>
-            <a:r>
-              <a:rPr lang="en-US" dirty="0"/>
-              <a:t>FOWLER, Martin et al. </a:t>
-            </a:r>
-            <a:r>
-              <a:rPr lang="en-US" b="1" dirty="0"/>
-              <a:t>Refactoring: </a:t>
-            </a:r>
-            <a:r>
-              <a:rPr lang="en-US" dirty="0"/>
-              <a:t>Improving the Design of Existing Code. </a:t>
-            </a:r>
-            <a:r>
-              <a:rPr lang="pt-BR" dirty="0" err="1"/>
-              <a:t>Mishawaka</a:t>
-            </a:r>
-            <a:r>
-              <a:rPr lang="pt-BR" dirty="0"/>
-              <a:t>: </a:t>
-            </a:r>
-            <a:r>
-              <a:rPr lang="pt-BR" dirty="0" err="1"/>
-              <a:t>Better</a:t>
-            </a:r>
-            <a:r>
-              <a:rPr lang="pt-BR" dirty="0"/>
-              <a:t> World Books, 2007. 431 p</a:t>
-            </a:r>
-            <a:r>
-              <a:rPr lang="pt-BR" dirty="0" smtClean="0"/>
-              <a:t>.</a:t>
-            </a:r>
-            <a:endParaRPr lang="pt-BR" dirty="0"/>
-          </a:p>
-          <a:p>
-            <a:r>
-              <a:rPr lang="pt-BR" dirty="0"/>
-              <a:t>GOMES, André Faria. </a:t>
-            </a:r>
-            <a:r>
-              <a:rPr lang="pt-BR" b="1" dirty="0" err="1"/>
-              <a:t>Agile</a:t>
-            </a:r>
-            <a:r>
-              <a:rPr lang="pt-BR" b="1" dirty="0"/>
-              <a:t>: </a:t>
-            </a:r>
-            <a:r>
-              <a:rPr lang="pt-BR" dirty="0"/>
-              <a:t>Desenvolvimento de software com entregas frequentes e foco no valor de negócio. Internet: Casa do </a:t>
-            </a:r>
-            <a:r>
-              <a:rPr lang="pt-BR" dirty="0" err="1"/>
-              <a:t>Codigo</a:t>
-            </a:r>
-            <a:r>
-              <a:rPr lang="pt-BR" dirty="0"/>
-              <a:t>, 2014. 176 p</a:t>
-            </a:r>
-            <a:r>
-              <a:rPr lang="pt-BR" dirty="0" smtClean="0"/>
-              <a:t>.</a:t>
-            </a:r>
-            <a:endParaRPr lang="pt-BR" dirty="0"/>
-          </a:p>
-          <a:p>
-            <a:r>
-              <a:rPr lang="pt-BR" dirty="0"/>
-              <a:t>GONÇALVES, Eduardo Corrêa. Sequência de Fibonacci em Java. 2012. Disponível em: &lt;http://www.devmedia.com.br/sequencia-de-fibonacci-em-java/23620&gt;. Acesso em: 18 mar. 2015</a:t>
+              <a:t>2014. Disponível em: &lt;http://c2.com/cgi/wiki?TechnicalDebt&gt;. Acesso em: 22 mar. 2015</a:t>
             </a:r>
             <a:r>
               <a:rPr lang="pt-BR" dirty="0" smtClean="0"/>
@@ -8506,7 +8516,7 @@
     </p:spTree>
     <p:extLst>
       <p:ext uri="{BB962C8B-B14F-4D97-AF65-F5344CB8AC3E}">
-        <p14:creationId xmlns:p14="http://schemas.microsoft.com/office/powerpoint/2010/main" val="2227679911"/>
+        <p14:creationId xmlns:p14="http://schemas.microsoft.com/office/powerpoint/2010/main" val="318647329"/>
       </p:ext>
     </p:extLst>
   </p:cSld>
@@ -8574,23 +8584,162 @@
           <a:p>
             <a:r>
               <a:rPr lang="pt-BR" dirty="0"/>
-              <a:t>GUERRA, Eduardo. </a:t>
+              <a:t>DEVMEDIA. </a:t>
             </a:r>
             <a:r>
               <a:rPr lang="pt-BR" b="1" dirty="0"/>
-              <a:t>Design </a:t>
+              <a:t>Sequência de Fibonacci em Java. </a:t>
+            </a:r>
+            <a:r>
+              <a:rPr lang="pt-BR" dirty="0"/>
+              <a:t>Disponível em: &lt;http://www.devmedia.com.br/sequencia-de-fibonacci-em-java/23620&gt;. Acesso em: 22 mar. 2015</a:t>
+            </a:r>
+            <a:r>
+              <a:rPr lang="pt-BR" dirty="0" smtClean="0"/>
+              <a:t>.</a:t>
+            </a:r>
+            <a:endParaRPr lang="pt-BR" dirty="0"/>
+          </a:p>
+          <a:p>
+            <a:r>
+              <a:rPr lang="pt-BR" dirty="0"/>
+              <a:t>FEATHERS, Michael C.. </a:t>
+            </a:r>
+            <a:r>
+              <a:rPr lang="pt-BR" b="1" dirty="0"/>
+              <a:t>Trabalho eficaz com </a:t>
             </a:r>
             <a:r>
               <a:rPr lang="pt-BR" b="1" dirty="0" err="1"/>
-              <a:t>Patterns</a:t>
+              <a:t>codigo</a:t>
             </a:r>
             <a:r>
               <a:rPr lang="pt-BR" b="1" dirty="0"/>
-              <a:t> com Java: </a:t>
+              <a:t> legado. </a:t>
+            </a:r>
+            <a:r>
+              <a:rPr lang="en-US" dirty="0"/>
+              <a:t>Porto Alegre: Bookman, 2013. 406 p</a:t>
+            </a:r>
+            <a:r>
+              <a:rPr lang="en-US" dirty="0" smtClean="0"/>
+              <a:t>.</a:t>
+            </a:r>
+            <a:endParaRPr lang="pt-BR" dirty="0"/>
+          </a:p>
+          <a:p>
+            <a:r>
+              <a:rPr lang="en-US" dirty="0"/>
+              <a:t>FOWLER, Martin. </a:t>
+            </a:r>
+            <a:r>
+              <a:rPr lang="en-US" b="1" dirty="0" err="1"/>
+              <a:t>TechnicalDebt</a:t>
+            </a:r>
+            <a:r>
+              <a:rPr lang="en-US" b="1" dirty="0"/>
+              <a:t>. </a:t>
             </a:r>
             <a:r>
               <a:rPr lang="pt-BR" dirty="0"/>
-              <a:t>Projeto orientado a objetos guiado por padrões. Internet: Casa do </a:t>
+              <a:t>2003. Disponível em: &lt;http://martinfowler.com/bliki/TechnicalDebt.html&gt;. Acesso em: 22 mar. 2015</a:t>
+            </a:r>
+            <a:r>
+              <a:rPr lang="pt-BR" dirty="0" smtClean="0"/>
+              <a:t>.</a:t>
+            </a:r>
+            <a:endParaRPr lang="pt-BR" dirty="0"/>
+          </a:p>
+          <a:p>
+            <a:r>
+              <a:rPr lang="pt-BR" dirty="0"/>
+              <a:t>FOWLER, Martin. </a:t>
+            </a:r>
+            <a:r>
+              <a:rPr lang="pt-BR" b="1" dirty="0" err="1"/>
+              <a:t>Refactoring</a:t>
+            </a:r>
+            <a:r>
+              <a:rPr lang="pt-BR" b="1" dirty="0"/>
+              <a:t>. </a:t>
+            </a:r>
+            <a:r>
+              <a:rPr lang="pt-BR" dirty="0"/>
+              <a:t>2013. Disponível em: &lt; http://refactoring.com/&gt;. </a:t>
+            </a:r>
+            <a:r>
+              <a:rPr lang="en-US" dirty="0" err="1"/>
+              <a:t>Acesso</a:t>
+            </a:r>
+            <a:r>
+              <a:rPr lang="en-US" dirty="0"/>
+              <a:t> </a:t>
+            </a:r>
+            <a:r>
+              <a:rPr lang="en-US" dirty="0" err="1"/>
+              <a:t>em</a:t>
+            </a:r>
+            <a:r>
+              <a:rPr lang="en-US" dirty="0"/>
+              <a:t>: 30 abr. </a:t>
+            </a:r>
+            <a:r>
+              <a:rPr lang="en-US" dirty="0" smtClean="0"/>
+              <a:t>2015.</a:t>
+            </a:r>
+            <a:endParaRPr lang="pt-BR" dirty="0"/>
+          </a:p>
+          <a:p>
+            <a:r>
+              <a:rPr lang="en-US" dirty="0"/>
+              <a:t>FOWLER, Martin et al. </a:t>
+            </a:r>
+            <a:r>
+              <a:rPr lang="en-US" b="1" dirty="0"/>
+              <a:t>Refactoring: </a:t>
+            </a:r>
+            <a:r>
+              <a:rPr lang="en-US" dirty="0"/>
+              <a:t>Improving the Design of Existing Code. </a:t>
+            </a:r>
+            <a:r>
+              <a:rPr lang="pt-BR" dirty="0" err="1"/>
+              <a:t>Mishawaka</a:t>
+            </a:r>
+            <a:r>
+              <a:rPr lang="pt-BR" dirty="0"/>
+              <a:t>: </a:t>
+            </a:r>
+            <a:r>
+              <a:rPr lang="pt-BR" dirty="0" err="1"/>
+              <a:t>Better</a:t>
+            </a:r>
+            <a:r>
+              <a:rPr lang="pt-BR" dirty="0"/>
+              <a:t> World Books, 2007. 431 p</a:t>
+            </a:r>
+            <a:r>
+              <a:rPr lang="pt-BR" dirty="0" smtClean="0"/>
+              <a:t>.</a:t>
+            </a:r>
+            <a:endParaRPr lang="pt-BR" dirty="0"/>
+          </a:p>
+          <a:p>
+            <a:r>
+              <a:rPr lang="pt-BR" dirty="0"/>
+              <a:t>GOMES, André Faria. </a:t>
+            </a:r>
+            <a:r>
+              <a:rPr lang="pt-BR" b="1" dirty="0" err="1"/>
+              <a:t>Agile</a:t>
+            </a:r>
+            <a:r>
+              <a:rPr lang="pt-BR" b="1" dirty="0"/>
+              <a:t>: </a:t>
+            </a:r>
+            <a:r>
+              <a:rPr lang="pt-BR" dirty="0"/>
+              <a:t>Desenvolvimento de software com entregas frequentes e foco no valor de negócio. Internet: Casa do </a:t>
             </a:r>
             <a:r>
               <a:rPr lang="pt-BR" dirty="0" err="1"/>
@@ -8598,7 +8747,7 @@
             </a:r>
             <a:r>
               <a:rPr lang="pt-BR" dirty="0"/>
-              <a:t>, 2012. 305 p</a:t>
+              <a:t>, 2014. 176 p</a:t>
             </a:r>
             <a:r>
               <a:rPr lang="pt-BR" dirty="0" smtClean="0"/>
@@ -8609,170 +8758,12 @@
           <a:p>
             <a:r>
               <a:rPr lang="pt-BR" dirty="0"/>
-              <a:t>KOSCIANSKI, André. </a:t>
-            </a:r>
-            <a:r>
-              <a:rPr lang="pt-BR" b="1" dirty="0"/>
-              <a:t>Qualidade de Software: </a:t>
-            </a:r>
-            <a:r>
-              <a:rPr lang="pt-BR" dirty="0"/>
-              <a:t>Aprenda as </a:t>
-            </a:r>
-            <a:r>
-              <a:rPr lang="pt-BR" dirty="0" err="1"/>
-              <a:t>metoodologias</a:t>
-            </a:r>
-            <a:r>
-              <a:rPr lang="pt-BR" dirty="0"/>
-              <a:t> e técnicas mais modernas para o desenvolvimento de </a:t>
-            </a:r>
-            <a:r>
-              <a:rPr lang="pt-BR" dirty="0" err="1"/>
-              <a:t>doftware</a:t>
-            </a:r>
-            <a:r>
-              <a:rPr lang="pt-BR" dirty="0"/>
-              <a:t>. 2. ed. São Paulo: </a:t>
-            </a:r>
-            <a:r>
-              <a:rPr lang="pt-BR" dirty="0" err="1"/>
-              <a:t>Novatec</a:t>
-            </a:r>
-            <a:r>
-              <a:rPr lang="pt-BR" dirty="0"/>
-              <a:t>, 2007. 395 p.</a:t>
-            </a:r>
-          </a:p>
-          <a:p>
-            <a:r>
-              <a:rPr lang="pt-BR" dirty="0"/>
-              <a:t>MARTIN, Robert C. et al. </a:t>
-            </a:r>
-            <a:r>
-              <a:rPr lang="pt-BR" b="1" dirty="0"/>
-              <a:t>Código Limpo: </a:t>
-            </a:r>
-            <a:r>
-              <a:rPr lang="pt-BR" dirty="0"/>
-              <a:t>habilidade prática do </a:t>
-            </a:r>
-            <a:r>
-              <a:rPr lang="pt-BR" dirty="0" err="1"/>
-              <a:t>Agile</a:t>
-            </a:r>
-            <a:r>
-              <a:rPr lang="pt-BR" dirty="0"/>
-              <a:t> Software. Rio de Janeiro: Alta Books, 2011. 456 p. </a:t>
-            </a:r>
-          </a:p>
-          <a:p>
-            <a:r>
-              <a:rPr lang="pt-BR" dirty="0"/>
-              <a:t>MASSOL, Vincent; HUSTED, Ted. </a:t>
-            </a:r>
-            <a:r>
-              <a:rPr lang="pt-BR" b="1" dirty="0" err="1"/>
-              <a:t>Junit</a:t>
-            </a:r>
-            <a:r>
-              <a:rPr lang="pt-BR" b="1" dirty="0"/>
-              <a:t> em ação</a:t>
-            </a:r>
-            <a:r>
-              <a:rPr lang="pt-BR" dirty="0"/>
-              <a:t>. Rio de Janeiro: Ciência Moderna, 2005. </a:t>
-            </a:r>
-            <a:r>
-              <a:rPr lang="en-US" dirty="0"/>
-              <a:t>404 p</a:t>
-            </a:r>
-            <a:r>
-              <a:rPr lang="en-US" dirty="0" smtClean="0"/>
-              <a:t>.</a:t>
-            </a:r>
-            <a:endParaRPr lang="pt-BR" dirty="0"/>
-          </a:p>
-          <a:p>
-            <a:r>
-              <a:rPr lang="en-US" dirty="0"/>
-              <a:t>MCCABE, Thomas J.. A Complexity Measure. </a:t>
-            </a:r>
-            <a:r>
-              <a:rPr lang="en-US" b="1" dirty="0" err="1"/>
-              <a:t>Ieee</a:t>
-            </a:r>
-            <a:r>
-              <a:rPr lang="en-US" b="1" dirty="0"/>
-              <a:t>: Transactions on software </a:t>
-            </a:r>
-            <a:r>
-              <a:rPr lang="en-US" b="1" dirty="0" err="1"/>
-              <a:t>engineeting</a:t>
-            </a:r>
-            <a:r>
-              <a:rPr lang="en-US" b="1" dirty="0"/>
-              <a:t>, </a:t>
-            </a:r>
-            <a:r>
-              <a:rPr lang="en-US" dirty="0"/>
-              <a:t>Fort George G. Meade, v. 4, n. 2, p.308-319, </a:t>
-            </a:r>
-            <a:r>
-              <a:rPr lang="en-US" dirty="0" err="1"/>
-              <a:t>dez</a:t>
-            </a:r>
-            <a:r>
-              <a:rPr lang="en-US" dirty="0"/>
-              <a:t>. 1976. </a:t>
-            </a:r>
-            <a:endParaRPr lang="pt-BR" dirty="0"/>
-          </a:p>
-          <a:p>
-            <a:r>
-              <a:rPr lang="pt-BR" dirty="0"/>
-              <a:t>SIEGMANN, Paul. </a:t>
-            </a:r>
-            <a:r>
-              <a:rPr lang="pt-BR" b="1" dirty="0"/>
-              <a:t>Download. </a:t>
-            </a:r>
-            <a:r>
-              <a:rPr lang="pt-BR" dirty="0"/>
-              <a:t>Disponível em: &lt;http://www.siegmann.nl/epublib/download&gt;. Acesso em: 22 mar. 2015</a:t>
+              <a:t>GONÇALVES, Eduardo Corrêa. Sequência de Fibonacci em Java. 2012. Disponível em: &lt;http://www.devmedia.com.br/sequencia-de-fibonacci-em-java/23620&gt;. Acesso em: 18 mar. 2015</a:t>
             </a:r>
             <a:r>
               <a:rPr lang="pt-BR" dirty="0" smtClean="0"/>
               <a:t>.</a:t>
             </a:r>
-            <a:r>
-              <a:rPr lang="pt-BR" dirty="0"/>
-              <a:t> </a:t>
-            </a:r>
-          </a:p>
-          <a:p>
-            <a:r>
-              <a:rPr lang="pt-BR" dirty="0"/>
-              <a:t>WEIMBERG, Gerald M.. </a:t>
-            </a:r>
-            <a:r>
-              <a:rPr lang="pt-BR" b="1" dirty="0"/>
-              <a:t>Software com qualidade</a:t>
-            </a:r>
-            <a:r>
-              <a:rPr lang="pt-BR" dirty="0"/>
-              <a:t>: Pensando e idealizando sistemas. São Paulo: Makron Books, 1993. 387 p</a:t>
-            </a:r>
-            <a:r>
-              <a:rPr lang="pt-BR" dirty="0" smtClean="0"/>
-              <a:t>.</a:t>
-            </a:r>
-            <a:endParaRPr lang="pt-BR" dirty="0"/>
-          </a:p>
-          <a:p>
-            <a:endParaRPr lang="pt-BR" dirty="0"/>
-          </a:p>
-          <a:p>
             <a:endParaRPr lang="pt-BR" dirty="0"/>
           </a:p>
         </p:txBody>
@@ -8780,7 +8771,7 @@
     </p:spTree>
     <p:extLst>
       <p:ext uri="{BB962C8B-B14F-4D97-AF65-F5344CB8AC3E}">
-        <p14:creationId xmlns:p14="http://schemas.microsoft.com/office/powerpoint/2010/main" val="606772002"/>
+        <p14:creationId xmlns:p14="http://schemas.microsoft.com/office/powerpoint/2010/main" val="2227679911"/>
       </p:ext>
     </p:extLst>
   </p:cSld>
@@ -8841,16 +8832,27 @@
         </p:nvSpPr>
         <p:spPr/>
         <p:txBody>
-          <a:bodyPr/>
+          <a:bodyPr>
+            <a:normAutofit/>
+          </a:bodyPr>
           <a:lstStyle/>
           <a:p>
             <a:r>
               <a:rPr lang="pt-BR" dirty="0"/>
-              <a:t>Para tanto, o pesquisador adota a metodologia da pesquisa quantitativa, guiando-se por meio de livros, artigos idôneos, e utiliza imagens e vídeos para compor a apresentação teórica e prática de sua pesquisa acadêmica.</a:t>
-            </a:r>
-            <a:endParaRPr lang="pt-BR" dirty="0" smtClean="0"/>
-          </a:p>
-          <a:p>
+              <a:t>Para tanto, o pesquisador adota a metodologia da pesquisa quantitativa, guiando-se por meio de livros, </a:t>
+            </a:r>
+            <a:r>
+              <a:rPr lang="pt-BR" dirty="0" smtClean="0"/>
+              <a:t>artigos, </a:t>
+            </a:r>
+            <a:r>
+              <a:rPr lang="pt-BR" dirty="0"/>
+              <a:t>e utiliza imagens e vídeos para compor a apresentação teórica e prática de sua pesquisa acadêmica</a:t>
+            </a:r>
+            <a:r>
+              <a:rPr lang="pt-BR" dirty="0" smtClean="0"/>
+              <a:t>.</a:t>
+            </a:r>
             <a:endParaRPr lang="pt-BR" dirty="0"/>
           </a:p>
           <a:p>
@@ -8860,32 +8862,64 @@
             </a:r>
             <a:r>
               <a:rPr lang="pt-BR" dirty="0"/>
-              <a:t>projeto utiliza ferramentas livres de código aberto, como: </a:t>
-            </a:r>
-            <a:r>
-              <a:rPr lang="pt-BR" dirty="0" err="1"/>
-              <a:t>Maven</a:t>
-            </a:r>
-            <a:r>
-              <a:rPr lang="pt-BR" dirty="0"/>
-              <a:t> – ferramenta de build e dependência de códigos; </a:t>
-            </a:r>
-            <a:r>
-              <a:rPr lang="pt-BR" dirty="0" err="1"/>
-              <a:t>Netbeans</a:t>
-            </a:r>
-            <a:r>
-              <a:rPr lang="pt-BR" dirty="0"/>
-              <a:t> – IDE para desenvolvimento de código; Java Server Faces (JSF) – framework Web e também, é utilizado um framework para testes (</a:t>
-            </a:r>
-            <a:r>
-              <a:rPr lang="pt-BR" dirty="0" err="1"/>
-              <a:t>JUnit</a:t>
-            </a:r>
-            <a:r>
-              <a:rPr lang="pt-BR" dirty="0"/>
-              <a:t>), próprio para linguagem Java. O projeto foi desenvolvido na mesma linguagem de programação, guiado pelo TDD.</a:t>
-            </a:r>
+              <a:t>projeto utiliza ferramentas livres de código aberto, como</a:t>
+            </a:r>
+            <a:r>
+              <a:rPr lang="pt-BR" dirty="0" smtClean="0"/>
+              <a:t>:</a:t>
+            </a:r>
+          </a:p>
+          <a:p>
+            <a:pPr lvl="1"/>
+            <a:r>
+              <a:rPr lang="pt-BR" sz="2000" dirty="0" smtClean="0"/>
+              <a:t>ferramenta </a:t>
+            </a:r>
+            <a:r>
+              <a:rPr lang="pt-BR" sz="2000" dirty="0"/>
+              <a:t>de build e dependência de códigos; </a:t>
+            </a:r>
+            <a:endParaRPr lang="pt-BR" sz="2000" dirty="0" smtClean="0"/>
+          </a:p>
+          <a:p>
+            <a:pPr lvl="1"/>
+            <a:r>
+              <a:rPr lang="pt-BR" sz="2000" dirty="0" smtClean="0"/>
+              <a:t>IDE </a:t>
+            </a:r>
+            <a:r>
+              <a:rPr lang="pt-BR" sz="2000" dirty="0"/>
+              <a:t>para desenvolvimento de código; </a:t>
+            </a:r>
+            <a:endParaRPr lang="pt-BR" sz="2000" dirty="0" smtClean="0"/>
+          </a:p>
+          <a:p>
+            <a:pPr lvl="1"/>
+            <a:r>
+              <a:rPr lang="pt-BR" sz="2000" dirty="0" smtClean="0"/>
+              <a:t>framework </a:t>
+            </a:r>
+            <a:r>
+              <a:rPr lang="pt-BR" sz="2000" dirty="0"/>
+              <a:t>Web </a:t>
+            </a:r>
+            <a:endParaRPr lang="pt-BR" sz="2000" dirty="0" smtClean="0"/>
+          </a:p>
+          <a:p>
+            <a:pPr lvl="1"/>
+            <a:r>
+              <a:rPr lang="pt-BR" sz="2000" dirty="0" smtClean="0"/>
+              <a:t>framework </a:t>
+            </a:r>
+            <a:r>
+              <a:rPr lang="pt-BR" sz="2000" dirty="0"/>
+              <a:t>para </a:t>
+            </a:r>
+            <a:r>
+              <a:rPr lang="pt-BR" sz="2000" dirty="0" smtClean="0"/>
+              <a:t>testes</a:t>
+            </a:r>
+            <a:endParaRPr lang="pt-BR" sz="2000" dirty="0"/>
           </a:p>
         </p:txBody>
       </p:sp>
@@ -8893,6 +8927,280 @@
     <p:extLst>
       <p:ext uri="{BB962C8B-B14F-4D97-AF65-F5344CB8AC3E}">
         <p14:creationId xmlns:p14="http://schemas.microsoft.com/office/powerpoint/2010/main" val="1960518609"/>
+      </p:ext>
+    </p:extLst>
+  </p:cSld>
+  <p:clrMapOvr>
+    <a:masterClrMapping/>
+  </p:clrMapOvr>
+</p:sld>
+</file>
+
+<file path=ppt/slides/slide50.xml><?xml version="1.0" encoding="utf-8"?>
+<p:sld xmlns:a="http://schemas.openxmlformats.org/drawingml/2006/main" xmlns:r="http://schemas.openxmlformats.org/officeDocument/2006/relationships" xmlns:p="http://schemas.openxmlformats.org/presentationml/2006/main">
+  <p:cSld>
+    <p:spTree>
+      <p:nvGrpSpPr>
+        <p:cNvPr id="1" name=""/>
+        <p:cNvGrpSpPr/>
+        <p:nvPr/>
+      </p:nvGrpSpPr>
+      <p:grpSpPr>
+        <a:xfrm>
+          <a:off x="0" y="0"/>
+          <a:ext cx="0" cy="0"/>
+          <a:chOff x="0" y="0"/>
+          <a:chExt cx="0" cy="0"/>
+        </a:xfrm>
+      </p:grpSpPr>
+      <p:sp>
+        <p:nvSpPr>
+          <p:cNvPr id="2" name="Título 1"/>
+          <p:cNvSpPr>
+            <a:spLocks noGrp="1"/>
+          </p:cNvSpPr>
+          <p:nvPr>
+            <p:ph type="title"/>
+          </p:nvPr>
+        </p:nvSpPr>
+        <p:spPr/>
+        <p:txBody>
+          <a:bodyPr/>
+          <a:lstStyle/>
+          <a:p>
+            <a:endParaRPr lang="pt-BR"/>
+          </a:p>
+        </p:txBody>
+      </p:sp>
+      <p:sp>
+        <p:nvSpPr>
+          <p:cNvPr id="3" name="Espaço Reservado para Conteúdo 2"/>
+          <p:cNvSpPr>
+            <a:spLocks noGrp="1"/>
+          </p:cNvSpPr>
+          <p:nvPr>
+            <p:ph idx="1"/>
+          </p:nvPr>
+        </p:nvSpPr>
+        <p:spPr/>
+        <p:txBody>
+          <a:bodyPr>
+            <a:normAutofit fontScale="85000" lnSpcReduction="20000"/>
+          </a:bodyPr>
+          <a:lstStyle/>
+          <a:p>
+            <a:endParaRPr lang="pt-BR" dirty="0"/>
+          </a:p>
+          <a:p>
+            <a:r>
+              <a:rPr lang="pt-BR" dirty="0"/>
+              <a:t>GUERRA, Eduardo. </a:t>
+            </a:r>
+            <a:r>
+              <a:rPr lang="pt-BR" b="1" dirty="0"/>
+              <a:t>Design </a:t>
+            </a:r>
+            <a:r>
+              <a:rPr lang="pt-BR" b="1" dirty="0" err="1"/>
+              <a:t>Patterns</a:t>
+            </a:r>
+            <a:r>
+              <a:rPr lang="pt-BR" b="1" dirty="0"/>
+              <a:t> com Java: </a:t>
+            </a:r>
+            <a:r>
+              <a:rPr lang="pt-BR" dirty="0"/>
+              <a:t>Projeto orientado a objetos guiado por padrões. Internet: Casa do </a:t>
+            </a:r>
+            <a:r>
+              <a:rPr lang="pt-BR" dirty="0" err="1"/>
+              <a:t>Codigo</a:t>
+            </a:r>
+            <a:r>
+              <a:rPr lang="pt-BR" dirty="0"/>
+              <a:t>, 2012. 305 p</a:t>
+            </a:r>
+            <a:r>
+              <a:rPr lang="pt-BR" dirty="0" smtClean="0"/>
+              <a:t>.</a:t>
+            </a:r>
+            <a:endParaRPr lang="pt-BR" dirty="0"/>
+          </a:p>
+          <a:p>
+            <a:r>
+              <a:rPr lang="pt-BR" dirty="0"/>
+              <a:t>KOSCIANSKI, André. </a:t>
+            </a:r>
+            <a:r>
+              <a:rPr lang="pt-BR" b="1" dirty="0"/>
+              <a:t>Qualidade de Software: </a:t>
+            </a:r>
+            <a:r>
+              <a:rPr lang="pt-BR" dirty="0"/>
+              <a:t>Aprenda as </a:t>
+            </a:r>
+            <a:r>
+              <a:rPr lang="pt-BR" dirty="0" err="1"/>
+              <a:t>metoodologias</a:t>
+            </a:r>
+            <a:r>
+              <a:rPr lang="pt-BR" dirty="0"/>
+              <a:t> e técnicas mais modernas para o desenvolvimento de </a:t>
+            </a:r>
+            <a:r>
+              <a:rPr lang="pt-BR" dirty="0" err="1"/>
+              <a:t>doftware</a:t>
+            </a:r>
+            <a:r>
+              <a:rPr lang="pt-BR" dirty="0"/>
+              <a:t>. 2. ed. São Paulo: </a:t>
+            </a:r>
+            <a:r>
+              <a:rPr lang="pt-BR" dirty="0" err="1"/>
+              <a:t>Novatec</a:t>
+            </a:r>
+            <a:r>
+              <a:rPr lang="pt-BR" dirty="0"/>
+              <a:t>, 2007. 395 p.</a:t>
+            </a:r>
+          </a:p>
+          <a:p>
+            <a:r>
+              <a:rPr lang="pt-BR" dirty="0"/>
+              <a:t>MARTIN, Robert C. et al. </a:t>
+            </a:r>
+            <a:r>
+              <a:rPr lang="pt-BR" b="1" dirty="0"/>
+              <a:t>Código Limpo: </a:t>
+            </a:r>
+            <a:r>
+              <a:rPr lang="pt-BR" dirty="0"/>
+              <a:t>habilidade prática do </a:t>
+            </a:r>
+            <a:r>
+              <a:rPr lang="pt-BR" dirty="0" err="1"/>
+              <a:t>Agile</a:t>
+            </a:r>
+            <a:r>
+              <a:rPr lang="pt-BR" dirty="0"/>
+              <a:t> Software. Rio de Janeiro: Alta Books, 2011. 456 p. </a:t>
+            </a:r>
+          </a:p>
+          <a:p>
+            <a:r>
+              <a:rPr lang="pt-BR" dirty="0"/>
+              <a:t>MASSOL, Vincent; HUSTED, Ted. </a:t>
+            </a:r>
+            <a:r>
+              <a:rPr lang="pt-BR" b="1" dirty="0" err="1"/>
+              <a:t>Junit</a:t>
+            </a:r>
+            <a:r>
+              <a:rPr lang="pt-BR" b="1" dirty="0"/>
+              <a:t> em ação</a:t>
+            </a:r>
+            <a:r>
+              <a:rPr lang="pt-BR" dirty="0"/>
+              <a:t>. Rio de Janeiro: Ciência Moderna, 2005. </a:t>
+            </a:r>
+            <a:r>
+              <a:rPr lang="en-US" dirty="0"/>
+              <a:t>404 p</a:t>
+            </a:r>
+            <a:r>
+              <a:rPr lang="en-US" dirty="0" smtClean="0"/>
+              <a:t>.</a:t>
+            </a:r>
+            <a:endParaRPr lang="pt-BR" dirty="0"/>
+          </a:p>
+          <a:p>
+            <a:r>
+              <a:rPr lang="en-US" dirty="0"/>
+              <a:t>MCCABE, Thomas J.. A Complexity Measure. </a:t>
+            </a:r>
+            <a:r>
+              <a:rPr lang="en-US" b="1" dirty="0" err="1"/>
+              <a:t>Ieee</a:t>
+            </a:r>
+            <a:r>
+              <a:rPr lang="en-US" b="1" dirty="0"/>
+              <a:t>: Transactions on software </a:t>
+            </a:r>
+            <a:r>
+              <a:rPr lang="en-US" b="1" dirty="0" err="1"/>
+              <a:t>engineeting</a:t>
+            </a:r>
+            <a:r>
+              <a:rPr lang="en-US" b="1" dirty="0"/>
+              <a:t>, </a:t>
+            </a:r>
+            <a:r>
+              <a:rPr lang="en-US" dirty="0"/>
+              <a:t>Fort George G. Meade, v. 4, n. 2, p.308-319, </a:t>
+            </a:r>
+            <a:r>
+              <a:rPr lang="en-US" dirty="0" err="1"/>
+              <a:t>dez</a:t>
+            </a:r>
+            <a:r>
+              <a:rPr lang="en-US" dirty="0"/>
+              <a:t>. 1976. </a:t>
+            </a:r>
+            <a:endParaRPr lang="pt-BR" dirty="0"/>
+          </a:p>
+          <a:p>
+            <a:r>
+              <a:rPr lang="pt-BR" dirty="0"/>
+              <a:t>SIEGMANN, Paul. </a:t>
+            </a:r>
+            <a:r>
+              <a:rPr lang="pt-BR" b="1" dirty="0"/>
+              <a:t>Download. </a:t>
+            </a:r>
+            <a:r>
+              <a:rPr lang="pt-BR" dirty="0"/>
+              <a:t>Disponível em: &lt;http://www.siegmann.nl/epublib/download&gt;. Acesso em: 22 mar. 2015</a:t>
+            </a:r>
+            <a:r>
+              <a:rPr lang="pt-BR" dirty="0" smtClean="0"/>
+              <a:t>.</a:t>
+            </a:r>
+            <a:r>
+              <a:rPr lang="pt-BR" dirty="0"/>
+              <a:t> </a:t>
+            </a:r>
+          </a:p>
+          <a:p>
+            <a:r>
+              <a:rPr lang="pt-BR" dirty="0"/>
+              <a:t>WEIMBERG, Gerald M.. </a:t>
+            </a:r>
+            <a:r>
+              <a:rPr lang="pt-BR" b="1" dirty="0"/>
+              <a:t>Software com qualidade</a:t>
+            </a:r>
+            <a:r>
+              <a:rPr lang="pt-BR" dirty="0"/>
+              <a:t>: Pensando e idealizando sistemas. São Paulo: Makron Books, 1993. 387 p</a:t>
+            </a:r>
+            <a:r>
+              <a:rPr lang="pt-BR" dirty="0" smtClean="0"/>
+              <a:t>.</a:t>
+            </a:r>
+            <a:endParaRPr lang="pt-BR" dirty="0"/>
+          </a:p>
+          <a:p>
+            <a:endParaRPr lang="pt-BR" dirty="0"/>
+          </a:p>
+          <a:p>
+            <a:endParaRPr lang="pt-BR" dirty="0"/>
+          </a:p>
+        </p:txBody>
+      </p:sp>
+    </p:spTree>
+    <p:extLst>
+      <p:ext uri="{BB962C8B-B14F-4D97-AF65-F5344CB8AC3E}">
+        <p14:creationId xmlns:p14="http://schemas.microsoft.com/office/powerpoint/2010/main" val="606772002"/>
       </p:ext>
     </p:extLst>
   </p:cSld>
@@ -8954,167 +9262,143 @@
         <p:spPr/>
         <p:txBody>
           <a:bodyPr>
-            <a:normAutofit lnSpcReduction="10000"/>
+            <a:noAutofit/>
           </a:bodyPr>
           <a:lstStyle/>
           <a:p>
             <a:r>
               <a:rPr lang="pt-BR" dirty="0"/>
-              <a:t>Defeito zero é a alta qualidade a) Para os usuários cujo trabalho é afetado pelos defeitos. b) Para os gerentes que são criticados pelos </a:t>
-            </a:r>
-            <a:r>
-              <a:rPr lang="pt-BR" dirty="0" err="1"/>
-              <a:t>defeitos.Ter</a:t>
+              <a:t>Defeito zero é a alta </a:t>
+            </a:r>
+            <a:r>
+              <a:rPr lang="pt-BR" dirty="0" smtClean="0"/>
+              <a:t>qualidade: </a:t>
+            </a:r>
+          </a:p>
+          <a:p>
+            <a:pPr lvl="1"/>
+            <a:r>
+              <a:rPr lang="pt-BR" sz="2000" dirty="0" smtClean="0"/>
+              <a:t>a</a:t>
+            </a:r>
+            <a:r>
+              <a:rPr lang="pt-BR" sz="2000" dirty="0"/>
+              <a:t>) Para os usuários cujo trabalho é afetado pelos defeitos. </a:t>
+            </a:r>
+            <a:endParaRPr lang="pt-BR" sz="2000" dirty="0" smtClean="0"/>
+          </a:p>
+          <a:p>
+            <a:pPr lvl="1"/>
+            <a:r>
+              <a:rPr lang="pt-BR" sz="2000" dirty="0" smtClean="0"/>
+              <a:t>b</a:t>
+            </a:r>
+            <a:r>
+              <a:rPr lang="pt-BR" sz="2000" dirty="0"/>
+              <a:t>) Para os gerentes que são criticados pelos defeitos</a:t>
+            </a:r>
+            <a:r>
+              <a:rPr lang="pt-BR" sz="2000" dirty="0" smtClean="0"/>
+              <a:t>.</a:t>
+            </a:r>
+          </a:p>
+          <a:p>
+            <a:r>
+              <a:rPr lang="pt-BR" dirty="0" smtClean="0"/>
+              <a:t>Ter </a:t>
             </a:r>
             <a:r>
               <a:rPr lang="pt-BR" dirty="0"/>
-              <a:t> um grande número de funções é alta </a:t>
-            </a:r>
-            <a:r>
-              <a:rPr lang="pt-BR" dirty="0" err="1"/>
-              <a:t>qualidadea</a:t>
+              <a:t>um grande número de funções é alta </a:t>
+            </a:r>
+            <a:r>
+              <a:rPr lang="pt-BR" dirty="0" smtClean="0"/>
+              <a:t>qualidade</a:t>
+            </a:r>
+          </a:p>
+          <a:p>
+            <a:pPr lvl="1"/>
+            <a:r>
+              <a:rPr lang="pt-BR" sz="2000" dirty="0" smtClean="0"/>
+              <a:t>a</a:t>
+            </a:r>
+            <a:r>
+              <a:rPr lang="pt-BR" sz="2000" dirty="0"/>
+              <a:t>) Para os usuários cujo trabalho pode tirar proveito dessas funções – se eles as conhecerem</a:t>
+            </a:r>
+            <a:r>
+              <a:rPr lang="pt-BR" sz="2000" dirty="0" smtClean="0"/>
+              <a:t>.</a:t>
+            </a:r>
+          </a:p>
+          <a:p>
+            <a:pPr lvl="1"/>
+            <a:r>
+              <a:rPr lang="pt-BR" sz="2000" dirty="0" smtClean="0"/>
+              <a:t>b</a:t>
+            </a:r>
+            <a:r>
+              <a:rPr lang="pt-BR" sz="2000" dirty="0"/>
+              <a:t>) Para os distribuidores que acreditam que as funções vendem produtos</a:t>
+            </a:r>
+            <a:r>
+              <a:rPr lang="pt-BR" sz="2000" dirty="0" smtClean="0"/>
+              <a:t>.</a:t>
+            </a:r>
+          </a:p>
+          <a:p>
+            <a:r>
+              <a:rPr lang="pt-BR" dirty="0" smtClean="0"/>
+              <a:t>Codificação </a:t>
             </a:r>
             <a:r>
               <a:rPr lang="pt-BR" dirty="0"/>
-              <a:t>) Para os usuários cujo trabalho pode tirar proveito dessas funções – se eles as </a:t>
-            </a:r>
-            <a:r>
-              <a:rPr lang="pt-BR" dirty="0" err="1"/>
-              <a:t>conhecerem.b</a:t>
+              <a:t>elegante é alta </a:t>
+            </a:r>
+            <a:r>
+              <a:rPr lang="pt-BR" dirty="0" smtClean="0"/>
+              <a:t>qualidade</a:t>
+            </a:r>
+          </a:p>
+          <a:p>
+            <a:pPr lvl="1"/>
+            <a:r>
+              <a:rPr lang="pt-BR" sz="2000" dirty="0" smtClean="0"/>
+              <a:t>a</a:t>
+            </a:r>
+            <a:r>
+              <a:rPr lang="pt-BR" sz="2000" dirty="0"/>
+              <a:t>) Para o pessoal de desenvolvimento que dá um grande valor às opiniões de seus colegas</a:t>
+            </a:r>
+            <a:r>
+              <a:rPr lang="pt-BR" sz="2000" dirty="0" smtClean="0"/>
+              <a:t>.</a:t>
+            </a:r>
+          </a:p>
+          <a:p>
+            <a:pPr lvl="1"/>
+            <a:r>
+              <a:rPr lang="pt-BR" sz="2000" dirty="0" smtClean="0"/>
+              <a:t>b</a:t>
+            </a:r>
+            <a:r>
+              <a:rPr lang="pt-BR" sz="2000" dirty="0"/>
+              <a:t>) Para os professores de ciência da computação que apreciam elegância</a:t>
+            </a:r>
+            <a:r>
+              <a:rPr lang="pt-BR" sz="2000" dirty="0" smtClean="0"/>
+              <a:t>.</a:t>
+            </a:r>
+          </a:p>
+          <a:p>
+            <a:r>
+              <a:rPr lang="pt-BR" dirty="0" smtClean="0"/>
+              <a:t>(</a:t>
             </a:r>
             <a:r>
               <a:rPr lang="pt-BR" dirty="0"/>
-              <a:t>) Para os distribuidores que acreditam que as funções vendem </a:t>
-            </a:r>
-            <a:r>
-              <a:rPr lang="pt-BR" dirty="0" err="1"/>
-              <a:t>produtos.Codificação</a:t>
-            </a:r>
-            <a:r>
-              <a:rPr lang="pt-BR" dirty="0"/>
-              <a:t> elegante é alta </a:t>
-            </a:r>
-            <a:r>
-              <a:rPr lang="pt-BR" dirty="0" err="1"/>
-              <a:t>qualidadea</a:t>
-            </a:r>
-            <a:r>
-              <a:rPr lang="pt-BR" dirty="0"/>
-              <a:t>) Para o pessoal de desenvolvimento que dá um grande valor às opiniões de seus </a:t>
-            </a:r>
-            <a:r>
-              <a:rPr lang="pt-BR" dirty="0" err="1"/>
-              <a:t>colegas.b</a:t>
-            </a:r>
-            <a:r>
-              <a:rPr lang="pt-BR" dirty="0"/>
-              <a:t>) Para os professores de ciência da computação que apreciam </a:t>
-            </a:r>
-            <a:r>
-              <a:rPr lang="pt-BR" dirty="0" err="1"/>
-              <a:t>elegância.Alto</a:t>
-            </a:r>
-            <a:r>
-              <a:rPr lang="pt-BR" dirty="0"/>
-              <a:t> desempenho é alta </a:t>
-            </a:r>
-            <a:r>
-              <a:rPr lang="pt-BR" dirty="0" err="1"/>
-              <a:t>qualidadea</a:t>
-            </a:r>
-            <a:r>
-              <a:rPr lang="pt-BR" dirty="0"/>
-              <a:t>) Para os usuários cujo trabalho sobrecarrega a capacidade de suas </a:t>
-            </a:r>
-            <a:r>
-              <a:rPr lang="pt-BR" dirty="0" err="1"/>
-              <a:t>máquinas.b</a:t>
-            </a:r>
-            <a:r>
-              <a:rPr lang="pt-BR" dirty="0"/>
-              <a:t>) Para o pessoal de venda que tem de submeter seus produtos à </a:t>
-            </a:r>
-            <a:r>
-              <a:rPr lang="pt-BR" dirty="0" err="1"/>
-              <a:t>benchmarks.Baixo</a:t>
-            </a:r>
-            <a:r>
-              <a:rPr lang="pt-BR" dirty="0"/>
-              <a:t> custo de desenvolvimento é alta </a:t>
-            </a:r>
-            <a:r>
-              <a:rPr lang="pt-BR" dirty="0" err="1"/>
-              <a:t>qualidadea</a:t>
-            </a:r>
-            <a:r>
-              <a:rPr lang="pt-BR" dirty="0"/>
-              <a:t>) Para os usuários cujo trabalho sobrecarrega a capacidade de suas </a:t>
-            </a:r>
-            <a:r>
-              <a:rPr lang="pt-BR" dirty="0" err="1"/>
-              <a:t>máquinas.b</a:t>
-            </a:r>
-            <a:r>
-              <a:rPr lang="pt-BR" dirty="0"/>
-              <a:t>) Para os gerentes do projeto que estão com orçamentos </a:t>
-            </a:r>
-            <a:r>
-              <a:rPr lang="pt-BR" dirty="0" err="1"/>
-              <a:t>apertados.Desenvolvimento</a:t>
-            </a:r>
-            <a:r>
-              <a:rPr lang="pt-BR" dirty="0"/>
-              <a:t> rápido é alta </a:t>
-            </a:r>
-            <a:r>
-              <a:rPr lang="pt-BR" dirty="0" err="1"/>
-              <a:t>qualidadea</a:t>
-            </a:r>
-            <a:r>
-              <a:rPr lang="pt-BR" dirty="0"/>
-              <a:t>) Para os usuários cujo trabalho está esperando pelo </a:t>
-            </a:r>
-            <a:r>
-              <a:rPr lang="pt-BR" dirty="0" err="1"/>
-              <a:t>software.b</a:t>
-            </a:r>
-            <a:r>
-              <a:rPr lang="pt-BR" dirty="0"/>
-              <a:t>) Para os distribuidores que desejam colonizar um mercado antes de seus </a:t>
-            </a:r>
-            <a:r>
-              <a:rPr lang="pt-BR" dirty="0" err="1"/>
-              <a:t>concorrentes.Facilidade</a:t>
-            </a:r>
-            <a:r>
-              <a:rPr lang="pt-BR" dirty="0"/>
-              <a:t> para o usuário (</a:t>
-            </a:r>
-            <a:r>
-              <a:rPr lang="pt-BR" dirty="0" err="1"/>
-              <a:t>userfriendliness</a:t>
-            </a:r>
-            <a:r>
-              <a:rPr lang="pt-BR" dirty="0"/>
-              <a:t>) é alta </a:t>
-            </a:r>
-            <a:r>
-              <a:rPr lang="pt-BR" dirty="0" err="1"/>
-              <a:t>qualidadea</a:t>
-            </a:r>
-            <a:r>
-              <a:rPr lang="pt-BR" dirty="0"/>
-              <a:t>) Para os usuários que gastam oito horas por ida na frente de uma tela utilizando o </a:t>
-            </a:r>
-            <a:r>
-              <a:rPr lang="pt-BR" dirty="0" err="1"/>
-              <a:t>software.b</a:t>
-            </a:r>
-            <a:r>
-              <a:rPr lang="pt-BR" dirty="0"/>
-              <a:t>) Para os usuários que não conseguem se lembrar de detalhes de interface (WEINBERG, 1993, p. 6-7). </a:t>
-            </a:r>
-            <a:endParaRPr lang="pt-BR" dirty="0"/>
+              <a:t>WEINBERG, 1993, p. 6-7). </a:t>
+            </a:r>
           </a:p>
         </p:txBody>
       </p:sp>
@@ -9182,42 +9466,52 @@
         </p:nvSpPr>
         <p:spPr/>
         <p:txBody>
-          <a:bodyPr/>
-          <a:lstStyle/>
-          <a:p>
-            <a:r>
-              <a:rPr lang="pt-BR" dirty="0"/>
-              <a:t>Na área de Garantia da Qualidade, ou no inglês </a:t>
-            </a:r>
-            <a:r>
-              <a:rPr lang="pt-BR" i="1" dirty="0" err="1"/>
-              <a:t>Quality</a:t>
-            </a:r>
-            <a:r>
-              <a:rPr lang="pt-BR" i="1" dirty="0"/>
-              <a:t> </a:t>
-            </a:r>
-            <a:r>
-              <a:rPr lang="pt-BR" i="1" dirty="0" err="1"/>
-              <a:t>Assurance</a:t>
-            </a:r>
-            <a:r>
-              <a:rPr lang="pt-BR" i="1" dirty="0"/>
-              <a:t> (</a:t>
-            </a:r>
-            <a:r>
-              <a:rPr lang="pt-BR" dirty="0"/>
-              <a:t>QA), que é totalmente voltada para garantir qualidade em produtos de software, órgãos como ISO, ABNT, entre outros, criam normas e especificam padrões de qualidade, atingir tais padrões é o desafio da engenharia de software desde o início das linguagens de programação.</a:t>
-            </a:r>
-          </a:p>
-          <a:p>
-            <a:r>
-              <a:rPr lang="pt-BR" dirty="0"/>
+          <a:bodyPr>
+            <a:noAutofit/>
+          </a:bodyPr>
+          <a:lstStyle/>
+          <a:p>
+            <a:r>
+              <a:rPr lang="pt-BR" sz="2400" dirty="0" smtClean="0"/>
+              <a:t>Garantia </a:t>
+            </a:r>
+            <a:r>
+              <a:rPr lang="pt-BR" sz="2400" dirty="0"/>
+              <a:t>da </a:t>
+            </a:r>
+            <a:r>
+              <a:rPr lang="pt-BR" sz="2400" dirty="0" smtClean="0"/>
+              <a:t>Qualidade é uma área voltada em </a:t>
+            </a:r>
+            <a:r>
+              <a:rPr lang="pt-BR" sz="2400" dirty="0"/>
+              <a:t>produtos de </a:t>
+            </a:r>
+            <a:r>
+              <a:rPr lang="pt-BR" sz="2400" dirty="0" smtClean="0"/>
+              <a:t>software órgãos como ISO</a:t>
+            </a:r>
+            <a:r>
+              <a:rPr lang="pt-BR" sz="2400" dirty="0"/>
+              <a:t>, </a:t>
+            </a:r>
+            <a:r>
+              <a:rPr lang="pt-BR" sz="2400" dirty="0" smtClean="0"/>
+              <a:t>ABNT, entre outros, criam </a:t>
+            </a:r>
+            <a:r>
+              <a:rPr lang="pt-BR" sz="2400" dirty="0"/>
+              <a:t>normas e especificam padrões de qualidade, atingir tais padrões é o desafio da engenharia de software desde o início das linguagens de programação.</a:t>
+            </a:r>
+          </a:p>
+          <a:p>
+            <a:r>
+              <a:rPr lang="pt-BR" sz="2400" dirty="0"/>
               <a:t>Definir qualidade é um assunto tão difícil quanto tentar chegar nela. Especialistas do mundo todo debatem formas de conseguir atingir todos os pontos de qualidade, desde o código, até o suporte do mesmo. Modelos de negócio, gestão de áreas, tudo isso entra em conta, quando se quer medir qualidade, porém quando se pensa exatamente o que é necessário e o que é preciso, consegue-se estabelecer um parâmetro e então avaliar em qual nível o produto está.</a:t>
             </a:r>
           </a:p>
           <a:p>
-            <a:endParaRPr lang="pt-BR" dirty="0"/>
+            <a:endParaRPr lang="pt-BR" sz="2400" dirty="0"/>
           </a:p>
         </p:txBody>
       </p:sp>
@@ -9291,29 +9585,81 @@
         <p:spPr/>
         <p:txBody>
           <a:bodyPr>
-            <a:normAutofit/>
+            <a:noAutofit/>
           </a:bodyPr>
           <a:lstStyle/>
           <a:p>
             <a:r>
-              <a:rPr lang="pt-BR" dirty="0"/>
-              <a:t>Fowler (2007, p. 15) disse: “Qualquer tolo consegue escrever código que um computador entenda. Bons programadores conseguem escrever código que humanos conseguem entender”; essa frase é muito citada no mundo ágil e muitos desenvolvedores tentam a adotar, porém mesmo em seu livro, Fowler (2007) diz que se você precisa refatorar é essencial ter uma bateria sólida de testes, já que isso evita problemas de mudança de comportamento entre as refatorações.</a:t>
-            </a:r>
-          </a:p>
-          <a:p>
-            <a:r>
-              <a:rPr lang="pt-BR" dirty="0"/>
-              <a:t>Outro problema comum de código mal escrito é que as pessoas mais antigas da equipe que conhecem o código, são muitas vezes impedidos de se afastarem desse código, já que são os principais conhecedores dos mesmos, e quando uma nova funcionalidade difícil é pedida essa pessoa que é encarregada a introduzir o código no sistema. Esse cenário é comum em empresas de todo o mundo. (CAELUM, 2014, p. 51).</a:t>
-            </a:r>
-          </a:p>
-          <a:p>
-            <a:r>
-              <a:rPr lang="pt-BR" dirty="0"/>
+              <a:rPr lang="pt-BR" sz="2400" dirty="0" smtClean="0"/>
+              <a:t>“</a:t>
+            </a:r>
+            <a:r>
+              <a:rPr lang="pt-BR" sz="2400" dirty="0"/>
+              <a:t>Qualquer tolo consegue escrever código que um computador entenda. Bons programadores conseguem escrever código que humanos conseguem entender</a:t>
+            </a:r>
+            <a:r>
+              <a:rPr lang="pt-BR" sz="2400" dirty="0"/>
+              <a:t>” Fowler (2007</a:t>
+            </a:r>
+            <a:r>
+              <a:rPr lang="pt-BR" sz="2400" dirty="0" smtClean="0"/>
+              <a:t>);</a:t>
+            </a:r>
+          </a:p>
+          <a:p>
+            <a:r>
+              <a:rPr lang="pt-BR" sz="2400" dirty="0" smtClean="0"/>
+              <a:t>Código legado:</a:t>
+            </a:r>
+            <a:endParaRPr lang="pt-BR" sz="2400" dirty="0"/>
+          </a:p>
+          <a:p>
+            <a:pPr lvl="1"/>
+            <a:r>
+              <a:rPr lang="pt-BR" sz="2200" dirty="0" smtClean="0"/>
+              <a:t>Código </a:t>
+            </a:r>
+            <a:r>
+              <a:rPr lang="pt-BR" sz="2200" dirty="0"/>
+              <a:t>mal </a:t>
+            </a:r>
+            <a:r>
+              <a:rPr lang="pt-BR" sz="2200" dirty="0" smtClean="0"/>
+              <a:t>escrito</a:t>
+            </a:r>
+          </a:p>
+          <a:p>
+            <a:pPr lvl="1"/>
+            <a:r>
+              <a:rPr lang="pt-BR" sz="2200" dirty="0" smtClean="0"/>
+              <a:t>poucas </a:t>
+            </a:r>
+            <a:r>
+              <a:rPr lang="pt-BR" sz="2200" dirty="0"/>
+              <a:t>pessoas </a:t>
+            </a:r>
+            <a:r>
+              <a:rPr lang="pt-BR" sz="2200" dirty="0" smtClean="0"/>
+              <a:t>da </a:t>
+            </a:r>
+            <a:r>
+              <a:rPr lang="pt-BR" sz="2200" dirty="0"/>
+              <a:t>equipe que conhecem o </a:t>
+            </a:r>
+            <a:r>
+              <a:rPr lang="pt-BR" sz="2200" dirty="0" smtClean="0"/>
+              <a:t>código</a:t>
+            </a:r>
+            <a:endParaRPr lang="pt-BR" sz="2200" dirty="0"/>
+          </a:p>
+          <a:p>
+            <a:r>
+              <a:rPr lang="pt-BR" sz="2400" dirty="0"/>
               <a:t>E para tentar assegurar qualidade foram criadas métricas de qualidade de código.</a:t>
             </a:r>
           </a:p>
           <a:p>
-            <a:endParaRPr lang="pt-BR" dirty="0"/>
+            <a:endParaRPr lang="pt-BR" sz="2400" dirty="0"/>
           </a:p>
         </p:txBody>
       </p:sp>
@@ -9386,86 +9732,88 @@
         </p:nvSpPr>
         <p:spPr/>
         <p:txBody>
-          <a:bodyPr/>
-          <a:lstStyle/>
-          <a:p>
-            <a:endParaRPr lang="pt-BR" dirty="0"/>
-          </a:p>
-          <a:p>
-            <a:r>
-              <a:rPr lang="pt-BR" dirty="0"/>
+          <a:bodyPr>
+            <a:normAutofit/>
+          </a:bodyPr>
+          <a:lstStyle/>
+          <a:p>
+            <a:endParaRPr lang="pt-BR" sz="2400" dirty="0"/>
+          </a:p>
+          <a:p>
+            <a:r>
+              <a:rPr lang="pt-BR" sz="2400" dirty="0"/>
               <a:t>Complexidade Ciclomática (CC</a:t>
             </a:r>
             <a:r>
-              <a:rPr lang="pt-BR" dirty="0" smtClean="0"/>
+              <a:rPr lang="pt-BR" sz="2400" dirty="0" smtClean="0"/>
               <a:t>)</a:t>
             </a:r>
           </a:p>
           <a:p>
             <a:r>
-              <a:rPr lang="pt-BR" dirty="0"/>
+              <a:rPr lang="pt-BR" sz="2400" dirty="0"/>
               <a:t>Número de Linhas De Código (LOC – </a:t>
             </a:r>
             <a:r>
-              <a:rPr lang="pt-BR" dirty="0" err="1"/>
+              <a:rPr lang="pt-BR" sz="2400" dirty="0" err="1"/>
               <a:t>Lines</a:t>
             </a:r>
             <a:r>
-              <a:rPr lang="pt-BR" dirty="0"/>
+              <a:rPr lang="pt-BR" sz="2400" dirty="0"/>
               <a:t> </a:t>
             </a:r>
             <a:r>
-              <a:rPr lang="pt-BR" dirty="0" err="1"/>
+              <a:rPr lang="pt-BR" sz="2400" dirty="0" err="1"/>
               <a:t>of</a:t>
             </a:r>
             <a:r>
-              <a:rPr lang="pt-BR" dirty="0"/>
+              <a:rPr lang="pt-BR" sz="2400" dirty="0"/>
               <a:t> </a:t>
             </a:r>
             <a:r>
-              <a:rPr lang="pt-BR" dirty="0" err="1"/>
+              <a:rPr lang="pt-BR" sz="2400" dirty="0" err="1"/>
               <a:t>Code</a:t>
             </a:r>
             <a:r>
-              <a:rPr lang="pt-BR" dirty="0" smtClean="0"/>
+              <a:rPr lang="pt-BR" sz="2400" dirty="0" smtClean="0"/>
               <a:t>)</a:t>
             </a:r>
           </a:p>
           <a:p>
             <a:r>
-              <a:rPr lang="pt-BR" dirty="0"/>
+              <a:rPr lang="pt-BR" sz="2400" dirty="0"/>
               <a:t>Dívida Técnica (</a:t>
             </a:r>
             <a:r>
-              <a:rPr lang="pt-BR" dirty="0" err="1"/>
+              <a:rPr lang="pt-BR" sz="2400" dirty="0" err="1"/>
               <a:t>Technical</a:t>
             </a:r>
             <a:r>
-              <a:rPr lang="pt-BR" dirty="0"/>
+              <a:rPr lang="pt-BR" sz="2400" dirty="0"/>
               <a:t> </a:t>
             </a:r>
             <a:r>
-              <a:rPr lang="pt-BR" dirty="0" err="1"/>
+              <a:rPr lang="pt-BR" sz="2400" dirty="0" err="1"/>
               <a:t>Debt</a:t>
             </a:r>
             <a:r>
-              <a:rPr lang="pt-BR" dirty="0" smtClean="0"/>
+              <a:rPr lang="pt-BR" sz="2400" dirty="0" smtClean="0"/>
               <a:t>)</a:t>
             </a:r>
           </a:p>
           <a:p>
             <a:r>
-              <a:rPr lang="pt-BR" dirty="0"/>
+              <a:rPr lang="pt-BR" sz="2400" dirty="0"/>
               <a:t>Cobertura de </a:t>
             </a:r>
             <a:r>
-              <a:rPr lang="pt-BR" dirty="0" smtClean="0"/>
+              <a:rPr lang="pt-BR" sz="2400" dirty="0" smtClean="0"/>
               <a:t>código</a:t>
             </a:r>
           </a:p>
           <a:p>
             <a:r>
-              <a:rPr lang="pt-BR" dirty="0"/>
+              <a:rPr lang="pt-BR" sz="2400" dirty="0"/>
               <a:t>Duplicação de código</a:t>
             </a:r>
           </a:p>

--- a/doc/Test-Driven Development como alternativa de garantia de qualidade.pptx
+++ b/doc/Test-Driven Development como alternativa de garantia de qualidade.pptx
@@ -11,35 +11,35 @@
     <p:sldId id="259" r:id="rId5"/>
     <p:sldId id="260" r:id="rId6"/>
     <p:sldId id="261" r:id="rId7"/>
-    <p:sldId id="262" r:id="rId8"/>
-    <p:sldId id="263" r:id="rId9"/>
-    <p:sldId id="264" r:id="rId10"/>
-    <p:sldId id="269" r:id="rId11"/>
-    <p:sldId id="271" r:id="rId12"/>
-    <p:sldId id="272" r:id="rId13"/>
-    <p:sldId id="293" r:id="rId14"/>
-    <p:sldId id="273" r:id="rId15"/>
-    <p:sldId id="294" r:id="rId16"/>
-    <p:sldId id="274" r:id="rId17"/>
-    <p:sldId id="295" r:id="rId18"/>
-    <p:sldId id="277" r:id="rId19"/>
-    <p:sldId id="278" r:id="rId20"/>
-    <p:sldId id="281" r:id="rId21"/>
-    <p:sldId id="296" r:id="rId22"/>
-    <p:sldId id="282" r:id="rId23"/>
-    <p:sldId id="297" r:id="rId24"/>
-    <p:sldId id="300" r:id="rId25"/>
-    <p:sldId id="301" r:id="rId26"/>
-    <p:sldId id="302" r:id="rId27"/>
-    <p:sldId id="283" r:id="rId28"/>
-    <p:sldId id="298" r:id="rId29"/>
-    <p:sldId id="299" r:id="rId30"/>
-    <p:sldId id="303" r:id="rId31"/>
-    <p:sldId id="304" r:id="rId32"/>
-    <p:sldId id="305" r:id="rId33"/>
-    <p:sldId id="306" r:id="rId34"/>
-    <p:sldId id="307" r:id="rId35"/>
-    <p:sldId id="308" r:id="rId36"/>
+    <p:sldId id="316" r:id="rId8"/>
+    <p:sldId id="262" r:id="rId9"/>
+    <p:sldId id="263" r:id="rId10"/>
+    <p:sldId id="264" r:id="rId11"/>
+    <p:sldId id="269" r:id="rId12"/>
+    <p:sldId id="271" r:id="rId13"/>
+    <p:sldId id="272" r:id="rId14"/>
+    <p:sldId id="293" r:id="rId15"/>
+    <p:sldId id="273" r:id="rId16"/>
+    <p:sldId id="294" r:id="rId17"/>
+    <p:sldId id="274" r:id="rId18"/>
+    <p:sldId id="295" r:id="rId19"/>
+    <p:sldId id="277" r:id="rId20"/>
+    <p:sldId id="278" r:id="rId21"/>
+    <p:sldId id="281" r:id="rId22"/>
+    <p:sldId id="296" r:id="rId23"/>
+    <p:sldId id="282" r:id="rId24"/>
+    <p:sldId id="297" r:id="rId25"/>
+    <p:sldId id="300" r:id="rId26"/>
+    <p:sldId id="301" r:id="rId27"/>
+    <p:sldId id="302" r:id="rId28"/>
+    <p:sldId id="283" r:id="rId29"/>
+    <p:sldId id="298" r:id="rId30"/>
+    <p:sldId id="299" r:id="rId31"/>
+    <p:sldId id="303" r:id="rId32"/>
+    <p:sldId id="304" r:id="rId33"/>
+    <p:sldId id="305" r:id="rId34"/>
+    <p:sldId id="306" r:id="rId35"/>
+    <p:sldId id="307" r:id="rId36"/>
     <p:sldId id="284" r:id="rId37"/>
     <p:sldId id="309" r:id="rId38"/>
     <p:sldId id="285" r:id="rId39"/>
@@ -52,9 +52,7 @@
     <p:sldId id="290" r:id="rId46"/>
     <p:sldId id="291" r:id="rId47"/>
     <p:sldId id="314" r:id="rId48"/>
-    <p:sldId id="292" r:id="rId49"/>
-    <p:sldId id="312" r:id="rId50"/>
-    <p:sldId id="313" r:id="rId51"/>
+    <p:sldId id="315" r:id="rId49"/>
   </p:sldIdLst>
   <p:sldSz cx="12192000" cy="6858000"/>
   <p:notesSz cx="6858000" cy="9144000"/>
@@ -3915,7 +3913,13 @@
               <a:rPr lang="pt-BR" sz="4400" b="1" dirty="0">
                 <a:latin typeface="+mn-lt"/>
               </a:rPr>
-              <a:t>como alternativa de garantia de qualidade no desenvolvimento de software orientado a objetos</a:t>
+              <a:t>como alternativa de garantia de qualidade no desenvolvimento de </a:t>
+            </a:r>
+            <a:r>
+              <a:rPr lang="pt-BR" sz="4400" b="1" dirty="0" smtClean="0">
+                <a:latin typeface="+mn-lt"/>
+              </a:rPr>
+              <a:t>software</a:t>
             </a:r>
             <a:endParaRPr lang="pt-BR" sz="7200" dirty="0">
               <a:latin typeface="+mn-lt"/>
@@ -4254,6 +4258,13 @@
   <p:clrMapOvr>
     <a:masterClrMapping/>
   </p:clrMapOvr>
+  <p:timing>
+    <p:tnLst>
+      <p:par>
+        <p:cTn id="1" dur="indefinite" restart="never" nodeType="tmRoot"/>
+      </p:par>
+    </p:tnLst>
+  </p:timing>
 </p:sld>
 </file>
 
@@ -4291,6 +4302,186 @@
           <a:p>
             <a:r>
               <a:rPr lang="pt-BR" dirty="0"/>
+              <a:t>Qualidade de </a:t>
+            </a:r>
+            <a:r>
+              <a:rPr lang="pt-BR" dirty="0" smtClean="0"/>
+              <a:t>código</a:t>
+            </a:r>
+            <a:endParaRPr lang="pt-BR" dirty="0"/>
+          </a:p>
+        </p:txBody>
+      </p:sp>
+      <p:sp>
+        <p:nvSpPr>
+          <p:cNvPr id="3" name="Espaço Reservado para Conteúdo 2"/>
+          <p:cNvSpPr>
+            <a:spLocks noGrp="1"/>
+          </p:cNvSpPr>
+          <p:nvPr>
+            <p:ph idx="1"/>
+          </p:nvPr>
+        </p:nvSpPr>
+        <p:spPr/>
+        <p:txBody>
+          <a:bodyPr>
+            <a:normAutofit/>
+          </a:bodyPr>
+          <a:lstStyle/>
+          <a:p>
+            <a:r>
+              <a:rPr lang="pt-BR" sz="2400" dirty="0" smtClean="0"/>
+              <a:t>Complexidade </a:t>
+            </a:r>
+            <a:r>
+              <a:rPr lang="pt-BR" sz="2400" dirty="0"/>
+              <a:t>Ciclomática (CC</a:t>
+            </a:r>
+            <a:r>
+              <a:rPr lang="pt-BR" sz="2400" dirty="0" smtClean="0"/>
+              <a:t>)</a:t>
+            </a:r>
+          </a:p>
+          <a:p>
+            <a:r>
+              <a:rPr lang="pt-BR" sz="2400" dirty="0" smtClean="0"/>
+              <a:t>Número </a:t>
+            </a:r>
+            <a:r>
+              <a:rPr lang="pt-BR" sz="2400" dirty="0"/>
+              <a:t>de Linhas De Código (LOC – </a:t>
+            </a:r>
+            <a:r>
+              <a:rPr lang="pt-BR" sz="2400" dirty="0" err="1"/>
+              <a:t>Lines</a:t>
+            </a:r>
+            <a:r>
+              <a:rPr lang="pt-BR" sz="2400" dirty="0"/>
+              <a:t> </a:t>
+            </a:r>
+            <a:r>
+              <a:rPr lang="pt-BR" sz="2400" dirty="0" err="1"/>
+              <a:t>of</a:t>
+            </a:r>
+            <a:r>
+              <a:rPr lang="pt-BR" sz="2400" dirty="0"/>
+              <a:t> </a:t>
+            </a:r>
+            <a:r>
+              <a:rPr lang="pt-BR" sz="2400" dirty="0" err="1"/>
+              <a:t>Code</a:t>
+            </a:r>
+            <a:r>
+              <a:rPr lang="pt-BR" sz="2400" dirty="0" smtClean="0"/>
+              <a:t>)</a:t>
+            </a:r>
+          </a:p>
+          <a:p>
+            <a:r>
+              <a:rPr lang="pt-BR" sz="2400" dirty="0" smtClean="0"/>
+              <a:t>Dívida </a:t>
+            </a:r>
+            <a:r>
+              <a:rPr lang="pt-BR" sz="2400" dirty="0"/>
+              <a:t>Técnica (</a:t>
+            </a:r>
+            <a:r>
+              <a:rPr lang="pt-BR" sz="2400" dirty="0" err="1"/>
+              <a:t>Technical</a:t>
+            </a:r>
+            <a:r>
+              <a:rPr lang="pt-BR" sz="2400" dirty="0"/>
+              <a:t> </a:t>
+            </a:r>
+            <a:r>
+              <a:rPr lang="pt-BR" sz="2400" dirty="0" err="1"/>
+              <a:t>Debt</a:t>
+            </a:r>
+            <a:r>
+              <a:rPr lang="pt-BR" sz="2400" dirty="0" smtClean="0"/>
+              <a:t>)</a:t>
+            </a:r>
+          </a:p>
+          <a:p>
+            <a:r>
+              <a:rPr lang="pt-BR" sz="2400" dirty="0" smtClean="0"/>
+              <a:t>Cobertura </a:t>
+            </a:r>
+            <a:r>
+              <a:rPr lang="pt-BR" sz="2400" dirty="0"/>
+              <a:t>de </a:t>
+            </a:r>
+            <a:r>
+              <a:rPr lang="pt-BR" sz="2400" dirty="0" smtClean="0"/>
+              <a:t>código</a:t>
+            </a:r>
+          </a:p>
+          <a:p>
+            <a:r>
+              <a:rPr lang="pt-BR" sz="2400" dirty="0" smtClean="0"/>
+              <a:t>Duplicação </a:t>
+            </a:r>
+            <a:r>
+              <a:rPr lang="pt-BR" sz="2400" dirty="0"/>
+              <a:t>de código</a:t>
+            </a:r>
+          </a:p>
+        </p:txBody>
+      </p:sp>
+    </p:spTree>
+    <p:extLst>
+      <p:ext uri="{BB962C8B-B14F-4D97-AF65-F5344CB8AC3E}">
+        <p14:creationId xmlns:p14="http://schemas.microsoft.com/office/powerpoint/2010/main" val="4028082980"/>
+      </p:ext>
+    </p:extLst>
+  </p:cSld>
+  <p:clrMapOvr>
+    <a:masterClrMapping/>
+  </p:clrMapOvr>
+  <p:timing>
+    <p:tnLst>
+      <p:par>
+        <p:cTn id="1" dur="indefinite" restart="never" nodeType="tmRoot"/>
+      </p:par>
+    </p:tnLst>
+  </p:timing>
+</p:sld>
+</file>
+
+<file path=ppt/slides/slide11.xml><?xml version="1.0" encoding="utf-8"?>
+<p:sld xmlns:a="http://schemas.openxmlformats.org/drawingml/2006/main" xmlns:r="http://schemas.openxmlformats.org/officeDocument/2006/relationships" xmlns:p="http://schemas.openxmlformats.org/presentationml/2006/main">
+  <p:cSld>
+    <p:spTree>
+      <p:nvGrpSpPr>
+        <p:cNvPr id="1" name=""/>
+        <p:cNvGrpSpPr/>
+        <p:nvPr/>
+      </p:nvGrpSpPr>
+      <p:grpSpPr>
+        <a:xfrm>
+          <a:off x="0" y="0"/>
+          <a:ext cx="0" cy="0"/>
+          <a:chOff x="0" y="0"/>
+          <a:chExt cx="0" cy="0"/>
+        </a:xfrm>
+      </p:grpSpPr>
+      <p:sp>
+        <p:nvSpPr>
+          <p:cNvPr id="2" name="Título 1"/>
+          <p:cNvSpPr>
+            <a:spLocks noGrp="1"/>
+          </p:cNvSpPr>
+          <p:nvPr>
+            <p:ph type="title"/>
+          </p:nvPr>
+        </p:nvSpPr>
+        <p:spPr/>
+        <p:txBody>
+          <a:bodyPr/>
+          <a:lstStyle/>
+          <a:p>
+            <a:r>
+              <a:rPr lang="pt-BR" dirty="0"/>
               <a:t>TDD – Test-</a:t>
             </a:r>
             <a:r>
@@ -4422,10 +4613,17 @@
   <p:clrMapOvr>
     <a:masterClrMapping/>
   </p:clrMapOvr>
+  <p:timing>
+    <p:tnLst>
+      <p:par>
+        <p:cTn id="1" dur="indefinite" restart="never" nodeType="tmRoot"/>
+      </p:par>
+    </p:tnLst>
+  </p:timing>
 </p:sld>
 </file>
 
-<file path=ppt/slides/slide11.xml><?xml version="1.0" encoding="utf-8"?>
+<file path=ppt/slides/slide12.xml><?xml version="1.0" encoding="utf-8"?>
 <p:sld xmlns:a="http://schemas.openxmlformats.org/drawingml/2006/main" xmlns:r="http://schemas.openxmlformats.org/officeDocument/2006/relationships" xmlns:p="http://schemas.openxmlformats.org/presentationml/2006/main">
   <p:cSld>
     <p:spTree>
@@ -4507,10 +4705,17 @@
   <p:clrMapOvr>
     <a:masterClrMapping/>
   </p:clrMapOvr>
+  <p:timing>
+    <p:tnLst>
+      <p:par>
+        <p:cTn id="1" dur="indefinite" restart="never" nodeType="tmRoot"/>
+      </p:par>
+    </p:tnLst>
+  </p:timing>
 </p:sld>
 </file>
 
-<file path=ppt/slides/slide12.xml><?xml version="1.0" encoding="utf-8"?>
+<file path=ppt/slides/slide13.xml><?xml version="1.0" encoding="utf-8"?>
 <p:sld xmlns:a="http://schemas.openxmlformats.org/drawingml/2006/main" xmlns:r="http://schemas.openxmlformats.org/officeDocument/2006/relationships" xmlns:p="http://schemas.openxmlformats.org/presentationml/2006/main">
   <p:cSld>
     <p:spTree>
@@ -4544,8 +4749,13 @@
           <a:p>
             <a:r>
               <a:rPr lang="pt-BR" dirty="0"/>
-              <a:t>Vermelho: Criando um novo teste</a:t>
-            </a:r>
+              <a:t>Vermelho: Criando um novo </a:t>
+            </a:r>
+            <a:r>
+              <a:rPr lang="pt-BR" dirty="0" smtClean="0"/>
+              <a:t>teste (I)</a:t>
+            </a:r>
+            <a:endParaRPr lang="pt-BR" dirty="0"/>
           </a:p>
         </p:txBody>
       </p:sp>
@@ -4592,10 +4802,17 @@
   <p:clrMapOvr>
     <a:masterClrMapping/>
   </p:clrMapOvr>
+  <p:timing>
+    <p:tnLst>
+      <p:par>
+        <p:cTn id="1" dur="indefinite" restart="never" nodeType="tmRoot"/>
+      </p:par>
+    </p:tnLst>
+  </p:timing>
 </p:sld>
 </file>
 
-<file path=ppt/slides/slide13.xml><?xml version="1.0" encoding="utf-8"?>
+<file path=ppt/slides/slide14.xml><?xml version="1.0" encoding="utf-8"?>
 <p:sld xmlns:a="http://schemas.openxmlformats.org/drawingml/2006/main" xmlns:r="http://schemas.openxmlformats.org/officeDocument/2006/relationships" xmlns:p="http://schemas.openxmlformats.org/presentationml/2006/main">
   <p:cSld>
     <p:spTree>
@@ -4629,8 +4846,13 @@
           <a:p>
             <a:r>
               <a:rPr lang="pt-BR" dirty="0"/>
-              <a:t>Vermelho: Criando um novo teste</a:t>
-            </a:r>
+              <a:t>Vermelho: Criando um novo </a:t>
+            </a:r>
+            <a:r>
+              <a:rPr lang="pt-BR" dirty="0" smtClean="0"/>
+              <a:t>teste (II)</a:t>
+            </a:r>
+            <a:endParaRPr lang="pt-BR" dirty="0"/>
           </a:p>
         </p:txBody>
       </p:sp>
@@ -4677,10 +4899,17 @@
   <p:clrMapOvr>
     <a:masterClrMapping/>
   </p:clrMapOvr>
+  <p:timing>
+    <p:tnLst>
+      <p:par>
+        <p:cTn id="1" dur="indefinite" restart="never" nodeType="tmRoot"/>
+      </p:par>
+    </p:tnLst>
+  </p:timing>
 </p:sld>
 </file>
 
-<file path=ppt/slides/slide14.xml><?xml version="1.0" encoding="utf-8"?>
+<file path=ppt/slides/slide15.xml><?xml version="1.0" encoding="utf-8"?>
 <p:sld xmlns:a="http://schemas.openxmlformats.org/drawingml/2006/main" xmlns:r="http://schemas.openxmlformats.org/officeDocument/2006/relationships" xmlns:p="http://schemas.openxmlformats.org/presentationml/2006/main">
   <p:cSld>
     <p:spTree>
@@ -4714,8 +4943,13 @@
           <a:p>
             <a:r>
               <a:rPr lang="pt-BR" dirty="0"/>
-              <a:t>Verde: Fazendo o teste passar</a:t>
-            </a:r>
+              <a:t>Verde: Fazendo o teste </a:t>
+            </a:r>
+            <a:r>
+              <a:rPr lang="pt-BR" dirty="0" smtClean="0"/>
+              <a:t>passar (I)</a:t>
+            </a:r>
+            <a:endParaRPr lang="pt-BR" dirty="0"/>
           </a:p>
         </p:txBody>
       </p:sp>
@@ -4762,10 +4996,17 @@
   <p:clrMapOvr>
     <a:masterClrMapping/>
   </p:clrMapOvr>
+  <p:timing>
+    <p:tnLst>
+      <p:par>
+        <p:cTn id="1" dur="indefinite" restart="never" nodeType="tmRoot"/>
+      </p:par>
+    </p:tnLst>
+  </p:timing>
 </p:sld>
 </file>
 
-<file path=ppt/slides/slide15.xml><?xml version="1.0" encoding="utf-8"?>
+<file path=ppt/slides/slide16.xml><?xml version="1.0" encoding="utf-8"?>
 <p:sld xmlns:a="http://schemas.openxmlformats.org/drawingml/2006/main" xmlns:r="http://schemas.openxmlformats.org/officeDocument/2006/relationships" xmlns:p="http://schemas.openxmlformats.org/presentationml/2006/main">
   <p:cSld>
     <p:spTree>
@@ -4797,6 +5038,14 @@
           <a:bodyPr/>
           <a:lstStyle/>
           <a:p>
+            <a:r>
+              <a:rPr lang="pt-BR" dirty="0"/>
+              <a:t>Verde: Fazendo o teste passar (</a:t>
+            </a:r>
+            <a:r>
+              <a:rPr lang="pt-BR" dirty="0" smtClean="0"/>
+              <a:t>II)</a:t>
+            </a:r>
             <a:endParaRPr lang="pt-BR" dirty="0"/>
           </a:p>
         </p:txBody>
@@ -4844,10 +5093,17 @@
   <p:clrMapOvr>
     <a:masterClrMapping/>
   </p:clrMapOvr>
+  <p:timing>
+    <p:tnLst>
+      <p:par>
+        <p:cTn id="1" dur="indefinite" restart="never" nodeType="tmRoot"/>
+      </p:par>
+    </p:tnLst>
+  </p:timing>
 </p:sld>
 </file>
 
-<file path=ppt/slides/slide16.xml><?xml version="1.0" encoding="utf-8"?>
+<file path=ppt/slides/slide17.xml><?xml version="1.0" encoding="utf-8"?>
 <p:sld xmlns:a="http://schemas.openxmlformats.org/drawingml/2006/main" xmlns:r="http://schemas.openxmlformats.org/officeDocument/2006/relationships" xmlns:p="http://schemas.openxmlformats.org/presentationml/2006/main">
   <p:cSld>
     <p:spTree>
@@ -4881,8 +5137,13 @@
           <a:p>
             <a:r>
               <a:rPr lang="pt-BR" dirty="0"/>
-              <a:t>Refatorar: Generalizar o método</a:t>
-            </a:r>
+              <a:t>Refatorar: Generalizar o </a:t>
+            </a:r>
+            <a:r>
+              <a:rPr lang="pt-BR" dirty="0" smtClean="0"/>
+              <a:t>método</a:t>
+            </a:r>
+            <a:endParaRPr lang="pt-BR" dirty="0"/>
           </a:p>
         </p:txBody>
       </p:sp>
@@ -4929,10 +5190,17 @@
   <p:clrMapOvr>
     <a:masterClrMapping/>
   </p:clrMapOvr>
+  <p:timing>
+    <p:tnLst>
+      <p:par>
+        <p:cTn id="1" dur="indefinite" restart="never" nodeType="tmRoot"/>
+      </p:par>
+    </p:tnLst>
+  </p:timing>
 </p:sld>
 </file>
 
-<file path=ppt/slides/slide17.xml><?xml version="1.0" encoding="utf-8"?>
+<file path=ppt/slides/slide18.xml><?xml version="1.0" encoding="utf-8"?>
 <p:sld xmlns:a="http://schemas.openxmlformats.org/drawingml/2006/main" xmlns:r="http://schemas.openxmlformats.org/officeDocument/2006/relationships" xmlns:p="http://schemas.openxmlformats.org/presentationml/2006/main">
   <p:cSld>
     <p:spTree>
@@ -5014,113 +5282,13 @@
   <p:clrMapOvr>
     <a:masterClrMapping/>
   </p:clrMapOvr>
-</p:sld>
-</file>
-
-<file path=ppt/slides/slide18.xml><?xml version="1.0" encoding="utf-8"?>
-<p:sld xmlns:a="http://schemas.openxmlformats.org/drawingml/2006/main" xmlns:r="http://schemas.openxmlformats.org/officeDocument/2006/relationships" xmlns:p="http://schemas.openxmlformats.org/presentationml/2006/main">
-  <p:cSld>
-    <p:spTree>
-      <p:nvGrpSpPr>
-        <p:cNvPr id="1" name=""/>
-        <p:cNvGrpSpPr/>
-        <p:nvPr/>
-      </p:nvGrpSpPr>
-      <p:grpSpPr>
-        <a:xfrm>
-          <a:off x="0" y="0"/>
-          <a:ext cx="0" cy="0"/>
-          <a:chOff x="0" y="0"/>
-          <a:chExt cx="0" cy="0"/>
-        </a:xfrm>
-      </p:grpSpPr>
-      <p:sp>
-        <p:nvSpPr>
-          <p:cNvPr id="2" name="Título 1"/>
-          <p:cNvSpPr>
-            <a:spLocks noGrp="1"/>
-          </p:cNvSpPr>
-          <p:nvPr>
-            <p:ph type="title"/>
-          </p:nvPr>
-        </p:nvSpPr>
-        <p:spPr/>
-        <p:txBody>
-          <a:bodyPr>
-            <a:normAutofit/>
-          </a:bodyPr>
-          <a:lstStyle/>
-          <a:p>
-            <a:r>
-              <a:rPr lang="pt-BR" dirty="0"/>
-              <a:t>Ferramenta de publicação de Livro Digital no formato </a:t>
-            </a:r>
-            <a:r>
-              <a:rPr lang="pt-BR" dirty="0" smtClean="0"/>
-              <a:t>e-Pub</a:t>
-            </a:r>
-            <a:endParaRPr lang="pt-BR" dirty="0"/>
-          </a:p>
-        </p:txBody>
-      </p:sp>
-      <p:sp>
-        <p:nvSpPr>
-          <p:cNvPr id="3" name="Espaço Reservado para Conteúdo 2"/>
-          <p:cNvSpPr>
-            <a:spLocks noGrp="1"/>
-          </p:cNvSpPr>
-          <p:nvPr>
-            <p:ph idx="1"/>
-          </p:nvPr>
-        </p:nvSpPr>
-        <p:spPr/>
-        <p:txBody>
-          <a:bodyPr>
-            <a:normAutofit/>
-          </a:bodyPr>
-          <a:lstStyle/>
-          <a:p>
-            <a:r>
-              <a:rPr lang="pt-BR" sz="2400" dirty="0"/>
-              <a:t>Este projeto tem por objetivo exemplificar a prática do TDD, durante o processo de desenvolvimento do software, que será aplicado em uma ferramenta de publicação de livros digitais no formato </a:t>
-            </a:r>
-            <a:r>
-              <a:rPr lang="pt-BR" sz="2400" dirty="0" err="1" smtClean="0"/>
-              <a:t>ePub</a:t>
-            </a:r>
-            <a:endParaRPr lang="pt-BR" sz="2400" dirty="0" smtClean="0"/>
-          </a:p>
-          <a:p>
-            <a:r>
-              <a:rPr lang="pt-BR" sz="2400" dirty="0" smtClean="0"/>
-              <a:t>API: http</a:t>
-            </a:r>
-            <a:r>
-              <a:rPr lang="pt-BR" sz="2400" dirty="0"/>
-              <a:t>://www.siegmann.nl/epublib.</a:t>
-            </a:r>
-          </a:p>
-          <a:p>
-            <a:r>
-              <a:rPr lang="pt-BR" sz="2400" dirty="0"/>
-              <a:t>A principal funcionalidade da ferramenta é mostrar a criação das páginas em formato texto e transformar em um formato que a API consiga interpretar e transformar no arquivo adequado para a publicação.</a:t>
-            </a:r>
-          </a:p>
-          <a:p>
-            <a:endParaRPr lang="pt-BR" sz="2400" dirty="0"/>
-          </a:p>
-        </p:txBody>
-      </p:sp>
-    </p:spTree>
-    <p:extLst>
-      <p:ext uri="{BB962C8B-B14F-4D97-AF65-F5344CB8AC3E}">
-        <p14:creationId xmlns:p14="http://schemas.microsoft.com/office/powerpoint/2010/main" val="1211658244"/>
-      </p:ext>
-    </p:extLst>
-  </p:cSld>
-  <p:clrMapOvr>
-    <a:masterClrMapping/>
-  </p:clrMapOvr>
+  <p:timing>
+    <p:tnLst>
+      <p:par>
+        <p:cTn id="1" dur="indefinite" restart="never" nodeType="tmRoot"/>
+      </p:par>
+    </p:tnLst>
+  </p:timing>
 </p:sld>
 </file>
 
@@ -5153,172 +5321,88 @@
         </p:nvSpPr>
         <p:spPr/>
         <p:txBody>
-          <a:bodyPr/>
-          <a:lstStyle/>
-          <a:p>
-            <a:r>
-              <a:rPr lang="pt-BR" dirty="0" smtClean="0"/>
-              <a:t>Ferramentas utilizadas</a:t>
-            </a:r>
-            <a:endParaRPr lang="pt-BR" dirty="0"/>
-          </a:p>
-        </p:txBody>
-      </p:sp>
-      <p:sp>
-        <p:nvSpPr>
-          <p:cNvPr id="3" name="Espaço Reservado para Conteúdo 2"/>
-          <p:cNvSpPr>
-            <a:spLocks noGrp="1"/>
-          </p:cNvSpPr>
-          <p:nvPr>
-            <p:ph idx="1"/>
-          </p:nvPr>
-        </p:nvSpPr>
-        <p:spPr/>
-        <p:txBody>
           <a:bodyPr>
             <a:normAutofit/>
           </a:bodyPr>
           <a:lstStyle/>
           <a:p>
-            <a:pPr lvl="0"/>
-            <a:r>
-              <a:rPr lang="pt-BR" sz="2400" dirty="0" err="1"/>
-              <a:t>Netbeans</a:t>
-            </a:r>
+            <a:r>
+              <a:rPr lang="pt-BR" dirty="0"/>
+              <a:t>Ferramenta de publicação de Livro Digital no formato </a:t>
+            </a:r>
+            <a:r>
+              <a:rPr lang="pt-BR" dirty="0" smtClean="0"/>
+              <a:t>e-Pub</a:t>
+            </a:r>
+            <a:endParaRPr lang="pt-BR" dirty="0"/>
+          </a:p>
+        </p:txBody>
+      </p:sp>
+      <p:sp>
+        <p:nvSpPr>
+          <p:cNvPr id="3" name="Espaço Reservado para Conteúdo 2"/>
+          <p:cNvSpPr>
+            <a:spLocks noGrp="1"/>
+          </p:cNvSpPr>
+          <p:nvPr>
+            <p:ph idx="1"/>
+          </p:nvPr>
+        </p:nvSpPr>
+        <p:spPr/>
+        <p:txBody>
+          <a:bodyPr>
+            <a:normAutofit/>
+          </a:bodyPr>
+          <a:lstStyle/>
+          <a:p>
             <a:r>
               <a:rPr lang="pt-BR" sz="2400" dirty="0"/>
-              <a:t> – Ambiente de desenvolvimento Java distribuído pela Oracle;</a:t>
-            </a:r>
-          </a:p>
-          <a:p>
-            <a:pPr lvl="0"/>
-            <a:r>
-              <a:rPr lang="en-US" sz="2400" dirty="0"/>
-              <a:t>JSF – </a:t>
-            </a:r>
-            <a:r>
-              <a:rPr lang="en-US" sz="2400" i="1" dirty="0"/>
-              <a:t>Framework</a:t>
-            </a:r>
-            <a:r>
-              <a:rPr lang="en-US" sz="2400" dirty="0"/>
-              <a:t> Web;</a:t>
-            </a:r>
+              <a:t>Este projeto tem por objetivo exemplificar a prática do TDD, durante o processo de desenvolvimento do software, que será aplicado em uma ferramenta de publicação de livros digitais no formato </a:t>
+            </a:r>
+            <a:r>
+              <a:rPr lang="pt-BR" sz="2400" dirty="0" err="1" smtClean="0"/>
+              <a:t>ePub</a:t>
+            </a:r>
+            <a:endParaRPr lang="pt-BR" sz="2400" dirty="0" smtClean="0"/>
+          </a:p>
+          <a:p>
+            <a:r>
+              <a:rPr lang="pt-BR" sz="2400" dirty="0" smtClean="0"/>
+              <a:t>API: http</a:t>
+            </a:r>
+            <a:r>
+              <a:rPr lang="pt-BR" sz="2400" dirty="0"/>
+              <a:t>://www.siegmann.nl/epublib.</a:t>
+            </a:r>
+          </a:p>
+          <a:p>
+            <a:r>
+              <a:rPr lang="pt-BR" sz="2400" dirty="0"/>
+              <a:t>A principal funcionalidade da ferramenta é mostrar a criação das páginas em formato texto e transformar em um formato que a API consiga interpretar e transformar no arquivo adequado para a publicação.</a:t>
+            </a:r>
+          </a:p>
+          <a:p>
             <a:endParaRPr lang="pt-BR" sz="2400" dirty="0"/>
-          </a:p>
-          <a:p>
-            <a:pPr lvl="0"/>
-            <a:r>
-              <a:rPr lang="en-US" sz="2400" dirty="0" err="1"/>
-              <a:t>Primefaces</a:t>
-            </a:r>
-            <a:r>
-              <a:rPr lang="en-US" sz="2400" dirty="0"/>
-              <a:t>  – </a:t>
-            </a:r>
-            <a:r>
-              <a:rPr lang="en-US" sz="2400" i="1" dirty="0"/>
-              <a:t>Framework</a:t>
-            </a:r>
-            <a:r>
-              <a:rPr lang="en-US" sz="2400" dirty="0"/>
-              <a:t> Web;</a:t>
-            </a:r>
-            <a:endParaRPr lang="pt-BR" sz="2400" dirty="0"/>
-          </a:p>
-          <a:p>
-            <a:pPr lvl="0"/>
-            <a:r>
-              <a:rPr lang="en-US" sz="2400" dirty="0" err="1"/>
-              <a:t>Epublib</a:t>
-            </a:r>
-            <a:r>
-              <a:rPr lang="en-US" sz="2400" dirty="0"/>
-              <a:t>  – </a:t>
-            </a:r>
-            <a:r>
-              <a:rPr lang="en-US" sz="2400" i="1" dirty="0"/>
-              <a:t>Framework</a:t>
-            </a:r>
-            <a:r>
-              <a:rPr lang="en-US" sz="2400" dirty="0"/>
-              <a:t> </a:t>
-            </a:r>
-            <a:r>
-              <a:rPr lang="en-US" sz="2400" dirty="0" err="1"/>
-              <a:t>ePub</a:t>
-            </a:r>
-            <a:r>
-              <a:rPr lang="en-US" sz="2400" dirty="0"/>
-              <a:t>;</a:t>
-            </a:r>
-            <a:endParaRPr lang="pt-BR" sz="2400" dirty="0"/>
-          </a:p>
-          <a:p>
-            <a:pPr lvl="0"/>
-            <a:r>
-              <a:rPr lang="en-US" sz="2400" dirty="0"/>
-              <a:t>JUnit -  – </a:t>
-            </a:r>
-            <a:r>
-              <a:rPr lang="en-US" sz="2400" i="1" dirty="0"/>
-              <a:t>Framework</a:t>
-            </a:r>
-            <a:r>
-              <a:rPr lang="en-US" sz="2400" dirty="0"/>
-              <a:t> de testes;</a:t>
-            </a:r>
-            <a:endParaRPr lang="pt-BR" sz="2400" dirty="0"/>
-          </a:p>
-          <a:p>
-            <a:pPr lvl="0"/>
-            <a:r>
-              <a:rPr lang="pt-BR" sz="2400" dirty="0" err="1"/>
-              <a:t>Maven</a:t>
-            </a:r>
-            <a:r>
-              <a:rPr lang="pt-BR" sz="2400" dirty="0"/>
-              <a:t> – Ferramenta de </a:t>
-            </a:r>
-            <a:r>
-              <a:rPr lang="pt-BR" sz="2400" i="1" dirty="0"/>
-              <a:t>build</a:t>
-            </a:r>
-            <a:r>
-              <a:rPr lang="pt-BR" sz="2400" dirty="0"/>
-              <a:t>;</a:t>
-            </a:r>
-          </a:p>
-          <a:p>
-            <a:pPr lvl="0"/>
-            <a:r>
-              <a:rPr lang="pt-BR" sz="2400" dirty="0" err="1"/>
-              <a:t>Git</a:t>
-            </a:r>
-            <a:r>
-              <a:rPr lang="pt-BR" sz="2400" dirty="0"/>
-              <a:t> – Controle de versão;</a:t>
-            </a:r>
-          </a:p>
-          <a:p>
-            <a:r>
-              <a:rPr lang="pt-BR" sz="2400" dirty="0"/>
-              <a:t>Sonar – Ferramenta de análise de código.</a:t>
-            </a:r>
           </a:p>
         </p:txBody>
       </p:sp>
     </p:spTree>
     <p:extLst>
       <p:ext uri="{BB962C8B-B14F-4D97-AF65-F5344CB8AC3E}">
-        <p14:creationId xmlns:p14="http://schemas.microsoft.com/office/powerpoint/2010/main" val="1374765092"/>
+        <p14:creationId xmlns:p14="http://schemas.microsoft.com/office/powerpoint/2010/main" val="1211658244"/>
       </p:ext>
     </p:extLst>
   </p:cSld>
   <p:clrMapOvr>
     <a:masterClrMapping/>
   </p:clrMapOvr>
+  <p:timing>
+    <p:tnLst>
+      <p:par>
+        <p:cTn id="1" dur="indefinite" restart="never" nodeType="tmRoot"/>
+      </p:par>
+    </p:tnLst>
+  </p:timing>
 </p:sld>
 </file>
 
@@ -5379,110 +5463,110 @@
           <a:lstStyle/>
           <a:p>
             <a:r>
-              <a:rPr lang="pt-BR" dirty="0" smtClean="0"/>
+              <a:rPr lang="pt-BR" sz="2400" dirty="0" smtClean="0"/>
               <a:t>Sistemas Orientados </a:t>
             </a:r>
             <a:r>
-              <a:rPr lang="pt-BR" dirty="0"/>
+              <a:rPr lang="pt-BR" sz="2400" dirty="0"/>
               <a:t>a </a:t>
             </a:r>
             <a:r>
-              <a:rPr lang="pt-BR" dirty="0" smtClean="0"/>
+              <a:rPr lang="pt-BR" sz="2400" dirty="0" smtClean="0"/>
               <a:t>Objetos </a:t>
             </a:r>
             <a:r>
-              <a:rPr lang="pt-BR" dirty="0"/>
+              <a:rPr lang="pt-BR" sz="2400" dirty="0"/>
               <a:t>deveriam ser mais </a:t>
             </a:r>
             <a:r>
-              <a:rPr lang="pt-BR" dirty="0" smtClean="0"/>
+              <a:rPr lang="pt-BR" sz="2400" dirty="0" smtClean="0"/>
               <a:t>fáceis:</a:t>
             </a:r>
           </a:p>
           <a:p>
             <a:pPr lvl="1"/>
             <a:r>
-              <a:rPr lang="pt-BR" sz="2000" dirty="0"/>
+              <a:rPr lang="pt-BR" sz="2400" dirty="0"/>
               <a:t>D</a:t>
             </a:r>
             <a:r>
-              <a:rPr lang="pt-BR" sz="2000" dirty="0" smtClean="0"/>
+              <a:rPr lang="pt-BR" sz="2400" dirty="0" smtClean="0"/>
+              <a:t>e entender</a:t>
+            </a:r>
+          </a:p>
+          <a:p>
+            <a:pPr lvl="1"/>
+            <a:r>
+              <a:rPr lang="pt-BR" sz="2400" dirty="0" smtClean="0"/>
+              <a:t>De ler</a:t>
+            </a:r>
+          </a:p>
+          <a:p>
+            <a:pPr lvl="1"/>
+            <a:r>
+              <a:rPr lang="pt-BR" sz="2400" dirty="0"/>
+              <a:t>D</a:t>
+            </a:r>
+            <a:r>
+              <a:rPr lang="pt-BR" sz="2400" dirty="0" smtClean="0"/>
               <a:t>e </a:t>
             </a:r>
             <a:r>
-              <a:rPr lang="pt-BR" sz="2000" dirty="0" smtClean="0"/>
-              <a:t>entender</a:t>
-            </a:r>
+              <a:rPr lang="pt-BR" sz="2400" dirty="0"/>
+              <a:t>dar </a:t>
+            </a:r>
+            <a:r>
+              <a:rPr lang="pt-BR" sz="2400" dirty="0" smtClean="0"/>
+              <a:t>manutenção</a:t>
+            </a:r>
+          </a:p>
+          <a:p>
+            <a:endParaRPr lang="pt-BR" sz="2400" dirty="0" smtClean="0"/>
+          </a:p>
+          <a:p>
+            <a:r>
+              <a:rPr lang="pt-BR" sz="2400" dirty="0" smtClean="0"/>
+              <a:t>Porém </a:t>
+            </a:r>
+            <a:r>
+              <a:rPr lang="pt-BR" sz="2400" dirty="0" smtClean="0"/>
+              <a:t>ainda </a:t>
+            </a:r>
+            <a:r>
+              <a:rPr lang="pt-BR" sz="2400" dirty="0" smtClean="0"/>
+              <a:t>têm:</a:t>
+            </a:r>
+            <a:endParaRPr lang="pt-BR" sz="2400" dirty="0" smtClean="0"/>
           </a:p>
           <a:p>
             <a:pPr lvl="1"/>
             <a:r>
-              <a:rPr lang="pt-BR" sz="2000" dirty="0" smtClean="0"/>
-              <a:t>De ler</a:t>
+              <a:rPr lang="pt-BR" sz="2400" dirty="0"/>
+              <a:t>C</a:t>
+            </a:r>
+            <a:r>
+              <a:rPr lang="pt-BR" sz="2400" dirty="0" smtClean="0"/>
+              <a:t>ódigos extensos</a:t>
             </a:r>
           </a:p>
           <a:p>
             <a:pPr lvl="1"/>
             <a:r>
-              <a:rPr lang="pt-BR" sz="2000" dirty="0"/>
-              <a:t>D</a:t>
-            </a:r>
-            <a:r>
-              <a:rPr lang="pt-BR" sz="2000" dirty="0" smtClean="0"/>
-              <a:t>e </a:t>
-            </a:r>
-            <a:r>
-              <a:rPr lang="pt-BR" sz="2000" dirty="0"/>
-              <a:t>dar </a:t>
-            </a:r>
-            <a:r>
-              <a:rPr lang="pt-BR" sz="2000" dirty="0" smtClean="0"/>
-              <a:t>manutenção</a:t>
-            </a:r>
-          </a:p>
-          <a:p>
-            <a:endParaRPr lang="pt-BR" dirty="0" smtClean="0"/>
-          </a:p>
-          <a:p>
-            <a:r>
-              <a:rPr lang="pt-BR" dirty="0" smtClean="0"/>
-              <a:t>Porem ainda tem</a:t>
+              <a:rPr lang="pt-BR" sz="2400" dirty="0"/>
+              <a:t>I</a:t>
+            </a:r>
+            <a:r>
+              <a:rPr lang="pt-BR" sz="2400" dirty="0" smtClean="0"/>
+              <a:t>nconsistentes </a:t>
             </a:r>
           </a:p>
           <a:p>
             <a:pPr lvl="1"/>
             <a:r>
-              <a:rPr lang="pt-BR" sz="2000" dirty="0"/>
-              <a:t>C</a:t>
-            </a:r>
-            <a:r>
-              <a:rPr lang="pt-BR" sz="2000" dirty="0" smtClean="0"/>
-              <a:t>ódigos </a:t>
-            </a:r>
-            <a:r>
-              <a:rPr lang="pt-BR" sz="2000" dirty="0" smtClean="0"/>
-              <a:t>extensos</a:t>
-            </a:r>
-          </a:p>
-          <a:p>
-            <a:pPr lvl="1"/>
-            <a:r>
-              <a:rPr lang="pt-BR" sz="2000" dirty="0"/>
-              <a:t>I</a:t>
-            </a:r>
-            <a:r>
-              <a:rPr lang="pt-BR" sz="2000" dirty="0" smtClean="0"/>
-              <a:t>nconsistentes </a:t>
-            </a:r>
-            <a:endParaRPr lang="pt-BR" sz="2000" dirty="0" smtClean="0"/>
-          </a:p>
-          <a:p>
-            <a:pPr lvl="1"/>
-            <a:r>
-              <a:rPr lang="pt-BR" sz="2000" dirty="0" smtClean="0"/>
+              <a:rPr lang="pt-BR" sz="2400" dirty="0" smtClean="0"/>
               <a:t>Duplicados</a:t>
             </a:r>
-            <a:endParaRPr lang="pt-BR" sz="2000" dirty="0"/>
+            <a:endParaRPr lang="pt-BR" sz="2400" dirty="0"/>
           </a:p>
         </p:txBody>
       </p:sp>
@@ -5496,10 +5580,222 @@
   <p:clrMapOvr>
     <a:masterClrMapping/>
   </p:clrMapOvr>
+  <p:timing>
+    <p:tnLst>
+      <p:par>
+        <p:cTn id="1" dur="indefinite" restart="never" nodeType="tmRoot"/>
+      </p:par>
+    </p:tnLst>
+  </p:timing>
 </p:sld>
 </file>
 
 <file path=ppt/slides/slide20.xml><?xml version="1.0" encoding="utf-8"?>
+<p:sld xmlns:a="http://schemas.openxmlformats.org/drawingml/2006/main" xmlns:r="http://schemas.openxmlformats.org/officeDocument/2006/relationships" xmlns:p="http://schemas.openxmlformats.org/presentationml/2006/main">
+  <p:cSld>
+    <p:spTree>
+      <p:nvGrpSpPr>
+        <p:cNvPr id="1" name=""/>
+        <p:cNvGrpSpPr/>
+        <p:nvPr/>
+      </p:nvGrpSpPr>
+      <p:grpSpPr>
+        <a:xfrm>
+          <a:off x="0" y="0"/>
+          <a:ext cx="0" cy="0"/>
+          <a:chOff x="0" y="0"/>
+          <a:chExt cx="0" cy="0"/>
+        </a:xfrm>
+      </p:grpSpPr>
+      <p:sp>
+        <p:nvSpPr>
+          <p:cNvPr id="2" name="Título 1"/>
+          <p:cNvSpPr>
+            <a:spLocks noGrp="1"/>
+          </p:cNvSpPr>
+          <p:nvPr>
+            <p:ph type="title"/>
+          </p:nvPr>
+        </p:nvSpPr>
+        <p:spPr/>
+        <p:txBody>
+          <a:bodyPr/>
+          <a:lstStyle/>
+          <a:p>
+            <a:r>
+              <a:rPr lang="pt-BR" dirty="0" smtClean="0"/>
+              <a:t>Ferramentas utilizadas</a:t>
+            </a:r>
+            <a:endParaRPr lang="pt-BR" dirty="0"/>
+          </a:p>
+        </p:txBody>
+      </p:sp>
+      <p:sp>
+        <p:nvSpPr>
+          <p:cNvPr id="3" name="Espaço Reservado para Conteúdo 2"/>
+          <p:cNvSpPr>
+            <a:spLocks noGrp="1"/>
+          </p:cNvSpPr>
+          <p:nvPr>
+            <p:ph idx="1"/>
+          </p:nvPr>
+        </p:nvSpPr>
+        <p:spPr/>
+        <p:txBody>
+          <a:bodyPr>
+            <a:normAutofit/>
+          </a:bodyPr>
+          <a:lstStyle/>
+          <a:p>
+            <a:pPr lvl="0"/>
+            <a:r>
+              <a:rPr lang="pt-BR" sz="2400" dirty="0" err="1"/>
+              <a:t>Netbeans</a:t>
+            </a:r>
+            <a:r>
+              <a:rPr lang="pt-BR" sz="2400" dirty="0"/>
+              <a:t> – Ambiente de desenvolvimento Java distribuído pela Oracle;</a:t>
+            </a:r>
+          </a:p>
+          <a:p>
+            <a:pPr lvl="0"/>
+            <a:r>
+              <a:rPr lang="en-US" sz="2400" dirty="0"/>
+              <a:t>JSF – </a:t>
+            </a:r>
+            <a:r>
+              <a:rPr lang="en-US" sz="2400" i="1" dirty="0"/>
+              <a:t>Framework</a:t>
+            </a:r>
+            <a:r>
+              <a:rPr lang="en-US" sz="2400" dirty="0"/>
+              <a:t> Web;</a:t>
+            </a:r>
+            <a:endParaRPr lang="pt-BR" sz="2400" dirty="0"/>
+          </a:p>
+          <a:p>
+            <a:pPr lvl="0"/>
+            <a:r>
+              <a:rPr lang="en-US" sz="2400" dirty="0" err="1"/>
+              <a:t>Primefaces</a:t>
+            </a:r>
+            <a:r>
+              <a:rPr lang="en-US" sz="2400" dirty="0"/>
+              <a:t>  – </a:t>
+            </a:r>
+            <a:r>
+              <a:rPr lang="en-US" sz="2400" i="1" dirty="0"/>
+              <a:t>Framework</a:t>
+            </a:r>
+            <a:r>
+              <a:rPr lang="en-US" sz="2400" dirty="0"/>
+              <a:t> Web;</a:t>
+            </a:r>
+            <a:endParaRPr lang="pt-BR" sz="2400" dirty="0"/>
+          </a:p>
+          <a:p>
+            <a:pPr lvl="0"/>
+            <a:r>
+              <a:rPr lang="en-US" sz="2400" dirty="0" err="1"/>
+              <a:t>Epublib</a:t>
+            </a:r>
+            <a:r>
+              <a:rPr lang="en-US" sz="2400" dirty="0"/>
+              <a:t>  – </a:t>
+            </a:r>
+            <a:r>
+              <a:rPr lang="en-US" sz="2400" i="1" dirty="0"/>
+              <a:t>Framework</a:t>
+            </a:r>
+            <a:r>
+              <a:rPr lang="en-US" sz="2400" dirty="0"/>
+              <a:t> </a:t>
+            </a:r>
+            <a:r>
+              <a:rPr lang="en-US" sz="2400" dirty="0" err="1"/>
+              <a:t>ePub</a:t>
+            </a:r>
+            <a:r>
+              <a:rPr lang="en-US" sz="2400" dirty="0"/>
+              <a:t>;</a:t>
+            </a:r>
+            <a:endParaRPr lang="pt-BR" sz="2400" dirty="0"/>
+          </a:p>
+          <a:p>
+            <a:pPr lvl="0"/>
+            <a:r>
+              <a:rPr lang="en-US" sz="2400" dirty="0"/>
+              <a:t>JUnit -  – </a:t>
+            </a:r>
+            <a:r>
+              <a:rPr lang="en-US" sz="2400" i="1" dirty="0"/>
+              <a:t>Framework</a:t>
+            </a:r>
+            <a:r>
+              <a:rPr lang="en-US" sz="2400" dirty="0"/>
+              <a:t> de testes;</a:t>
+            </a:r>
+            <a:endParaRPr lang="pt-BR" sz="2400" dirty="0"/>
+          </a:p>
+          <a:p>
+            <a:pPr lvl="0"/>
+            <a:r>
+              <a:rPr lang="pt-BR" sz="2400" dirty="0" err="1"/>
+              <a:t>Maven</a:t>
+            </a:r>
+            <a:r>
+              <a:rPr lang="pt-BR" sz="2400" dirty="0"/>
+              <a:t> – Ferramenta de </a:t>
+            </a:r>
+            <a:r>
+              <a:rPr lang="pt-BR" sz="2400" i="1" dirty="0"/>
+              <a:t>build</a:t>
+            </a:r>
+            <a:r>
+              <a:rPr lang="pt-BR" sz="2400" dirty="0"/>
+              <a:t>;</a:t>
+            </a:r>
+          </a:p>
+          <a:p>
+            <a:pPr lvl="0"/>
+            <a:r>
+              <a:rPr lang="pt-BR" sz="2400" dirty="0" err="1"/>
+              <a:t>Git</a:t>
+            </a:r>
+            <a:r>
+              <a:rPr lang="pt-BR" sz="2400" dirty="0"/>
+              <a:t> – Controle de versão;</a:t>
+            </a:r>
+          </a:p>
+          <a:p>
+            <a:r>
+              <a:rPr lang="pt-BR" sz="2400" dirty="0"/>
+              <a:t>Sonar – Ferramenta de análise de código.</a:t>
+            </a:r>
+          </a:p>
+        </p:txBody>
+      </p:sp>
+    </p:spTree>
+    <p:extLst>
+      <p:ext uri="{BB962C8B-B14F-4D97-AF65-F5344CB8AC3E}">
+        <p14:creationId xmlns:p14="http://schemas.microsoft.com/office/powerpoint/2010/main" val="1374765092"/>
+      </p:ext>
+    </p:extLst>
+  </p:cSld>
+  <p:clrMapOvr>
+    <a:masterClrMapping/>
+  </p:clrMapOvr>
+  <p:timing>
+    <p:tnLst>
+      <p:par>
+        <p:cTn id="1" dur="indefinite" restart="never" nodeType="tmRoot"/>
+      </p:par>
+    </p:tnLst>
+  </p:timing>
+</p:sld>
+</file>
+
+<file path=ppt/slides/slide21.xml><?xml version="1.0" encoding="utf-8"?>
 <p:sld xmlns:a="http://schemas.openxmlformats.org/drawingml/2006/main" xmlns:r="http://schemas.openxmlformats.org/officeDocument/2006/relationships" xmlns:p="http://schemas.openxmlformats.org/presentationml/2006/main">
   <p:cSld>
     <p:spTree>
@@ -5580,10 +5876,17 @@
   <p:clrMapOvr>
     <a:masterClrMapping/>
   </p:clrMapOvr>
+  <p:timing>
+    <p:tnLst>
+      <p:par>
+        <p:cTn id="1" dur="indefinite" restart="never" nodeType="tmRoot"/>
+      </p:par>
+    </p:tnLst>
+  </p:timing>
 </p:sld>
 </file>
 
-<file path=ppt/slides/slide21.xml><?xml version="1.0" encoding="utf-8"?>
+<file path=ppt/slides/slide22.xml><?xml version="1.0" encoding="utf-8"?>
 <p:sld xmlns:a="http://schemas.openxmlformats.org/drawingml/2006/main" xmlns:r="http://schemas.openxmlformats.org/officeDocument/2006/relationships" xmlns:p="http://schemas.openxmlformats.org/presentationml/2006/main">
   <p:cSld>
     <p:spTree>
@@ -5665,10 +5968,17 @@
   <p:clrMapOvr>
     <a:masterClrMapping/>
   </p:clrMapOvr>
+  <p:timing>
+    <p:tnLst>
+      <p:par>
+        <p:cTn id="1" dur="indefinite" restart="never" nodeType="tmRoot"/>
+      </p:par>
+    </p:tnLst>
+  </p:timing>
 </p:sld>
 </file>
 
-<file path=ppt/slides/slide22.xml><?xml version="1.0" encoding="utf-8"?>
+<file path=ppt/slides/slide23.xml><?xml version="1.0" encoding="utf-8"?>
 <p:sld xmlns:a="http://schemas.openxmlformats.org/drawingml/2006/main" xmlns:r="http://schemas.openxmlformats.org/officeDocument/2006/relationships" xmlns:p="http://schemas.openxmlformats.org/presentationml/2006/main">
   <p:cSld>
     <p:spTree>
@@ -5702,8 +6012,21 @@
           <a:p>
             <a:r>
               <a:rPr lang="pt-BR" dirty="0"/>
-              <a:t>Passo 1: Teste falha (vermelho)</a:t>
-            </a:r>
+              <a:t>Passo 1: Teste falha </a:t>
+            </a:r>
+            <a:r>
+              <a:rPr lang="pt-BR" dirty="0" smtClean="0"/>
+              <a:t>– Vermelho</a:t>
+            </a:r>
+            <a:r>
+              <a:rPr lang="pt-BR" dirty="0"/>
+              <a:t> </a:t>
+            </a:r>
+            <a:r>
+              <a:rPr lang="pt-BR" dirty="0" smtClean="0"/>
+              <a:t>(I)</a:t>
+            </a:r>
+            <a:endParaRPr lang="pt-BR" dirty="0"/>
           </a:p>
         </p:txBody>
       </p:sp>
@@ -5749,10 +6072,17 @@
   <p:clrMapOvr>
     <a:masterClrMapping/>
   </p:clrMapOvr>
+  <p:timing>
+    <p:tnLst>
+      <p:par>
+        <p:cTn id="1" dur="indefinite" restart="never" nodeType="tmRoot"/>
+      </p:par>
+    </p:tnLst>
+  </p:timing>
 </p:sld>
 </file>
 
-<file path=ppt/slides/slide23.xml><?xml version="1.0" encoding="utf-8"?>
+<file path=ppt/slides/slide24.xml><?xml version="1.0" encoding="utf-8"?>
 <p:sld xmlns:a="http://schemas.openxmlformats.org/drawingml/2006/main" xmlns:r="http://schemas.openxmlformats.org/officeDocument/2006/relationships" xmlns:p="http://schemas.openxmlformats.org/presentationml/2006/main">
   <p:cSld>
     <p:spTree>
@@ -5784,7 +6114,15 @@
           <a:bodyPr/>
           <a:lstStyle/>
           <a:p>
-            <a:endParaRPr lang="pt-BR"/>
+            <a:r>
+              <a:rPr lang="pt-BR" dirty="0"/>
+              <a:t>Passo 1: Teste falha – Vermelho (</a:t>
+            </a:r>
+            <a:r>
+              <a:rPr lang="pt-BR" dirty="0" smtClean="0"/>
+              <a:t>II)</a:t>
+            </a:r>
+            <a:endParaRPr lang="pt-BR" dirty="0"/>
           </a:p>
         </p:txBody>
       </p:sp>
@@ -5830,10 +6168,17 @@
   <p:clrMapOvr>
     <a:masterClrMapping/>
   </p:clrMapOvr>
+  <p:timing>
+    <p:tnLst>
+      <p:par>
+        <p:cTn id="1" dur="indefinite" restart="never" nodeType="tmRoot"/>
+      </p:par>
+    </p:tnLst>
+  </p:timing>
 </p:sld>
 </file>
 
-<file path=ppt/slides/slide24.xml><?xml version="1.0" encoding="utf-8"?>
+<file path=ppt/slides/slide25.xml><?xml version="1.0" encoding="utf-8"?>
 <p:sld xmlns:a="http://schemas.openxmlformats.org/drawingml/2006/main" xmlns:r="http://schemas.openxmlformats.org/officeDocument/2006/relationships" xmlns:p="http://schemas.openxmlformats.org/presentationml/2006/main">
   <p:cSld>
     <p:spTree>
@@ -5865,7 +6210,15 @@
           <a:bodyPr/>
           <a:lstStyle/>
           <a:p>
-            <a:endParaRPr lang="pt-BR"/>
+            <a:r>
+              <a:rPr lang="pt-BR" dirty="0"/>
+              <a:t>Passo 1: Teste falha – Vermelho (</a:t>
+            </a:r>
+            <a:r>
+              <a:rPr lang="pt-BR" dirty="0" smtClean="0"/>
+              <a:t>III)</a:t>
+            </a:r>
+            <a:endParaRPr lang="pt-BR" dirty="0"/>
           </a:p>
         </p:txBody>
       </p:sp>
@@ -5911,10 +6264,17 @@
   <p:clrMapOvr>
     <a:masterClrMapping/>
   </p:clrMapOvr>
+  <p:timing>
+    <p:tnLst>
+      <p:par>
+        <p:cTn id="1" dur="indefinite" restart="never" nodeType="tmRoot"/>
+      </p:par>
+    </p:tnLst>
+  </p:timing>
 </p:sld>
 </file>
 
-<file path=ppt/slides/slide25.xml><?xml version="1.0" encoding="utf-8"?>
+<file path=ppt/slides/slide26.xml><?xml version="1.0" encoding="utf-8"?>
 <p:sld xmlns:a="http://schemas.openxmlformats.org/drawingml/2006/main" xmlns:r="http://schemas.openxmlformats.org/officeDocument/2006/relationships" xmlns:p="http://schemas.openxmlformats.org/presentationml/2006/main">
   <p:cSld>
     <p:spTree>
@@ -5946,7 +6306,15 @@
           <a:bodyPr/>
           <a:lstStyle/>
           <a:p>
-            <a:endParaRPr lang="pt-BR"/>
+            <a:r>
+              <a:rPr lang="pt-BR" dirty="0"/>
+              <a:t>Passo 1: Teste falha – Vermelho (</a:t>
+            </a:r>
+            <a:r>
+              <a:rPr lang="pt-BR" dirty="0" smtClean="0"/>
+              <a:t>IV)</a:t>
+            </a:r>
+            <a:endParaRPr lang="pt-BR" dirty="0"/>
           </a:p>
         </p:txBody>
       </p:sp>
@@ -5992,10 +6360,17 @@
   <p:clrMapOvr>
     <a:masterClrMapping/>
   </p:clrMapOvr>
+  <p:timing>
+    <p:tnLst>
+      <p:par>
+        <p:cTn id="1" dur="indefinite" restart="never" nodeType="tmRoot"/>
+      </p:par>
+    </p:tnLst>
+  </p:timing>
 </p:sld>
 </file>
 
-<file path=ppt/slides/slide26.xml><?xml version="1.0" encoding="utf-8"?>
+<file path=ppt/slides/slide27.xml><?xml version="1.0" encoding="utf-8"?>
 <p:sld xmlns:a="http://schemas.openxmlformats.org/drawingml/2006/main" xmlns:r="http://schemas.openxmlformats.org/officeDocument/2006/relationships" xmlns:p="http://schemas.openxmlformats.org/presentationml/2006/main">
   <p:cSld>
     <p:spTree>
@@ -6027,7 +6402,15 @@
           <a:bodyPr/>
           <a:lstStyle/>
           <a:p>
-            <a:endParaRPr lang="pt-BR"/>
+            <a:r>
+              <a:rPr lang="pt-BR" dirty="0"/>
+              <a:t>Passo 1: Teste falha – Vermelho </a:t>
+            </a:r>
+            <a:r>
+              <a:rPr lang="pt-BR" dirty="0" smtClean="0"/>
+              <a:t>(V)</a:t>
+            </a:r>
+            <a:endParaRPr lang="pt-BR" dirty="0"/>
           </a:p>
         </p:txBody>
       </p:sp>
@@ -6073,10 +6456,17 @@
   <p:clrMapOvr>
     <a:masterClrMapping/>
   </p:clrMapOvr>
+  <p:timing>
+    <p:tnLst>
+      <p:par>
+        <p:cTn id="1" dur="indefinite" restart="never" nodeType="tmRoot"/>
+      </p:par>
+    </p:tnLst>
+  </p:timing>
 </p:sld>
 </file>
 
-<file path=ppt/slides/slide27.xml><?xml version="1.0" encoding="utf-8"?>
+<file path=ppt/slides/slide28.xml><?xml version="1.0" encoding="utf-8"?>
 <p:sld xmlns:a="http://schemas.openxmlformats.org/drawingml/2006/main" xmlns:r="http://schemas.openxmlformats.org/officeDocument/2006/relationships" xmlns:p="http://schemas.openxmlformats.org/presentationml/2006/main">
   <p:cSld>
     <p:spTree>
@@ -6110,8 +6500,21 @@
           <a:p>
             <a:r>
               <a:rPr lang="pt-BR" dirty="0"/>
-              <a:t>Passo 2: teste passa (verde)</a:t>
-            </a:r>
+              <a:t>Passo 2: </a:t>
+            </a:r>
+            <a:r>
+              <a:rPr lang="pt-BR" dirty="0" smtClean="0"/>
+              <a:t>Teste </a:t>
+            </a:r>
+            <a:r>
+              <a:rPr lang="pt-BR" dirty="0"/>
+              <a:t>passa </a:t>
+            </a:r>
+            <a:r>
+              <a:rPr lang="pt-BR" dirty="0" smtClean="0"/>
+              <a:t>– Verde (I)</a:t>
+            </a:r>
+            <a:endParaRPr lang="pt-BR" dirty="0"/>
           </a:p>
         </p:txBody>
       </p:sp>
@@ -6157,10 +6560,17 @@
   <p:clrMapOvr>
     <a:masterClrMapping/>
   </p:clrMapOvr>
+  <p:timing>
+    <p:tnLst>
+      <p:par>
+        <p:cTn id="1" dur="indefinite" restart="never" nodeType="tmRoot"/>
+      </p:par>
+    </p:tnLst>
+  </p:timing>
 </p:sld>
 </file>
 
-<file path=ppt/slides/slide28.xml><?xml version="1.0" encoding="utf-8"?>
+<file path=ppt/slides/slide29.xml><?xml version="1.0" encoding="utf-8"?>
 <p:sld xmlns:a="http://schemas.openxmlformats.org/drawingml/2006/main" xmlns:r="http://schemas.openxmlformats.org/officeDocument/2006/relationships" xmlns:p="http://schemas.openxmlformats.org/presentationml/2006/main">
   <p:cSld>
     <p:spTree>
@@ -6192,7 +6602,23 @@
           <a:bodyPr/>
           <a:lstStyle/>
           <a:p>
-            <a:endParaRPr lang="pt-BR"/>
+            <a:r>
+              <a:rPr lang="pt-BR" dirty="0"/>
+              <a:t>Passo 2: </a:t>
+            </a:r>
+            <a:r>
+              <a:rPr lang="pt-BR" dirty="0" smtClean="0"/>
+              <a:t>Teste </a:t>
+            </a:r>
+            <a:r>
+              <a:rPr lang="pt-BR" dirty="0"/>
+              <a:t>passa – Verde (</a:t>
+            </a:r>
+            <a:r>
+              <a:rPr lang="pt-BR" dirty="0" smtClean="0"/>
+              <a:t>II)</a:t>
+            </a:r>
+            <a:endParaRPr lang="pt-BR" dirty="0"/>
           </a:p>
         </p:txBody>
       </p:sp>
@@ -6238,10 +6664,17 @@
   <p:clrMapOvr>
     <a:masterClrMapping/>
   </p:clrMapOvr>
+  <p:timing>
+    <p:tnLst>
+      <p:par>
+        <p:cTn id="1" dur="indefinite" restart="never" nodeType="tmRoot"/>
+      </p:par>
+    </p:tnLst>
+  </p:timing>
 </p:sld>
 </file>
 
-<file path=ppt/slides/slide29.xml><?xml version="1.0" encoding="utf-8"?>
+<file path=ppt/slides/slide3.xml><?xml version="1.0" encoding="utf-8"?>
 <p:sld xmlns:a="http://schemas.openxmlformats.org/drawingml/2006/main" xmlns:r="http://schemas.openxmlformats.org/officeDocument/2006/relationships" xmlns:p="http://schemas.openxmlformats.org/presentationml/2006/main">
   <p:cSld>
     <p:spTree>
@@ -6273,7 +6706,234 @@
           <a:bodyPr/>
           <a:lstStyle/>
           <a:p>
-            <a:endParaRPr lang="pt-BR"/>
+            <a:r>
+              <a:rPr lang="pt-BR" dirty="0"/>
+              <a:t>Objetivos</a:t>
+            </a:r>
+          </a:p>
+        </p:txBody>
+      </p:sp>
+      <p:sp>
+        <p:nvSpPr>
+          <p:cNvPr id="3" name="Espaço Reservado para Conteúdo 2"/>
+          <p:cNvSpPr>
+            <a:spLocks noGrp="1"/>
+          </p:cNvSpPr>
+          <p:nvPr>
+            <p:ph idx="1"/>
+          </p:nvPr>
+        </p:nvSpPr>
+        <p:spPr/>
+        <p:txBody>
+          <a:bodyPr>
+            <a:noAutofit/>
+          </a:bodyPr>
+          <a:lstStyle/>
+          <a:p>
+            <a:r>
+              <a:rPr lang="pt-BR" sz="2400" dirty="0"/>
+              <a:t>D</a:t>
+            </a:r>
+            <a:r>
+              <a:rPr lang="pt-BR" sz="2400" dirty="0" smtClean="0"/>
+              <a:t>esenvolver  uma </a:t>
+            </a:r>
+            <a:r>
+              <a:rPr lang="pt-BR" sz="2400" dirty="0" smtClean="0"/>
+              <a:t>Aplicação </a:t>
+            </a:r>
+            <a:r>
+              <a:rPr lang="pt-BR" sz="2400" dirty="0"/>
+              <a:t>Web </a:t>
+            </a:r>
+            <a:r>
+              <a:rPr lang="pt-BR" sz="2400" dirty="0" smtClean="0"/>
+              <a:t>utilizando Test-</a:t>
+            </a:r>
+            <a:r>
+              <a:rPr lang="pt-BR" sz="2400" dirty="0" err="1" smtClean="0"/>
+              <a:t>Driven</a:t>
+            </a:r>
+            <a:r>
+              <a:rPr lang="pt-BR" sz="2400" dirty="0" smtClean="0"/>
+              <a:t> </a:t>
+            </a:r>
+            <a:r>
+              <a:rPr lang="pt-BR" sz="2400" dirty="0" err="1"/>
+              <a:t>Development</a:t>
+            </a:r>
+            <a:r>
+              <a:rPr lang="pt-BR" sz="2400" dirty="0"/>
+              <a:t> (</a:t>
+            </a:r>
+            <a:r>
+              <a:rPr lang="pt-BR" sz="2400" dirty="0" smtClean="0"/>
+              <a:t>TDD</a:t>
+            </a:r>
+            <a:r>
+              <a:rPr lang="pt-BR" sz="2400" dirty="0" smtClean="0"/>
+              <a:t>) como </a:t>
+            </a:r>
+            <a:r>
+              <a:rPr lang="pt-BR" sz="2400" dirty="0" smtClean="0"/>
+              <a:t>alternativa </a:t>
+            </a:r>
+            <a:r>
+              <a:rPr lang="pt-BR" sz="2400" dirty="0"/>
+              <a:t>de garantia de qualidade </a:t>
+            </a:r>
+            <a:endParaRPr lang="pt-BR" sz="2400" dirty="0" smtClean="0"/>
+          </a:p>
+          <a:p>
+            <a:r>
+              <a:rPr lang="pt-BR" sz="2400" dirty="0" smtClean="0"/>
+              <a:t>A </a:t>
+            </a:r>
+            <a:r>
+              <a:rPr lang="pt-BR" sz="2400" dirty="0"/>
+              <a:t>aplicação deve ser capaz de interpretar texto sinalizado com caracteres especiais </a:t>
+            </a:r>
+            <a:endParaRPr lang="pt-BR" sz="2400" dirty="0" smtClean="0"/>
+          </a:p>
+          <a:p>
+            <a:r>
+              <a:rPr lang="pt-BR" sz="2400" dirty="0" smtClean="0"/>
+              <a:t>Estudar </a:t>
+            </a:r>
+            <a:r>
+              <a:rPr lang="pt-BR" sz="2400" dirty="0"/>
+              <a:t>as métricas de qualidade na produção da </a:t>
+            </a:r>
+            <a:r>
+              <a:rPr lang="pt-BR" sz="2400" dirty="0" smtClean="0"/>
+              <a:t>aplicação</a:t>
+            </a:r>
+            <a:endParaRPr lang="pt-BR" sz="2400" dirty="0"/>
+          </a:p>
+          <a:p>
+            <a:pPr lvl="1"/>
+            <a:r>
+              <a:rPr lang="pt-BR" sz="2400" dirty="0" smtClean="0"/>
+              <a:t>legibilidade </a:t>
+            </a:r>
+            <a:r>
+              <a:rPr lang="pt-BR" sz="2400" dirty="0"/>
+              <a:t>do código </a:t>
+            </a:r>
+            <a:r>
+              <a:rPr lang="pt-BR" sz="2400" dirty="0" smtClean="0"/>
+              <a:t>produzido</a:t>
+            </a:r>
+          </a:p>
+          <a:p>
+            <a:pPr lvl="1"/>
+            <a:r>
+              <a:rPr lang="pt-BR" sz="2400" dirty="0" smtClean="0"/>
+              <a:t>analisar </a:t>
+            </a:r>
+            <a:r>
+              <a:rPr lang="pt-BR" sz="2400" dirty="0"/>
+              <a:t>a escalabilidade </a:t>
+            </a:r>
+            <a:endParaRPr lang="pt-BR" sz="2400" dirty="0" smtClean="0"/>
+          </a:p>
+          <a:p>
+            <a:pPr lvl="1"/>
+            <a:r>
+              <a:rPr lang="pt-BR" sz="2400" dirty="0" smtClean="0"/>
+              <a:t>tolerância </a:t>
+            </a:r>
+            <a:r>
+              <a:rPr lang="pt-BR" sz="2400" dirty="0"/>
+              <a:t>à mudança de requisitos do </a:t>
+            </a:r>
+            <a:r>
+              <a:rPr lang="pt-BR" sz="2400" dirty="0" smtClean="0"/>
+              <a:t>sistema</a:t>
+            </a:r>
+          </a:p>
+          <a:p>
+            <a:pPr lvl="1"/>
+            <a:r>
+              <a:rPr lang="pt-BR" sz="2400" dirty="0" smtClean="0"/>
+              <a:t>TDD </a:t>
+            </a:r>
+            <a:r>
+              <a:rPr lang="pt-BR" sz="2400" dirty="0"/>
+              <a:t>no design do projeto.</a:t>
+            </a:r>
+          </a:p>
+        </p:txBody>
+      </p:sp>
+    </p:spTree>
+    <p:extLst>
+      <p:ext uri="{BB962C8B-B14F-4D97-AF65-F5344CB8AC3E}">
+        <p14:creationId xmlns:p14="http://schemas.microsoft.com/office/powerpoint/2010/main" val="2743963228"/>
+      </p:ext>
+    </p:extLst>
+  </p:cSld>
+  <p:clrMapOvr>
+    <a:masterClrMapping/>
+  </p:clrMapOvr>
+  <p:timing>
+    <p:tnLst>
+      <p:par>
+        <p:cTn id="1" dur="indefinite" restart="never" nodeType="tmRoot"/>
+      </p:par>
+    </p:tnLst>
+  </p:timing>
+</p:sld>
+</file>
+
+<file path=ppt/slides/slide30.xml><?xml version="1.0" encoding="utf-8"?>
+<p:sld xmlns:a="http://schemas.openxmlformats.org/drawingml/2006/main" xmlns:r="http://schemas.openxmlformats.org/officeDocument/2006/relationships" xmlns:p="http://schemas.openxmlformats.org/presentationml/2006/main">
+  <p:cSld>
+    <p:spTree>
+      <p:nvGrpSpPr>
+        <p:cNvPr id="1" name=""/>
+        <p:cNvGrpSpPr/>
+        <p:nvPr/>
+      </p:nvGrpSpPr>
+      <p:grpSpPr>
+        <a:xfrm>
+          <a:off x="0" y="0"/>
+          <a:ext cx="0" cy="0"/>
+          <a:chOff x="0" y="0"/>
+          <a:chExt cx="0" cy="0"/>
+        </a:xfrm>
+      </p:grpSpPr>
+      <p:sp>
+        <p:nvSpPr>
+          <p:cNvPr id="2" name="Título 1"/>
+          <p:cNvSpPr>
+            <a:spLocks noGrp="1"/>
+          </p:cNvSpPr>
+          <p:nvPr>
+            <p:ph type="title"/>
+          </p:nvPr>
+        </p:nvSpPr>
+        <p:spPr/>
+        <p:txBody>
+          <a:bodyPr/>
+          <a:lstStyle/>
+          <a:p>
+            <a:r>
+              <a:rPr lang="pt-BR" dirty="0"/>
+              <a:t>Passo 2: </a:t>
+            </a:r>
+            <a:r>
+              <a:rPr lang="pt-BR" dirty="0" smtClean="0"/>
+              <a:t>Teste </a:t>
+            </a:r>
+            <a:r>
+              <a:rPr lang="pt-BR" dirty="0"/>
+              <a:t>passa – Verde (</a:t>
+            </a:r>
+            <a:r>
+              <a:rPr lang="pt-BR" dirty="0" smtClean="0"/>
+              <a:t>III)</a:t>
+            </a:r>
+            <a:endParaRPr lang="pt-BR" dirty="0"/>
           </a:p>
         </p:txBody>
       </p:sp>
@@ -6319,10 +6979,17 @@
   <p:clrMapOvr>
     <a:masterClrMapping/>
   </p:clrMapOvr>
+  <p:timing>
+    <p:tnLst>
+      <p:par>
+        <p:cTn id="1" dur="indefinite" restart="never" nodeType="tmRoot"/>
+      </p:par>
+    </p:tnLst>
+  </p:timing>
 </p:sld>
 </file>
 
-<file path=ppt/slides/slide3.xml><?xml version="1.0" encoding="utf-8"?>
+<file path=ppt/slides/slide31.xml><?xml version="1.0" encoding="utf-8"?>
 <p:sld xmlns:a="http://schemas.openxmlformats.org/drawingml/2006/main" xmlns:r="http://schemas.openxmlformats.org/officeDocument/2006/relationships" xmlns:p="http://schemas.openxmlformats.org/presentationml/2006/main">
   <p:cSld>
     <p:spTree>
@@ -6356,193 +7023,13 @@
           <a:p>
             <a:r>
               <a:rPr lang="pt-BR" dirty="0"/>
-              <a:t>Objetivos</a:t>
-            </a:r>
-          </a:p>
-        </p:txBody>
-      </p:sp>
-      <p:sp>
-        <p:nvSpPr>
-          <p:cNvPr id="3" name="Espaço Reservado para Conteúdo 2"/>
-          <p:cNvSpPr>
-            <a:spLocks noGrp="1"/>
-          </p:cNvSpPr>
-          <p:nvPr>
-            <p:ph idx="1"/>
-          </p:nvPr>
-        </p:nvSpPr>
-        <p:spPr/>
-        <p:txBody>
-          <a:bodyPr>
-            <a:noAutofit/>
-          </a:bodyPr>
-          <a:lstStyle/>
-          <a:p>
+              <a:t>Passo 2: Teste passa – Verde (</a:t>
+            </a:r>
             <a:r>
               <a:rPr lang="pt-BR" dirty="0" smtClean="0"/>
-              <a:t>Aplicação </a:t>
-            </a:r>
-            <a:r>
-              <a:rPr lang="pt-BR" dirty="0"/>
-              <a:t>Web aplicando Test-</a:t>
-            </a:r>
-            <a:r>
-              <a:rPr lang="pt-BR" dirty="0" err="1"/>
-              <a:t>Driven</a:t>
-            </a:r>
-            <a:r>
-              <a:rPr lang="pt-BR" dirty="0"/>
-              <a:t> </a:t>
-            </a:r>
-            <a:r>
-              <a:rPr lang="pt-BR" dirty="0" err="1"/>
-              <a:t>Development</a:t>
-            </a:r>
-            <a:r>
-              <a:rPr lang="pt-BR" dirty="0"/>
-              <a:t> (</a:t>
-            </a:r>
-            <a:r>
-              <a:rPr lang="pt-BR" dirty="0" smtClean="0"/>
-              <a:t>TDD)como alternativa </a:t>
-            </a:r>
-            <a:r>
-              <a:rPr lang="pt-BR" dirty="0"/>
-              <a:t>de garantia de qualidade </a:t>
-            </a:r>
-            <a:endParaRPr lang="pt-BR" dirty="0" smtClean="0"/>
-          </a:p>
-          <a:p>
-            <a:r>
-              <a:rPr lang="pt-BR" dirty="0" smtClean="0"/>
-              <a:t>A </a:t>
-            </a:r>
-            <a:r>
-              <a:rPr lang="pt-BR" dirty="0"/>
-              <a:t>aplicação deve ser capaz de interpretar texto sinalizado com caracteres especiais </a:t>
-            </a:r>
-            <a:endParaRPr lang="pt-BR" dirty="0" smtClean="0"/>
-          </a:p>
-          <a:p>
-            <a:r>
-              <a:rPr lang="pt-BR" dirty="0" smtClean="0"/>
-              <a:t>E</a:t>
-            </a:r>
-            <a:r>
-              <a:rPr lang="pt-BR" dirty="0" smtClean="0"/>
-              <a:t>studar </a:t>
-            </a:r>
-            <a:r>
-              <a:rPr lang="pt-BR" dirty="0"/>
-              <a:t>as métricas de qualidade na produção da </a:t>
-            </a:r>
-            <a:r>
-              <a:rPr lang="pt-BR" dirty="0" smtClean="0"/>
-              <a:t>aplicação</a:t>
+              <a:t>IV)</a:t>
             </a:r>
             <a:endParaRPr lang="pt-BR" dirty="0"/>
-          </a:p>
-          <a:p>
-            <a:pPr lvl="1"/>
-            <a:r>
-              <a:rPr lang="pt-BR" sz="2000" dirty="0" smtClean="0"/>
-              <a:t>legibilidade </a:t>
-            </a:r>
-            <a:r>
-              <a:rPr lang="pt-BR" sz="2000" dirty="0"/>
-              <a:t>do código </a:t>
-            </a:r>
-            <a:r>
-              <a:rPr lang="pt-BR" sz="2000" dirty="0" smtClean="0"/>
-              <a:t>produzido</a:t>
-            </a:r>
-          </a:p>
-          <a:p>
-            <a:pPr lvl="1"/>
-            <a:r>
-              <a:rPr lang="pt-BR" sz="2000" dirty="0" smtClean="0"/>
-              <a:t>analisar </a:t>
-            </a:r>
-            <a:r>
-              <a:rPr lang="pt-BR" sz="2000" dirty="0"/>
-              <a:t>a escalabilidade </a:t>
-            </a:r>
-            <a:endParaRPr lang="pt-BR" sz="2000" dirty="0" smtClean="0"/>
-          </a:p>
-          <a:p>
-            <a:pPr lvl="1"/>
-            <a:r>
-              <a:rPr lang="pt-BR" sz="2000" dirty="0" smtClean="0"/>
-              <a:t>tolerância </a:t>
-            </a:r>
-            <a:r>
-              <a:rPr lang="pt-BR" sz="2000" dirty="0"/>
-              <a:t>à mudança de requisitos do </a:t>
-            </a:r>
-            <a:r>
-              <a:rPr lang="pt-BR" sz="2000" dirty="0" smtClean="0"/>
-              <a:t>sistema</a:t>
-            </a:r>
-          </a:p>
-          <a:p>
-            <a:pPr lvl="1"/>
-            <a:r>
-              <a:rPr lang="pt-BR" sz="2000" dirty="0" smtClean="0"/>
-              <a:t>TDD </a:t>
-            </a:r>
-            <a:r>
-              <a:rPr lang="pt-BR" sz="2000" dirty="0"/>
-              <a:t>no design do projeto.</a:t>
-            </a:r>
-          </a:p>
-        </p:txBody>
-      </p:sp>
-    </p:spTree>
-    <p:extLst>
-      <p:ext uri="{BB962C8B-B14F-4D97-AF65-F5344CB8AC3E}">
-        <p14:creationId xmlns:p14="http://schemas.microsoft.com/office/powerpoint/2010/main" val="2743963228"/>
-      </p:ext>
-    </p:extLst>
-  </p:cSld>
-  <p:clrMapOvr>
-    <a:masterClrMapping/>
-  </p:clrMapOvr>
-</p:sld>
-</file>
-
-<file path=ppt/slides/slide30.xml><?xml version="1.0" encoding="utf-8"?>
-<p:sld xmlns:a="http://schemas.openxmlformats.org/drawingml/2006/main" xmlns:r="http://schemas.openxmlformats.org/officeDocument/2006/relationships" xmlns:p="http://schemas.openxmlformats.org/presentationml/2006/main">
-  <p:cSld>
-    <p:spTree>
-      <p:nvGrpSpPr>
-        <p:cNvPr id="1" name=""/>
-        <p:cNvGrpSpPr/>
-        <p:nvPr/>
-      </p:nvGrpSpPr>
-      <p:grpSpPr>
-        <a:xfrm>
-          <a:off x="0" y="0"/>
-          <a:ext cx="0" cy="0"/>
-          <a:chOff x="0" y="0"/>
-          <a:chExt cx="0" cy="0"/>
-        </a:xfrm>
-      </p:grpSpPr>
-      <p:sp>
-        <p:nvSpPr>
-          <p:cNvPr id="2" name="Título 1"/>
-          <p:cNvSpPr>
-            <a:spLocks noGrp="1"/>
-          </p:cNvSpPr>
-          <p:nvPr>
-            <p:ph type="title"/>
-          </p:nvPr>
-        </p:nvSpPr>
-        <p:spPr/>
-        <p:txBody>
-          <a:bodyPr/>
-          <a:lstStyle/>
-          <a:p>
-            <a:endParaRPr lang="pt-BR"/>
           </a:p>
         </p:txBody>
       </p:sp>
@@ -6588,10 +7075,17 @@
   <p:clrMapOvr>
     <a:masterClrMapping/>
   </p:clrMapOvr>
+  <p:timing>
+    <p:tnLst>
+      <p:par>
+        <p:cTn id="1" dur="indefinite" restart="never" nodeType="tmRoot"/>
+      </p:par>
+    </p:tnLst>
+  </p:timing>
 </p:sld>
 </file>
 
-<file path=ppt/slides/slide31.xml><?xml version="1.0" encoding="utf-8"?>
+<file path=ppt/slides/slide32.xml><?xml version="1.0" encoding="utf-8"?>
 <p:sld xmlns:a="http://schemas.openxmlformats.org/drawingml/2006/main" xmlns:r="http://schemas.openxmlformats.org/officeDocument/2006/relationships" xmlns:p="http://schemas.openxmlformats.org/presentationml/2006/main">
   <p:cSld>
     <p:spTree>
@@ -6623,6 +7117,14 @@
           <a:bodyPr/>
           <a:lstStyle/>
           <a:p>
+            <a:r>
+              <a:rPr lang="pt-BR" dirty="0"/>
+              <a:t>Passo 2: Teste passa – Verde </a:t>
+            </a:r>
+            <a:r>
+              <a:rPr lang="pt-BR" dirty="0" smtClean="0"/>
+              <a:t>(V)</a:t>
+            </a:r>
             <a:endParaRPr lang="pt-BR" dirty="0"/>
           </a:p>
         </p:txBody>
@@ -6669,10 +7171,17 @@
   <p:clrMapOvr>
     <a:masterClrMapping/>
   </p:clrMapOvr>
+  <p:timing>
+    <p:tnLst>
+      <p:par>
+        <p:cTn id="1" dur="indefinite" restart="never" nodeType="tmRoot"/>
+      </p:par>
+    </p:tnLst>
+  </p:timing>
 </p:sld>
 </file>
 
-<file path=ppt/slides/slide32.xml><?xml version="1.0" encoding="utf-8"?>
+<file path=ppt/slides/slide33.xml><?xml version="1.0" encoding="utf-8"?>
 <p:sld xmlns:a="http://schemas.openxmlformats.org/drawingml/2006/main" xmlns:r="http://schemas.openxmlformats.org/officeDocument/2006/relationships" xmlns:p="http://schemas.openxmlformats.org/presentationml/2006/main">
   <p:cSld>
     <p:spTree>
@@ -6705,8 +7214,12 @@
           <a:lstStyle/>
           <a:p>
             <a:r>
+              <a:rPr lang="pt-BR" dirty="0"/>
+              <a:t>Passo 3</a:t>
+            </a:r>
+            <a:r>
               <a:rPr lang="pt-BR" dirty="0" smtClean="0"/>
-              <a:t>Refatoração</a:t>
+              <a:t>: Refatoração (I)</a:t>
             </a:r>
             <a:endParaRPr lang="pt-BR" dirty="0"/>
           </a:p>
@@ -6754,10 +7267,17 @@
   <p:clrMapOvr>
     <a:masterClrMapping/>
   </p:clrMapOvr>
+  <p:timing>
+    <p:tnLst>
+      <p:par>
+        <p:cTn id="1" dur="indefinite" restart="never" nodeType="tmRoot"/>
+      </p:par>
+    </p:tnLst>
+  </p:timing>
 </p:sld>
 </file>
 
-<file path=ppt/slides/slide33.xml><?xml version="1.0" encoding="utf-8"?>
+<file path=ppt/slides/slide34.xml><?xml version="1.0" encoding="utf-8"?>
 <p:sld xmlns:a="http://schemas.openxmlformats.org/drawingml/2006/main" xmlns:r="http://schemas.openxmlformats.org/officeDocument/2006/relationships" xmlns:p="http://schemas.openxmlformats.org/presentationml/2006/main">
   <p:cSld>
     <p:spTree>
@@ -6789,7 +7309,15 @@
           <a:bodyPr/>
           <a:lstStyle/>
           <a:p>
-            <a:endParaRPr lang="pt-BR"/>
+            <a:r>
+              <a:rPr lang="pt-BR" dirty="0"/>
+              <a:t>Passo 3: Refatoração (</a:t>
+            </a:r>
+            <a:r>
+              <a:rPr lang="pt-BR" dirty="0" smtClean="0"/>
+              <a:t>II)</a:t>
+            </a:r>
+            <a:endParaRPr lang="pt-BR" dirty="0"/>
           </a:p>
         </p:txBody>
       </p:sp>
@@ -6835,10 +7363,17 @@
   <p:clrMapOvr>
     <a:masterClrMapping/>
   </p:clrMapOvr>
+  <p:timing>
+    <p:tnLst>
+      <p:par>
+        <p:cTn id="1" dur="indefinite" restart="never" nodeType="tmRoot"/>
+      </p:par>
+    </p:tnLst>
+  </p:timing>
 </p:sld>
 </file>
 
-<file path=ppt/slides/slide34.xml><?xml version="1.0" encoding="utf-8"?>
+<file path=ppt/slides/slide35.xml><?xml version="1.0" encoding="utf-8"?>
 <p:sld xmlns:a="http://schemas.openxmlformats.org/drawingml/2006/main" xmlns:r="http://schemas.openxmlformats.org/officeDocument/2006/relationships" xmlns:p="http://schemas.openxmlformats.org/presentationml/2006/main">
   <p:cSld>
     <p:spTree>
@@ -6870,7 +7405,11 @@
           <a:bodyPr/>
           <a:lstStyle/>
           <a:p>
-            <a:endParaRPr lang="pt-BR"/>
+            <a:r>
+              <a:rPr lang="pt-BR" dirty="0" smtClean="0"/>
+              <a:t>Padrão de Falha</a:t>
+            </a:r>
+            <a:endParaRPr lang="pt-BR" dirty="0"/>
           </a:p>
         </p:txBody>
       </p:sp>
@@ -6916,74 +7455,13 @@
   <p:clrMapOvr>
     <a:masterClrMapping/>
   </p:clrMapOvr>
-</p:sld>
-</file>
-
-<file path=ppt/slides/slide35.xml><?xml version="1.0" encoding="utf-8"?>
-<p:sld xmlns:a="http://schemas.openxmlformats.org/drawingml/2006/main" xmlns:r="http://schemas.openxmlformats.org/officeDocument/2006/relationships" xmlns:p="http://schemas.openxmlformats.org/presentationml/2006/main">
-  <p:cSld>
-    <p:spTree>
-      <p:nvGrpSpPr>
-        <p:cNvPr id="1" name=""/>
-        <p:cNvGrpSpPr/>
-        <p:nvPr/>
-      </p:nvGrpSpPr>
-      <p:grpSpPr>
-        <a:xfrm>
-          <a:off x="0" y="0"/>
-          <a:ext cx="0" cy="0"/>
-          <a:chOff x="0" y="0"/>
-          <a:chExt cx="0" cy="0"/>
-        </a:xfrm>
-      </p:grpSpPr>
-      <p:sp>
-        <p:nvSpPr>
-          <p:cNvPr id="2" name="Título 1"/>
-          <p:cNvSpPr>
-            <a:spLocks noGrp="1"/>
-          </p:cNvSpPr>
-          <p:nvPr>
-            <p:ph type="title"/>
-          </p:nvPr>
-        </p:nvSpPr>
-        <p:spPr/>
-        <p:txBody>
-          <a:bodyPr/>
-          <a:lstStyle/>
-          <a:p>
-            <a:endParaRPr lang="pt-BR"/>
-          </a:p>
-        </p:txBody>
-      </p:sp>
-      <p:sp>
-        <p:nvSpPr>
-          <p:cNvPr id="3" name="Espaço Reservado para Conteúdo 2"/>
-          <p:cNvSpPr>
-            <a:spLocks noGrp="1"/>
-          </p:cNvSpPr>
-          <p:nvPr>
-            <p:ph idx="1"/>
-          </p:nvPr>
-        </p:nvSpPr>
-        <p:spPr/>
-        <p:txBody>
-          <a:bodyPr/>
-          <a:lstStyle/>
-          <a:p>
-            <a:endParaRPr lang="pt-BR"/>
-          </a:p>
-        </p:txBody>
-      </p:sp>
-    </p:spTree>
-    <p:extLst>
-      <p:ext uri="{BB962C8B-B14F-4D97-AF65-F5344CB8AC3E}">
-        <p14:creationId xmlns:p14="http://schemas.microsoft.com/office/powerpoint/2010/main" val="588381213"/>
-      </p:ext>
-    </p:extLst>
-  </p:cSld>
-  <p:clrMapOvr>
-    <a:masterClrMapping/>
-  </p:clrMapOvr>
+  <p:timing>
+    <p:tnLst>
+      <p:par>
+        <p:cTn id="1" dur="indefinite" restart="never" nodeType="tmRoot"/>
+      </p:par>
+    </p:tnLst>
+  </p:timing>
 </p:sld>
 </file>
 
@@ -7004,28 +7482,6 @@
           <a:chExt cx="0" cy="0"/>
         </a:xfrm>
       </p:grpSpPr>
-      <p:sp>
-        <p:nvSpPr>
-          <p:cNvPr id="2" name="Título 1"/>
-          <p:cNvSpPr>
-            <a:spLocks noGrp="1"/>
-          </p:cNvSpPr>
-          <p:nvPr>
-            <p:ph type="title"/>
-          </p:nvPr>
-        </p:nvSpPr>
-        <p:spPr/>
-        <p:txBody>
-          <a:bodyPr/>
-          <a:lstStyle/>
-          <a:p>
-            <a:r>
-              <a:rPr lang="pt-BR" dirty="0"/>
-              <a:t>Diagrama de classes</a:t>
-            </a:r>
-          </a:p>
-        </p:txBody>
-      </p:sp>
       <p:pic>
         <p:nvPicPr>
           <p:cNvPr id="8" name="Espaço Reservado para Conteúdo 7"/>
@@ -7033,7 +7489,7 @@
             <a:picLocks noGrp="1"/>
           </p:cNvPicPr>
           <p:nvPr>
-            <p:ph idx="1"/>
+            <p:ph idx="4294967295"/>
           </p:nvPr>
         </p:nvPicPr>
         <p:blipFill>
@@ -7050,8 +7506,8 @@
         </p:blipFill>
         <p:spPr>
           <a:xfrm>
-            <a:off x="3887463" y="1846263"/>
-            <a:ext cx="4477400" cy="4022725"/>
+            <a:off x="2686185" y="158750"/>
+            <a:ext cx="6573726" cy="6177656"/>
           </a:xfrm>
           <a:prstGeom prst="rect">
             <a:avLst/>
@@ -7068,6 +7524,13 @@
   <p:clrMapOvr>
     <a:masterClrMapping/>
   </p:clrMapOvr>
+  <p:timing>
+    <p:tnLst>
+      <p:par>
+        <p:cTn id="1" dur="indefinite" restart="never" nodeType="tmRoot"/>
+      </p:par>
+    </p:tnLst>
+  </p:timing>
 </p:sld>
 </file>
 
@@ -7103,7 +7566,31 @@
           <a:bodyPr/>
           <a:lstStyle/>
           <a:p>
-            <a:endParaRPr lang="pt-BR"/>
+            <a:r>
+              <a:rPr lang="pt-BR" dirty="0" smtClean="0"/>
+              <a:t>Design </a:t>
+            </a:r>
+            <a:r>
+              <a:rPr lang="pt-BR" dirty="0" err="1" smtClean="0"/>
+              <a:t>Patter</a:t>
+            </a:r>
+            <a:r>
+              <a:rPr lang="pt-BR" dirty="0" smtClean="0"/>
+              <a:t> – Chain </a:t>
+            </a:r>
+            <a:r>
+              <a:rPr lang="pt-BR" dirty="0" err="1" smtClean="0"/>
+              <a:t>of</a:t>
+            </a:r>
+            <a:r>
+              <a:rPr lang="pt-BR" dirty="0" smtClean="0"/>
+              <a:t> </a:t>
+            </a:r>
+            <a:r>
+              <a:rPr lang="pt-BR" dirty="0" err="1" smtClean="0"/>
+              <a:t>Responsibily</a:t>
+            </a:r>
+            <a:endParaRPr lang="pt-BR" dirty="0"/>
           </a:p>
         </p:txBody>
       </p:sp>
@@ -7149,6 +7636,13 @@
   <p:clrMapOvr>
     <a:masterClrMapping/>
   </p:clrMapOvr>
+  <p:timing>
+    <p:tnLst>
+      <p:par>
+        <p:cTn id="1" dur="indefinite" restart="never" nodeType="tmRoot"/>
+      </p:par>
+    </p:tnLst>
+  </p:timing>
 </p:sld>
 </file>
 
@@ -7238,6 +7732,13 @@
   <p:clrMapOvr>
     <a:masterClrMapping/>
   </p:clrMapOvr>
+  <p:timing>
+    <p:tnLst>
+      <p:par>
+        <p:cTn id="1" dur="indefinite" restart="never" nodeType="tmRoot"/>
+      </p:par>
+    </p:tnLst>
+  </p:timing>
 </p:sld>
 </file>
 
@@ -7322,6 +7823,13 @@
   <p:clrMapOvr>
     <a:masterClrMapping/>
   </p:clrMapOvr>
+  <p:timing>
+    <p:tnLst>
+      <p:par>
+        <p:cTn id="1" dur="indefinite" restart="never" nodeType="tmRoot"/>
+      </p:par>
+    </p:tnLst>
+  </p:timing>
 </p:sld>
 </file>
 
@@ -7382,24 +7890,92 @@
           <a:lstStyle/>
           <a:p>
             <a:r>
-              <a:rPr lang="pt-BR" dirty="0"/>
-              <a:t>Durante a programação, os desenvolvedores sentem-se mais seguros em seguir adiante, pois os passos anteriores estão cobertos por teste. A criação de novos códigos associados fica mais eficaz, devido aos testes de unidade garantirem que caso alguma alteração quebre as associações entre os métodos ou classes, os testes informarão rapidamente ao desenvolvedor ou ao time que está desenvolvendo o sistema de software, permitindo rápida correção.</a:t>
-            </a:r>
-          </a:p>
-          <a:p>
-            <a:r>
-              <a:rPr lang="pt-BR" dirty="0"/>
-              <a:t>O TDD obriga o desenvolvedor a atender as necessidades do produto, diminuindo a quantidade de implementações desnecessárias, ajuda o programador a escrever só o que será utilizado, para então prosseguir para a próxima implementação do sistema de software. Com testes já estabelecidos pelo programador, qualquer alteração no sistema que gere falha, é imediatamente capturada pela ferramenta de teste garantindo que o software funcione completamente na entrega do produto final, módulo ou de um protótipo do sistema.</a:t>
-            </a:r>
-          </a:p>
-          <a:p>
-            <a:endParaRPr lang="pt-BR" dirty="0"/>
-          </a:p>
-          <a:p>
-            <a:endParaRPr lang="pt-BR" dirty="0"/>
-          </a:p>
-          <a:p>
-            <a:endParaRPr lang="pt-BR" dirty="0"/>
+              <a:rPr lang="pt-BR" sz="2400" dirty="0" smtClean="0"/>
+              <a:t>Na codificação os </a:t>
+            </a:r>
+            <a:r>
+              <a:rPr lang="pt-BR" sz="2400" dirty="0"/>
+              <a:t>desenvolvedores sentem-se mais seguros em seguir adiante, </a:t>
+            </a:r>
+            <a:r>
+              <a:rPr lang="pt-BR" sz="2400" dirty="0" smtClean="0"/>
+              <a:t>já que os </a:t>
+            </a:r>
+            <a:r>
+              <a:rPr lang="pt-BR" sz="2400" dirty="0"/>
+              <a:t>passos anteriores estão cobertos por teste. </a:t>
+            </a:r>
+            <a:r>
+              <a:rPr lang="pt-BR" sz="2400" dirty="0" smtClean="0"/>
+              <a:t>A adição de</a:t>
+            </a:r>
+            <a:r>
+              <a:rPr lang="pt-BR" sz="2400" dirty="0" smtClean="0"/>
+              <a:t> </a:t>
+            </a:r>
+            <a:r>
+              <a:rPr lang="pt-BR" sz="2400" dirty="0"/>
+              <a:t>códigos </a:t>
+            </a:r>
+            <a:r>
+              <a:rPr lang="pt-BR" sz="2400" dirty="0" smtClean="0"/>
+              <a:t>fica </a:t>
+            </a:r>
+            <a:r>
+              <a:rPr lang="pt-BR" sz="2400" dirty="0"/>
+              <a:t>mais </a:t>
+            </a:r>
+            <a:r>
+              <a:rPr lang="pt-BR" sz="2400" dirty="0" smtClean="0"/>
+              <a:t>fácil, pois os </a:t>
+            </a:r>
+            <a:r>
+              <a:rPr lang="pt-BR" sz="2400" dirty="0"/>
+              <a:t>testes de unidade garantirem </a:t>
+            </a:r>
+            <a:r>
+              <a:rPr lang="pt-BR" sz="2400" dirty="0" smtClean="0"/>
+              <a:t>o funcionamento, </a:t>
+            </a:r>
+            <a:r>
+              <a:rPr lang="pt-BR" sz="2400" dirty="0"/>
+              <a:t>os testes informarão rapidamente ao </a:t>
+            </a:r>
+            <a:r>
+              <a:rPr lang="pt-BR" sz="2400" dirty="0" smtClean="0"/>
+              <a:t>desenvolvedor, permitindo </a:t>
+            </a:r>
+            <a:r>
+              <a:rPr lang="pt-BR" sz="2400" dirty="0"/>
+              <a:t>rápida correção</a:t>
+            </a:r>
+            <a:r>
+              <a:rPr lang="pt-BR" sz="2400" dirty="0" smtClean="0"/>
+              <a:t>.</a:t>
+            </a:r>
+          </a:p>
+          <a:p>
+            <a:endParaRPr lang="pt-BR" sz="2400" dirty="0"/>
+          </a:p>
+          <a:p>
+            <a:r>
+              <a:rPr lang="pt-BR" sz="2400" dirty="0"/>
+              <a:t>O TDD obriga o desenvolvedor a atender as necessidades do produto, diminuindo a quantidade de implementações desnecessárias, ajuda o programador a escrever só o que será utilizado, para então prosseguir para a próxima implementação do sistema de software</a:t>
+            </a:r>
+            <a:r>
+              <a:rPr lang="pt-BR" sz="2400" dirty="0" smtClean="0"/>
+              <a:t>.</a:t>
+            </a:r>
+            <a:endParaRPr lang="pt-BR" sz="2400" dirty="0"/>
+          </a:p>
+          <a:p>
+            <a:endParaRPr lang="pt-BR" sz="2400" dirty="0"/>
+          </a:p>
+          <a:p>
+            <a:endParaRPr lang="pt-BR" sz="2400" dirty="0"/>
+          </a:p>
+          <a:p>
+            <a:endParaRPr lang="pt-BR" sz="2400" dirty="0"/>
           </a:p>
         </p:txBody>
       </p:sp>
@@ -7413,6 +7989,13 @@
   <p:clrMapOvr>
     <a:masterClrMapping/>
   </p:clrMapOvr>
+  <p:timing>
+    <p:tnLst>
+      <p:par>
+        <p:cTn id="1" dur="indefinite" restart="never" nodeType="tmRoot"/>
+      </p:par>
+    </p:tnLst>
+  </p:timing>
 </p:sld>
 </file>
 
@@ -7450,24 +8033,37 @@
           <a:p>
             <a:r>
               <a:rPr lang="pt-BR" dirty="0"/>
-              <a:t>Dívida Técnica (</a:t>
-            </a:r>
-            <a:r>
-              <a:rPr lang="pt-BR" dirty="0" err="1"/>
+              <a:t>Dívida Técnica </a:t>
+            </a:r>
+            <a:r>
+              <a:rPr lang="pt-BR" dirty="0" smtClean="0"/>
+              <a:t>- </a:t>
+            </a:r>
+            <a:r>
+              <a:rPr lang="pt-BR" dirty="0" err="1" smtClean="0"/>
               <a:t>Technical</a:t>
+            </a:r>
+            <a:r>
+              <a:rPr lang="pt-BR" dirty="0" smtClean="0"/>
+              <a:t> </a:t>
+            </a:r>
+            <a:r>
+              <a:rPr lang="pt-BR" dirty="0" err="1" smtClean="0"/>
+              <a:t>Debt</a:t>
             </a:r>
             <a:r>
               <a:rPr lang="pt-BR" dirty="0"/>
               <a:t> </a:t>
             </a:r>
             <a:r>
-              <a:rPr lang="pt-BR" dirty="0" err="1"/>
-              <a:t>Debt</a:t>
+              <a:rPr lang="pt-BR" dirty="0" smtClean="0"/>
+              <a:t>(I</a:t>
             </a:r>
             <a:r>
               <a:rPr lang="pt-BR" dirty="0"/>
               <a:t>)</a:t>
             </a:r>
+            <a:endParaRPr lang="pt-BR" dirty="0"/>
           </a:p>
         </p:txBody>
       </p:sp>
@@ -7513,6 +8109,13 @@
   <p:clrMapOvr>
     <a:masterClrMapping/>
   </p:clrMapOvr>
+  <p:timing>
+    <p:tnLst>
+      <p:par>
+        <p:cTn id="1" dur="indefinite" restart="never" nodeType="tmRoot"/>
+      </p:par>
+    </p:tnLst>
+  </p:timing>
 </p:sld>
 </file>
 
@@ -7548,7 +8151,31 @@
           <a:bodyPr/>
           <a:lstStyle/>
           <a:p>
-            <a:endParaRPr lang="pt-BR"/>
+            <a:r>
+              <a:rPr lang="pt-BR" dirty="0"/>
+              <a:t>Dívida Técnica - </a:t>
+            </a:r>
+            <a:r>
+              <a:rPr lang="pt-BR" dirty="0" err="1"/>
+              <a:t>Technical</a:t>
+            </a:r>
+            <a:r>
+              <a:rPr lang="pt-BR" dirty="0"/>
+              <a:t> </a:t>
+            </a:r>
+            <a:r>
+              <a:rPr lang="pt-BR" dirty="0" err="1"/>
+              <a:t>Debt</a:t>
+            </a:r>
+            <a:r>
+              <a:rPr lang="pt-BR" dirty="0"/>
+              <a:t> (</a:t>
+            </a:r>
+            <a:r>
+              <a:rPr lang="pt-BR" dirty="0" smtClean="0"/>
+              <a:t>II)</a:t>
+            </a:r>
+            <a:endParaRPr lang="pt-BR" dirty="0"/>
           </a:p>
         </p:txBody>
       </p:sp>
@@ -7594,6 +8221,13 @@
   <p:clrMapOvr>
     <a:masterClrMapping/>
   </p:clrMapOvr>
+  <p:timing>
+    <p:tnLst>
+      <p:par>
+        <p:cTn id="1" dur="indefinite" restart="never" nodeType="tmRoot"/>
+      </p:par>
+    </p:tnLst>
+  </p:timing>
 </p:sld>
 </file>
 
@@ -7678,6 +8312,13 @@
   <p:clrMapOvr>
     <a:masterClrMapping/>
   </p:clrMapOvr>
+  <p:timing>
+    <p:tnLst>
+      <p:par>
+        <p:cTn id="1" dur="indefinite" restart="never" nodeType="tmRoot"/>
+      </p:par>
+    </p:tnLst>
+  </p:timing>
 </p:sld>
 </file>
 
@@ -7714,9 +8355,10 @@
           <a:lstStyle/>
           <a:p>
             <a:r>
-              <a:rPr lang="pt-BR" dirty="0"/>
-              <a:t>Cobertura</a:t>
-            </a:r>
+              <a:rPr lang="pt-BR" dirty="0" smtClean="0"/>
+              <a:t>Cobertura (I)</a:t>
+            </a:r>
+            <a:endParaRPr lang="pt-BR" dirty="0"/>
           </a:p>
         </p:txBody>
       </p:sp>
@@ -7762,6 +8404,13 @@
   <p:clrMapOvr>
     <a:masterClrMapping/>
   </p:clrMapOvr>
+  <p:timing>
+    <p:tnLst>
+      <p:par>
+        <p:cTn id="1" dur="indefinite" restart="never" nodeType="tmRoot"/>
+      </p:par>
+    </p:tnLst>
+  </p:timing>
 </p:sld>
 </file>
 
@@ -7797,7 +8446,15 @@
           <a:bodyPr/>
           <a:lstStyle/>
           <a:p>
-            <a:endParaRPr lang="pt-BR"/>
+            <a:r>
+              <a:rPr lang="pt-BR" dirty="0"/>
+              <a:t>Cobertura (</a:t>
+            </a:r>
+            <a:r>
+              <a:rPr lang="pt-BR" dirty="0" smtClean="0"/>
+              <a:t>II)</a:t>
+            </a:r>
+            <a:endParaRPr lang="pt-BR" dirty="0"/>
           </a:p>
         </p:txBody>
       </p:sp>
@@ -7843,6 +8500,13 @@
   <p:clrMapOvr>
     <a:masterClrMapping/>
   </p:clrMapOvr>
+  <p:timing>
+    <p:tnLst>
+      <p:par>
+        <p:cTn id="1" dur="indefinite" restart="never" nodeType="tmRoot"/>
+      </p:par>
+    </p:tnLst>
+  </p:timing>
 </p:sld>
 </file>
 
@@ -7927,6 +8591,13 @@
   <p:clrMapOvr>
     <a:masterClrMapping/>
   </p:clrMapOvr>
+  <p:timing>
+    <p:tnLst>
+      <p:par>
+        <p:cTn id="1" dur="indefinite" restart="never" nodeType="tmRoot"/>
+      </p:par>
+    </p:tnLst>
+  </p:timing>
 </p:sld>
 </file>
 
@@ -8001,9 +8672,16 @@
             <a:endParaRPr lang="pt-BR" sz="2400" dirty="0"/>
           </a:p>
           <a:p>
+            <a:endParaRPr lang="pt-BR" sz="2400" dirty="0" smtClean="0"/>
+          </a:p>
+          <a:p>
             <a:r>
               <a:rPr lang="pt-BR" sz="2400" dirty="0" smtClean="0"/>
-              <a:t>Foi alcançado qualidade </a:t>
+              <a:t>Foi </a:t>
+            </a:r>
+            <a:r>
+              <a:rPr lang="pt-BR" sz="2400" dirty="0" smtClean="0"/>
+              <a:t>alcançado qualidade </a:t>
             </a:r>
             <a:r>
               <a:rPr lang="pt-BR" sz="2400" dirty="0"/>
@@ -8036,9 +8714,16 @@
               <a:rPr lang="pt-BR" sz="2400" dirty="0" smtClean="0"/>
               <a:t> </a:t>
             </a:r>
+            <a:endParaRPr lang="pt-BR" sz="2400" dirty="0" smtClean="0"/>
+          </a:p>
+          <a:p>
+            <a:r>
+              <a:rPr lang="pt-BR" sz="2400" dirty="0" smtClean="0"/>
+              <a:t>O </a:t>
+            </a:r>
             <a:r>
               <a:rPr lang="pt-BR" sz="2400" dirty="0"/>
-              <a:t>O objetivo não foi a produção completa da </a:t>
+              <a:t>objetivo não foi a produção completa da </a:t>
             </a:r>
             <a:r>
               <a:rPr lang="pt-BR" sz="2400" dirty="0" smtClean="0"/>
@@ -8048,7 +8733,9 @@
               <a:rPr lang="pt-BR" sz="2400" dirty="0" smtClean="0"/>
               <a:t>.</a:t>
             </a:r>
-            <a:endParaRPr lang="pt-BR" sz="2400" dirty="0"/>
+          </a:p>
+          <a:p>
+            <a:endParaRPr lang="pt-BR" sz="2400" i="1" dirty="0" smtClean="0"/>
           </a:p>
           <a:p>
             <a:r>
@@ -8056,12 +8743,16 @@
               <a:t>Design </a:t>
             </a:r>
             <a:r>
-              <a:rPr lang="pt-BR" sz="2400" i="1" dirty="0" err="1"/>
-              <a:t>patterns</a:t>
+              <a:rPr lang="pt-BR" sz="2400" i="1" dirty="0" err="1" smtClean="0"/>
+              <a:t>Patterns</a:t>
+            </a:r>
+            <a:r>
+              <a:rPr lang="pt-BR" sz="2400" dirty="0" smtClean="0"/>
+              <a:t> </a:t>
             </a:r>
             <a:r>
               <a:rPr lang="pt-BR" sz="2400" dirty="0"/>
-              <a:t> provando que o TDD guia não somente a implementação de código, mais também o </a:t>
+              <a:t>provando que o TDD guia não somente a implementação de código, mais também o </a:t>
             </a:r>
             <a:r>
               <a:rPr lang="pt-BR" sz="2400" i="1" dirty="0" smtClean="0"/>
@@ -8087,6 +8778,13 @@
   <p:clrMapOvr>
     <a:masterClrMapping/>
   </p:clrMapOvr>
+  <p:timing>
+    <p:tnLst>
+      <p:par>
+        <p:cTn id="1" dur="indefinite" restart="never" nodeType="tmRoot"/>
+      </p:par>
+    </p:tnLst>
+  </p:timing>
 </p:sld>
 </file>
 
@@ -8142,91 +8840,105 @@
         </p:nvSpPr>
         <p:spPr/>
         <p:txBody>
-          <a:bodyPr/>
+          <a:bodyPr>
+            <a:normAutofit/>
+          </a:bodyPr>
           <a:lstStyle/>
           <a:p>
             <a:pPr marL="0" indent="0">
               <a:buNone/>
             </a:pPr>
             <a:r>
-              <a:rPr lang="pt-BR" dirty="0"/>
+              <a:rPr lang="pt-BR" sz="2400" dirty="0"/>
               <a:t>P</a:t>
             </a:r>
             <a:r>
-              <a:rPr lang="pt-BR" dirty="0" smtClean="0"/>
+              <a:rPr lang="pt-BR" sz="2400" dirty="0" smtClean="0"/>
               <a:t>rodução </a:t>
             </a:r>
             <a:r>
-              <a:rPr lang="pt-BR" dirty="0"/>
+              <a:rPr lang="pt-BR" sz="2400" dirty="0"/>
               <a:t>da aplicação de </a:t>
             </a:r>
             <a:r>
-              <a:rPr lang="pt-BR" dirty="0" err="1"/>
+              <a:rPr lang="pt-BR" sz="2400" dirty="0" err="1"/>
               <a:t>ePub</a:t>
             </a:r>
             <a:r>
-              <a:rPr lang="pt-BR" dirty="0"/>
+              <a:rPr lang="pt-BR" sz="2400" dirty="0"/>
               <a:t>, por meio do TDD, tornando-a uma ferramenta completamente funcional de publicação de livros digitais. </a:t>
             </a:r>
-            <a:endParaRPr lang="pt-BR" dirty="0" smtClean="0"/>
+            <a:endParaRPr lang="pt-BR" sz="2400" dirty="0" smtClean="0"/>
           </a:p>
           <a:p>
             <a:pPr marL="0" indent="0">
               <a:buNone/>
             </a:pPr>
-            <a:r>
-              <a:rPr lang="pt-BR" dirty="0" smtClean="0"/>
-              <a:t>Também </a:t>
-            </a:r>
-            <a:r>
-              <a:rPr lang="pt-BR" dirty="0"/>
-              <a:t>é possível abordar o </a:t>
-            </a:r>
-            <a:r>
-              <a:rPr lang="pt-BR" i="1" dirty="0"/>
-              <a:t>framework </a:t>
-            </a:r>
-            <a:r>
-              <a:rPr lang="pt-BR" dirty="0" err="1"/>
-              <a:t>JUnit</a:t>
-            </a:r>
-            <a:r>
-              <a:rPr lang="pt-BR" dirty="0"/>
-              <a:t> de forma a explanar melhor as técnicas e alternativas de testes para demonstrar as maneiras que o </a:t>
-            </a:r>
-            <a:r>
-              <a:rPr lang="pt-BR" i="1" dirty="0"/>
-              <a:t>framework</a:t>
-            </a:r>
-            <a:r>
-              <a:rPr lang="pt-BR" dirty="0"/>
-              <a:t> de testes auxilia a técnica de TDD.  </a:t>
-            </a:r>
-            <a:endParaRPr lang="pt-BR" dirty="0" smtClean="0"/>
+            <a:endParaRPr lang="pt-BR" sz="2400" dirty="0" smtClean="0"/>
           </a:p>
           <a:p>
             <a:pPr marL="0" indent="0">
               <a:buNone/>
             </a:pPr>
             <a:r>
-              <a:rPr lang="pt-BR" dirty="0" smtClean="0"/>
+              <a:rPr lang="pt-BR" sz="2400" dirty="0" smtClean="0"/>
+              <a:t>Também </a:t>
+            </a:r>
+            <a:r>
+              <a:rPr lang="pt-BR" sz="2400" dirty="0"/>
+              <a:t>é possível abordar o </a:t>
+            </a:r>
+            <a:r>
+              <a:rPr lang="pt-BR" sz="2400" i="1" dirty="0"/>
+              <a:t>framework </a:t>
+            </a:r>
+            <a:r>
+              <a:rPr lang="pt-BR" sz="2400" dirty="0" err="1"/>
+              <a:t>JUnit</a:t>
+            </a:r>
+            <a:r>
+              <a:rPr lang="pt-BR" sz="2400" dirty="0"/>
+              <a:t> de forma a explanar melhor as técnicas e alternativas de testes para demonstrar as maneiras que o </a:t>
+            </a:r>
+            <a:r>
+              <a:rPr lang="pt-BR" sz="2400" i="1" dirty="0"/>
+              <a:t>framework</a:t>
+            </a:r>
+            <a:r>
+              <a:rPr lang="pt-BR" sz="2400" dirty="0"/>
+              <a:t> de testes auxilia a técnica de TDD.  </a:t>
+            </a:r>
+            <a:endParaRPr lang="pt-BR" sz="2400" dirty="0" smtClean="0"/>
+          </a:p>
+          <a:p>
+            <a:pPr marL="0" indent="0">
+              <a:buNone/>
+            </a:pPr>
+            <a:endParaRPr lang="pt-BR" sz="2400" dirty="0" smtClean="0"/>
+          </a:p>
+          <a:p>
+            <a:pPr marL="0" indent="0">
+              <a:buNone/>
+            </a:pPr>
+            <a:r>
+              <a:rPr lang="pt-BR" sz="2400" dirty="0" smtClean="0"/>
               <a:t>Utilizar </a:t>
             </a:r>
             <a:r>
-              <a:rPr lang="pt-BR" dirty="0"/>
+              <a:rPr lang="pt-BR" sz="2400" dirty="0"/>
               <a:t>a técnica TDD e efetuar a comparação utilizando o </a:t>
             </a:r>
             <a:r>
-              <a:rPr lang="pt-BR" dirty="0" err="1"/>
+              <a:rPr lang="pt-BR" sz="2400" dirty="0" err="1"/>
               <a:t>SonarQube</a:t>
             </a:r>
             <a:r>
-              <a:rPr lang="pt-BR" dirty="0"/>
+              <a:rPr lang="pt-BR" sz="2400" dirty="0"/>
               <a:t> para avaliar a eficiência da obtenção de qualidade.</a:t>
             </a:r>
           </a:p>
           <a:p>
-            <a:endParaRPr lang="pt-BR" dirty="0"/>
+            <a:endParaRPr lang="pt-BR" sz="2400" dirty="0"/>
           </a:p>
         </p:txBody>
       </p:sp>
@@ -8240,6 +8952,13 @@
   <p:clrMapOvr>
     <a:masterClrMapping/>
   </p:clrMapOvr>
+  <p:timing>
+    <p:tnLst>
+      <p:par>
+        <p:cTn id="1" dur="indefinite" restart="never" nodeType="tmRoot"/>
+      </p:par>
+    </p:tnLst>
+  </p:timing>
 </p:sld>
 </file>
 
@@ -8267,247 +8986,23 @@
             <a:spLocks noGrp="1"/>
           </p:cNvSpPr>
           <p:nvPr>
-            <p:ph type="title"/>
-          </p:nvPr>
-        </p:nvSpPr>
-        <p:spPr/>
+            <p:ph type="title" idx="4294967295"/>
+          </p:nvPr>
+        </p:nvSpPr>
+        <p:spPr>
+          <a:xfrm>
+            <a:off x="1090411" y="2295682"/>
+            <a:ext cx="10058400" cy="1450975"/>
+          </a:xfrm>
+        </p:spPr>
         <p:txBody>
           <a:bodyPr/>
           <a:lstStyle/>
           <a:p>
-            <a:r>
-              <a:rPr lang="pt-BR" dirty="0"/>
-              <a:t>Referências</a:t>
-            </a:r>
-          </a:p>
-        </p:txBody>
-      </p:sp>
-      <p:sp>
-        <p:nvSpPr>
-          <p:cNvPr id="3" name="Espaço Reservado para Conteúdo 2"/>
-          <p:cNvSpPr>
-            <a:spLocks noGrp="1"/>
-          </p:cNvSpPr>
-          <p:nvPr>
-            <p:ph idx="1"/>
-          </p:nvPr>
-        </p:nvSpPr>
-        <p:spPr/>
-        <p:txBody>
-          <a:bodyPr>
-            <a:normAutofit fontScale="92500" lnSpcReduction="20000"/>
-          </a:bodyPr>
-          <a:lstStyle/>
-          <a:p>
-            <a:r>
-              <a:rPr lang="pt-BR" dirty="0"/>
-              <a:t>ANICHE, Mauricio. </a:t>
-            </a:r>
-            <a:r>
-              <a:rPr lang="pt-BR" b="1" dirty="0"/>
-              <a:t>Test </a:t>
-            </a:r>
-            <a:r>
-              <a:rPr lang="pt-BR" b="1" dirty="0" err="1"/>
-              <a:t>Driven</a:t>
-            </a:r>
-            <a:r>
-              <a:rPr lang="pt-BR" b="1" dirty="0"/>
-              <a:t> </a:t>
-            </a:r>
-            <a:r>
-              <a:rPr lang="pt-BR" b="1" dirty="0" err="1"/>
-              <a:t>Development</a:t>
-            </a:r>
-            <a:r>
-              <a:rPr lang="pt-BR" b="1" dirty="0"/>
-              <a:t>: </a:t>
-            </a:r>
-            <a:r>
-              <a:rPr lang="pt-BR" dirty="0"/>
-              <a:t>Teste e Design no Mundo Real. Internet: Casa do </a:t>
-            </a:r>
-            <a:r>
-              <a:rPr lang="pt-BR" dirty="0" err="1"/>
-              <a:t>Codigo</a:t>
-            </a:r>
-            <a:r>
-              <a:rPr lang="pt-BR" dirty="0"/>
-              <a:t>, 2014. 181 p</a:t>
-            </a:r>
+            <a:pPr algn="ctr"/>
             <a:r>
               <a:rPr lang="pt-BR" dirty="0" smtClean="0"/>
-              <a:t>.</a:t>
-            </a:r>
-            <a:endParaRPr lang="pt-BR" dirty="0"/>
-          </a:p>
-          <a:p>
-            <a:r>
-              <a:rPr lang="pt-BR" dirty="0"/>
-              <a:t>BECK, Kent. </a:t>
-            </a:r>
-            <a:r>
-              <a:rPr lang="pt-BR" b="1" dirty="0"/>
-              <a:t>TDD: Desenvolvimento Guiado Por Testes</a:t>
-            </a:r>
-            <a:r>
-              <a:rPr lang="pt-BR" dirty="0"/>
-              <a:t>. Porto Alegre: </a:t>
-            </a:r>
-            <a:r>
-              <a:rPr lang="pt-BR" dirty="0" err="1"/>
-              <a:t>Bookman</a:t>
-            </a:r>
-            <a:r>
-              <a:rPr lang="pt-BR" dirty="0"/>
-              <a:t>, 2010. 240 p</a:t>
-            </a:r>
-            <a:r>
-              <a:rPr lang="pt-BR" dirty="0" smtClean="0"/>
-              <a:t>.</a:t>
-            </a:r>
-            <a:endParaRPr lang="pt-BR" dirty="0"/>
-          </a:p>
-          <a:p>
-            <a:r>
-              <a:rPr lang="pt-BR" dirty="0"/>
-              <a:t>BECK, Kent et al. </a:t>
-            </a:r>
-            <a:r>
-              <a:rPr lang="pt-BR" b="1" dirty="0"/>
-              <a:t>Manifesto para o desenvolvimento ágil de software</a:t>
-            </a:r>
-            <a:r>
-              <a:rPr lang="pt-BR" dirty="0"/>
-              <a:t>. 2001. Disponível em: &lt;http://www.manifestoagil.com.br/&gt;. Acesso em: 01 jan. 2001</a:t>
-            </a:r>
-            <a:r>
-              <a:rPr lang="pt-BR" dirty="0" smtClean="0"/>
-              <a:t>.</a:t>
-            </a:r>
-            <a:endParaRPr lang="pt-BR" dirty="0"/>
-          </a:p>
-          <a:p>
-            <a:r>
-              <a:rPr lang="pt-BR" dirty="0"/>
-              <a:t>BROOKS JUNIOR, Frederick Phillips. </a:t>
-            </a:r>
-            <a:r>
-              <a:rPr lang="pt-BR" b="1" dirty="0"/>
-              <a:t>O </a:t>
-            </a:r>
-            <a:r>
-              <a:rPr lang="pt-BR" b="1" dirty="0" err="1"/>
-              <a:t>Mitico</a:t>
-            </a:r>
-            <a:r>
-              <a:rPr lang="pt-BR" b="1" dirty="0"/>
-              <a:t> Homem-</a:t>
-            </a:r>
-            <a:r>
-              <a:rPr lang="pt-BR" b="1" dirty="0" err="1"/>
-              <a:t>Mes</a:t>
-            </a:r>
-            <a:r>
-              <a:rPr lang="pt-BR" b="1" dirty="0"/>
-              <a:t>: </a:t>
-            </a:r>
-            <a:r>
-              <a:rPr lang="pt-BR" dirty="0"/>
-              <a:t>Ensaios sobre engenharia de software. Rio de Janeiro: Campus, 2009. 300 p</a:t>
-            </a:r>
-            <a:r>
-              <a:rPr lang="pt-BR" dirty="0" smtClean="0"/>
-              <a:t>.</a:t>
-            </a:r>
-            <a:endParaRPr lang="pt-BR" dirty="0"/>
-          </a:p>
-          <a:p>
-            <a:r>
-              <a:rPr lang="pt-BR" dirty="0"/>
-              <a:t>CAELUM (São Paulo). </a:t>
-            </a:r>
-            <a:r>
-              <a:rPr lang="pt-BR" dirty="0" err="1"/>
-              <a:t>Caelum</a:t>
-            </a:r>
-            <a:r>
-              <a:rPr lang="pt-BR" dirty="0"/>
-              <a:t> Ensino e Inovação. </a:t>
-            </a:r>
-            <a:r>
-              <a:rPr lang="pt-BR" b="1" dirty="0"/>
-              <a:t>Práticas Ágeis de Desenvolvimento de Software em Java: </a:t>
-            </a:r>
-            <a:r>
-              <a:rPr lang="pt-BR" dirty="0"/>
-              <a:t>Curso PM-87. </a:t>
-            </a:r>
-            <a:r>
-              <a:rPr lang="en-US" dirty="0"/>
-              <a:t>São Paulo, 2014</a:t>
-            </a:r>
-            <a:r>
-              <a:rPr lang="en-US" dirty="0" smtClean="0"/>
-              <a:t>.</a:t>
-            </a:r>
-            <a:endParaRPr lang="pt-BR" dirty="0"/>
-          </a:p>
-          <a:p>
-            <a:r>
-              <a:rPr lang="en-US" dirty="0"/>
-              <a:t>CRISPIN, Lisa. </a:t>
-            </a:r>
-            <a:r>
-              <a:rPr lang="en-US" b="1" dirty="0"/>
-              <a:t>Driving Software Quality</a:t>
-            </a:r>
-            <a:r>
-              <a:rPr lang="en-US" dirty="0"/>
-              <a:t>: How Test-Driven Development Impacts Software Quality. In: QUALITY TIME. Quality time. </a:t>
-            </a:r>
-            <a:r>
-              <a:rPr lang="en-US" dirty="0" err="1"/>
-              <a:t>Ieee</a:t>
-            </a:r>
-            <a:r>
-              <a:rPr lang="en-US" dirty="0"/>
-              <a:t>, 2006. v. 23, p. 70 - 71</a:t>
-            </a:r>
-            <a:r>
-              <a:rPr lang="en-US" dirty="0" smtClean="0"/>
-              <a:t>.</a:t>
-            </a:r>
-            <a:endParaRPr lang="pt-BR" dirty="0"/>
-          </a:p>
-          <a:p>
-            <a:r>
-              <a:rPr lang="en-US" dirty="0"/>
-              <a:t>CUNNIGHAM, Ward. </a:t>
-            </a:r>
-            <a:r>
-              <a:rPr lang="pt-BR" b="1" dirty="0" err="1"/>
-              <a:t>Technical</a:t>
-            </a:r>
-            <a:r>
-              <a:rPr lang="pt-BR" b="1" dirty="0"/>
-              <a:t> </a:t>
-            </a:r>
-            <a:r>
-              <a:rPr lang="pt-BR" b="1" dirty="0" err="1"/>
-              <a:t>Debt</a:t>
-            </a:r>
-            <a:r>
-              <a:rPr lang="pt-BR" b="1" dirty="0"/>
-              <a:t>. </a:t>
-            </a:r>
-            <a:r>
-              <a:rPr lang="pt-BR" dirty="0"/>
-              <a:t>2014. Disponível em: &lt;http://c2.com/cgi/wiki?TechnicalDebt&gt;. Acesso em: 22 mar. 2015</a:t>
-            </a:r>
-            <a:r>
-              <a:rPr lang="pt-BR" dirty="0" smtClean="0"/>
-              <a:t>.</a:t>
+              <a:t>Agradecimentos</a:t>
             </a:r>
             <a:endParaRPr lang="pt-BR" dirty="0"/>
           </a:p>
@@ -8516,268 +9011,20 @@
     </p:spTree>
     <p:extLst>
       <p:ext uri="{BB962C8B-B14F-4D97-AF65-F5344CB8AC3E}">
-        <p14:creationId xmlns:p14="http://schemas.microsoft.com/office/powerpoint/2010/main" val="318647329"/>
+        <p14:creationId xmlns:p14="http://schemas.microsoft.com/office/powerpoint/2010/main" val="1575991593"/>
       </p:ext>
     </p:extLst>
   </p:cSld>
   <p:clrMapOvr>
     <a:masterClrMapping/>
   </p:clrMapOvr>
-</p:sld>
-</file>
-
-<file path=ppt/slides/slide49.xml><?xml version="1.0" encoding="utf-8"?>
-<p:sld xmlns:a="http://schemas.openxmlformats.org/drawingml/2006/main" xmlns:r="http://schemas.openxmlformats.org/officeDocument/2006/relationships" xmlns:p="http://schemas.openxmlformats.org/presentationml/2006/main">
-  <p:cSld>
-    <p:spTree>
-      <p:nvGrpSpPr>
-        <p:cNvPr id="1" name=""/>
-        <p:cNvGrpSpPr/>
-        <p:nvPr/>
-      </p:nvGrpSpPr>
-      <p:grpSpPr>
-        <a:xfrm>
-          <a:off x="0" y="0"/>
-          <a:ext cx="0" cy="0"/>
-          <a:chOff x="0" y="0"/>
-          <a:chExt cx="0" cy="0"/>
-        </a:xfrm>
-      </p:grpSpPr>
-      <p:sp>
-        <p:nvSpPr>
-          <p:cNvPr id="2" name="Título 1"/>
-          <p:cNvSpPr>
-            <a:spLocks noGrp="1"/>
-          </p:cNvSpPr>
-          <p:nvPr>
-            <p:ph type="title"/>
-          </p:nvPr>
-        </p:nvSpPr>
-        <p:spPr/>
-        <p:txBody>
-          <a:bodyPr/>
-          <a:lstStyle/>
-          <a:p>
-            <a:endParaRPr lang="pt-BR"/>
-          </a:p>
-        </p:txBody>
-      </p:sp>
-      <p:sp>
-        <p:nvSpPr>
-          <p:cNvPr id="3" name="Espaço Reservado para Conteúdo 2"/>
-          <p:cNvSpPr>
-            <a:spLocks noGrp="1"/>
-          </p:cNvSpPr>
-          <p:nvPr>
-            <p:ph idx="1"/>
-          </p:nvPr>
-        </p:nvSpPr>
-        <p:spPr/>
-        <p:txBody>
-          <a:bodyPr>
-            <a:normAutofit fontScale="85000" lnSpcReduction="20000"/>
-          </a:bodyPr>
-          <a:lstStyle/>
-          <a:p>
-            <a:endParaRPr lang="pt-BR" dirty="0"/>
-          </a:p>
-          <a:p>
-            <a:r>
-              <a:rPr lang="pt-BR" dirty="0"/>
-              <a:t>DEVMEDIA. </a:t>
-            </a:r>
-            <a:r>
-              <a:rPr lang="pt-BR" b="1" dirty="0"/>
-              <a:t>Sequência de Fibonacci em Java. </a:t>
-            </a:r>
-            <a:r>
-              <a:rPr lang="pt-BR" dirty="0"/>
-              <a:t>Disponível em: &lt;http://www.devmedia.com.br/sequencia-de-fibonacci-em-java/23620&gt;. Acesso em: 22 mar. 2015</a:t>
-            </a:r>
-            <a:r>
-              <a:rPr lang="pt-BR" dirty="0" smtClean="0"/>
-              <a:t>.</a:t>
-            </a:r>
-            <a:endParaRPr lang="pt-BR" dirty="0"/>
-          </a:p>
-          <a:p>
-            <a:r>
-              <a:rPr lang="pt-BR" dirty="0"/>
-              <a:t>FEATHERS, Michael C.. </a:t>
-            </a:r>
-            <a:r>
-              <a:rPr lang="pt-BR" b="1" dirty="0"/>
-              <a:t>Trabalho eficaz com </a:t>
-            </a:r>
-            <a:r>
-              <a:rPr lang="pt-BR" b="1" dirty="0" err="1"/>
-              <a:t>codigo</a:t>
-            </a:r>
-            <a:r>
-              <a:rPr lang="pt-BR" b="1" dirty="0"/>
-              <a:t> legado. </a:t>
-            </a:r>
-            <a:r>
-              <a:rPr lang="en-US" dirty="0"/>
-              <a:t>Porto Alegre: Bookman, 2013. 406 p</a:t>
-            </a:r>
-            <a:r>
-              <a:rPr lang="en-US" dirty="0" smtClean="0"/>
-              <a:t>.</a:t>
-            </a:r>
-            <a:endParaRPr lang="pt-BR" dirty="0"/>
-          </a:p>
-          <a:p>
-            <a:r>
-              <a:rPr lang="en-US" dirty="0"/>
-              <a:t>FOWLER, Martin. </a:t>
-            </a:r>
-            <a:r>
-              <a:rPr lang="en-US" b="1" dirty="0" err="1"/>
-              <a:t>TechnicalDebt</a:t>
-            </a:r>
-            <a:r>
-              <a:rPr lang="en-US" b="1" dirty="0"/>
-              <a:t>. </a:t>
-            </a:r>
-            <a:r>
-              <a:rPr lang="pt-BR" dirty="0"/>
-              <a:t>2003. Disponível em: &lt;http://martinfowler.com/bliki/TechnicalDebt.html&gt;. Acesso em: 22 mar. 2015</a:t>
-            </a:r>
-            <a:r>
-              <a:rPr lang="pt-BR" dirty="0" smtClean="0"/>
-              <a:t>.</a:t>
-            </a:r>
-            <a:endParaRPr lang="pt-BR" dirty="0"/>
-          </a:p>
-          <a:p>
-            <a:r>
-              <a:rPr lang="pt-BR" dirty="0"/>
-              <a:t>FOWLER, Martin. </a:t>
-            </a:r>
-            <a:r>
-              <a:rPr lang="pt-BR" b="1" dirty="0" err="1"/>
-              <a:t>Refactoring</a:t>
-            </a:r>
-            <a:r>
-              <a:rPr lang="pt-BR" b="1" dirty="0"/>
-              <a:t>. </a:t>
-            </a:r>
-            <a:r>
-              <a:rPr lang="pt-BR" dirty="0"/>
-              <a:t>2013. Disponível em: &lt; http://refactoring.com/&gt;. </a:t>
-            </a:r>
-            <a:r>
-              <a:rPr lang="en-US" dirty="0" err="1"/>
-              <a:t>Acesso</a:t>
-            </a:r>
-            <a:r>
-              <a:rPr lang="en-US" dirty="0"/>
-              <a:t> </a:t>
-            </a:r>
-            <a:r>
-              <a:rPr lang="en-US" dirty="0" err="1"/>
-              <a:t>em</a:t>
-            </a:r>
-            <a:r>
-              <a:rPr lang="en-US" dirty="0"/>
-              <a:t>: 30 abr. </a:t>
-            </a:r>
-            <a:r>
-              <a:rPr lang="en-US" dirty="0" smtClean="0"/>
-              <a:t>2015.</a:t>
-            </a:r>
-            <a:endParaRPr lang="pt-BR" dirty="0"/>
-          </a:p>
-          <a:p>
-            <a:r>
-              <a:rPr lang="en-US" dirty="0"/>
-              <a:t>FOWLER, Martin et al. </a:t>
-            </a:r>
-            <a:r>
-              <a:rPr lang="en-US" b="1" dirty="0"/>
-              <a:t>Refactoring: </a:t>
-            </a:r>
-            <a:r>
-              <a:rPr lang="en-US" dirty="0"/>
-              <a:t>Improving the Design of Existing Code. </a:t>
-            </a:r>
-            <a:r>
-              <a:rPr lang="pt-BR" dirty="0" err="1"/>
-              <a:t>Mishawaka</a:t>
-            </a:r>
-            <a:r>
-              <a:rPr lang="pt-BR" dirty="0"/>
-              <a:t>: </a:t>
-            </a:r>
-            <a:r>
-              <a:rPr lang="pt-BR" dirty="0" err="1"/>
-              <a:t>Better</a:t>
-            </a:r>
-            <a:r>
-              <a:rPr lang="pt-BR" dirty="0"/>
-              <a:t> World Books, 2007. 431 p</a:t>
-            </a:r>
-            <a:r>
-              <a:rPr lang="pt-BR" dirty="0" smtClean="0"/>
-              <a:t>.</a:t>
-            </a:r>
-            <a:endParaRPr lang="pt-BR" dirty="0"/>
-          </a:p>
-          <a:p>
-            <a:r>
-              <a:rPr lang="pt-BR" dirty="0"/>
-              <a:t>GOMES, André Faria. </a:t>
-            </a:r>
-            <a:r>
-              <a:rPr lang="pt-BR" b="1" dirty="0" err="1"/>
-              <a:t>Agile</a:t>
-            </a:r>
-            <a:r>
-              <a:rPr lang="pt-BR" b="1" dirty="0"/>
-              <a:t>: </a:t>
-            </a:r>
-            <a:r>
-              <a:rPr lang="pt-BR" dirty="0"/>
-              <a:t>Desenvolvimento de software com entregas frequentes e foco no valor de negócio. Internet: Casa do </a:t>
-            </a:r>
-            <a:r>
-              <a:rPr lang="pt-BR" dirty="0" err="1"/>
-              <a:t>Codigo</a:t>
-            </a:r>
-            <a:r>
-              <a:rPr lang="pt-BR" dirty="0"/>
-              <a:t>, 2014. 176 p</a:t>
-            </a:r>
-            <a:r>
-              <a:rPr lang="pt-BR" dirty="0" smtClean="0"/>
-              <a:t>.</a:t>
-            </a:r>
-            <a:endParaRPr lang="pt-BR" dirty="0"/>
-          </a:p>
-          <a:p>
-            <a:r>
-              <a:rPr lang="pt-BR" dirty="0"/>
-              <a:t>GONÇALVES, Eduardo Corrêa. Sequência de Fibonacci em Java. 2012. Disponível em: &lt;http://www.devmedia.com.br/sequencia-de-fibonacci-em-java/23620&gt;. Acesso em: 18 mar. 2015</a:t>
-            </a:r>
-            <a:r>
-              <a:rPr lang="pt-BR" dirty="0" smtClean="0"/>
-              <a:t>.</a:t>
-            </a:r>
-            <a:endParaRPr lang="pt-BR" dirty="0"/>
-          </a:p>
-        </p:txBody>
-      </p:sp>
-    </p:spTree>
-    <p:extLst>
-      <p:ext uri="{BB962C8B-B14F-4D97-AF65-F5344CB8AC3E}">
-        <p14:creationId xmlns:p14="http://schemas.microsoft.com/office/powerpoint/2010/main" val="2227679911"/>
-      </p:ext>
-    </p:extLst>
-  </p:cSld>
-  <p:clrMapOvr>
-    <a:masterClrMapping/>
-  </p:clrMapOvr>
+  <p:timing>
+    <p:tnLst>
+      <p:par>
+        <p:cTn id="1" dur="indefinite" restart="never" nodeType="tmRoot"/>
+      </p:par>
+    </p:tnLst>
+  </p:timing>
 </p:sld>
 </file>
 
@@ -8838,88 +9085,91 @@
           <a:lstStyle/>
           <a:p>
             <a:r>
-              <a:rPr lang="pt-BR" dirty="0"/>
+              <a:rPr lang="pt-BR" sz="2400" dirty="0"/>
               <a:t>Para tanto, o pesquisador adota a metodologia da pesquisa quantitativa, guiando-se por meio de livros, </a:t>
             </a:r>
             <a:r>
-              <a:rPr lang="pt-BR" dirty="0" smtClean="0"/>
+              <a:rPr lang="pt-BR" sz="2400" dirty="0" smtClean="0"/>
               <a:t>artigos, </a:t>
             </a:r>
             <a:r>
-              <a:rPr lang="pt-BR" dirty="0"/>
+              <a:rPr lang="pt-BR" sz="2400" dirty="0"/>
               <a:t>e utiliza imagens e vídeos para compor a apresentação teórica e prática de sua pesquisa acadêmica</a:t>
             </a:r>
             <a:r>
-              <a:rPr lang="pt-BR" dirty="0" smtClean="0"/>
+              <a:rPr lang="pt-BR" sz="2400" dirty="0" smtClean="0"/>
               <a:t>.</a:t>
             </a:r>
-            <a:endParaRPr lang="pt-BR" dirty="0"/>
-          </a:p>
-          <a:p>
-            <a:r>
-              <a:rPr lang="pt-BR" dirty="0" smtClean="0"/>
+            <a:endParaRPr lang="pt-BR" sz="2400" dirty="0"/>
+          </a:p>
+          <a:p>
+            <a:endParaRPr lang="pt-BR" sz="2400" dirty="0" smtClean="0"/>
+          </a:p>
+          <a:p>
+            <a:r>
+              <a:rPr lang="pt-BR" sz="2400" dirty="0" smtClean="0"/>
               <a:t>O </a:t>
             </a:r>
             <a:r>
-              <a:rPr lang="pt-BR" dirty="0"/>
+              <a:rPr lang="pt-BR" sz="2400" dirty="0"/>
               <a:t>projeto utiliza ferramentas livres de código aberto, como</a:t>
             </a:r>
             <a:r>
-              <a:rPr lang="pt-BR" dirty="0" smtClean="0"/>
+              <a:rPr lang="pt-BR" sz="2400" dirty="0" smtClean="0"/>
               <a:t>:</a:t>
             </a:r>
           </a:p>
           <a:p>
             <a:pPr lvl="1"/>
             <a:r>
-              <a:rPr lang="pt-BR" sz="2000" dirty="0" smtClean="0"/>
+              <a:rPr lang="pt-BR" sz="2400" dirty="0" smtClean="0"/>
               <a:t>ferramenta </a:t>
             </a:r>
             <a:r>
-              <a:rPr lang="pt-BR" sz="2000" dirty="0"/>
+              <a:rPr lang="pt-BR" sz="2400" dirty="0"/>
               <a:t>de build e dependência de códigos; </a:t>
             </a:r>
-            <a:endParaRPr lang="pt-BR" sz="2000" dirty="0" smtClean="0"/>
+            <a:endParaRPr lang="pt-BR" sz="2400" dirty="0" smtClean="0"/>
           </a:p>
           <a:p>
             <a:pPr lvl="1"/>
             <a:r>
-              <a:rPr lang="pt-BR" sz="2000" dirty="0" smtClean="0"/>
+              <a:rPr lang="pt-BR" sz="2400" dirty="0" smtClean="0"/>
               <a:t>IDE </a:t>
             </a:r>
             <a:r>
-              <a:rPr lang="pt-BR" sz="2000" dirty="0"/>
+              <a:rPr lang="pt-BR" sz="2400" dirty="0"/>
               <a:t>para desenvolvimento de código; </a:t>
             </a:r>
-            <a:endParaRPr lang="pt-BR" sz="2000" dirty="0" smtClean="0"/>
+            <a:endParaRPr lang="pt-BR" sz="2400" dirty="0" smtClean="0"/>
           </a:p>
           <a:p>
             <a:pPr lvl="1"/>
             <a:r>
-              <a:rPr lang="pt-BR" sz="2000" dirty="0" smtClean="0"/>
+              <a:rPr lang="pt-BR" sz="2400" dirty="0" smtClean="0"/>
               <a:t>framework </a:t>
             </a:r>
             <a:r>
-              <a:rPr lang="pt-BR" sz="2000" dirty="0"/>
+              <a:rPr lang="pt-BR" sz="2400" dirty="0"/>
               <a:t>Web </a:t>
             </a:r>
-            <a:endParaRPr lang="pt-BR" sz="2000" dirty="0" smtClean="0"/>
+            <a:endParaRPr lang="pt-BR" sz="2400" dirty="0" smtClean="0"/>
           </a:p>
           <a:p>
             <a:pPr lvl="1"/>
             <a:r>
-              <a:rPr lang="pt-BR" sz="2000" dirty="0" smtClean="0"/>
+              <a:rPr lang="pt-BR" sz="2400" dirty="0" smtClean="0"/>
               <a:t>framework </a:t>
             </a:r>
             <a:r>
-              <a:rPr lang="pt-BR" sz="2000" dirty="0"/>
+              <a:rPr lang="pt-BR" sz="2400" dirty="0"/>
               <a:t>para </a:t>
             </a:r>
             <a:r>
-              <a:rPr lang="pt-BR" sz="2000" dirty="0" smtClean="0"/>
+              <a:rPr lang="pt-BR" sz="2400" dirty="0" smtClean="0"/>
               <a:t>testes</a:t>
             </a:r>
-            <a:endParaRPr lang="pt-BR" sz="2000" dirty="0"/>
+            <a:endParaRPr lang="pt-BR" sz="2400" dirty="0"/>
           </a:p>
         </p:txBody>
       </p:sp>
@@ -8933,280 +9183,13 @@
   <p:clrMapOvr>
     <a:masterClrMapping/>
   </p:clrMapOvr>
-</p:sld>
-</file>
-
-<file path=ppt/slides/slide50.xml><?xml version="1.0" encoding="utf-8"?>
-<p:sld xmlns:a="http://schemas.openxmlformats.org/drawingml/2006/main" xmlns:r="http://schemas.openxmlformats.org/officeDocument/2006/relationships" xmlns:p="http://schemas.openxmlformats.org/presentationml/2006/main">
-  <p:cSld>
-    <p:spTree>
-      <p:nvGrpSpPr>
-        <p:cNvPr id="1" name=""/>
-        <p:cNvGrpSpPr/>
-        <p:nvPr/>
-      </p:nvGrpSpPr>
-      <p:grpSpPr>
-        <a:xfrm>
-          <a:off x="0" y="0"/>
-          <a:ext cx="0" cy="0"/>
-          <a:chOff x="0" y="0"/>
-          <a:chExt cx="0" cy="0"/>
-        </a:xfrm>
-      </p:grpSpPr>
-      <p:sp>
-        <p:nvSpPr>
-          <p:cNvPr id="2" name="Título 1"/>
-          <p:cNvSpPr>
-            <a:spLocks noGrp="1"/>
-          </p:cNvSpPr>
-          <p:nvPr>
-            <p:ph type="title"/>
-          </p:nvPr>
-        </p:nvSpPr>
-        <p:spPr/>
-        <p:txBody>
-          <a:bodyPr/>
-          <a:lstStyle/>
-          <a:p>
-            <a:endParaRPr lang="pt-BR"/>
-          </a:p>
-        </p:txBody>
-      </p:sp>
-      <p:sp>
-        <p:nvSpPr>
-          <p:cNvPr id="3" name="Espaço Reservado para Conteúdo 2"/>
-          <p:cNvSpPr>
-            <a:spLocks noGrp="1"/>
-          </p:cNvSpPr>
-          <p:nvPr>
-            <p:ph idx="1"/>
-          </p:nvPr>
-        </p:nvSpPr>
-        <p:spPr/>
-        <p:txBody>
-          <a:bodyPr>
-            <a:normAutofit fontScale="85000" lnSpcReduction="20000"/>
-          </a:bodyPr>
-          <a:lstStyle/>
-          <a:p>
-            <a:endParaRPr lang="pt-BR" dirty="0"/>
-          </a:p>
-          <a:p>
-            <a:r>
-              <a:rPr lang="pt-BR" dirty="0"/>
-              <a:t>GUERRA, Eduardo. </a:t>
-            </a:r>
-            <a:r>
-              <a:rPr lang="pt-BR" b="1" dirty="0"/>
-              <a:t>Design </a:t>
-            </a:r>
-            <a:r>
-              <a:rPr lang="pt-BR" b="1" dirty="0" err="1"/>
-              <a:t>Patterns</a:t>
-            </a:r>
-            <a:r>
-              <a:rPr lang="pt-BR" b="1" dirty="0"/>
-              <a:t> com Java: </a:t>
-            </a:r>
-            <a:r>
-              <a:rPr lang="pt-BR" dirty="0"/>
-              <a:t>Projeto orientado a objetos guiado por padrões. Internet: Casa do </a:t>
-            </a:r>
-            <a:r>
-              <a:rPr lang="pt-BR" dirty="0" err="1"/>
-              <a:t>Codigo</a:t>
-            </a:r>
-            <a:r>
-              <a:rPr lang="pt-BR" dirty="0"/>
-              <a:t>, 2012. 305 p</a:t>
-            </a:r>
-            <a:r>
-              <a:rPr lang="pt-BR" dirty="0" smtClean="0"/>
-              <a:t>.</a:t>
-            </a:r>
-            <a:endParaRPr lang="pt-BR" dirty="0"/>
-          </a:p>
-          <a:p>
-            <a:r>
-              <a:rPr lang="pt-BR" dirty="0"/>
-              <a:t>KOSCIANSKI, André. </a:t>
-            </a:r>
-            <a:r>
-              <a:rPr lang="pt-BR" b="1" dirty="0"/>
-              <a:t>Qualidade de Software: </a:t>
-            </a:r>
-            <a:r>
-              <a:rPr lang="pt-BR" dirty="0"/>
-              <a:t>Aprenda as </a:t>
-            </a:r>
-            <a:r>
-              <a:rPr lang="pt-BR" dirty="0" err="1"/>
-              <a:t>metoodologias</a:t>
-            </a:r>
-            <a:r>
-              <a:rPr lang="pt-BR" dirty="0"/>
-              <a:t> e técnicas mais modernas para o desenvolvimento de </a:t>
-            </a:r>
-            <a:r>
-              <a:rPr lang="pt-BR" dirty="0" err="1"/>
-              <a:t>doftware</a:t>
-            </a:r>
-            <a:r>
-              <a:rPr lang="pt-BR" dirty="0"/>
-              <a:t>. 2. ed. São Paulo: </a:t>
-            </a:r>
-            <a:r>
-              <a:rPr lang="pt-BR" dirty="0" err="1"/>
-              <a:t>Novatec</a:t>
-            </a:r>
-            <a:r>
-              <a:rPr lang="pt-BR" dirty="0"/>
-              <a:t>, 2007. 395 p.</a:t>
-            </a:r>
-          </a:p>
-          <a:p>
-            <a:r>
-              <a:rPr lang="pt-BR" dirty="0"/>
-              <a:t>MARTIN, Robert C. et al. </a:t>
-            </a:r>
-            <a:r>
-              <a:rPr lang="pt-BR" b="1" dirty="0"/>
-              <a:t>Código Limpo: </a:t>
-            </a:r>
-            <a:r>
-              <a:rPr lang="pt-BR" dirty="0"/>
-              <a:t>habilidade prática do </a:t>
-            </a:r>
-            <a:r>
-              <a:rPr lang="pt-BR" dirty="0" err="1"/>
-              <a:t>Agile</a:t>
-            </a:r>
-            <a:r>
-              <a:rPr lang="pt-BR" dirty="0"/>
-              <a:t> Software. Rio de Janeiro: Alta Books, 2011. 456 p. </a:t>
-            </a:r>
-          </a:p>
-          <a:p>
-            <a:r>
-              <a:rPr lang="pt-BR" dirty="0"/>
-              <a:t>MASSOL, Vincent; HUSTED, Ted. </a:t>
-            </a:r>
-            <a:r>
-              <a:rPr lang="pt-BR" b="1" dirty="0" err="1"/>
-              <a:t>Junit</a:t>
-            </a:r>
-            <a:r>
-              <a:rPr lang="pt-BR" b="1" dirty="0"/>
-              <a:t> em ação</a:t>
-            </a:r>
-            <a:r>
-              <a:rPr lang="pt-BR" dirty="0"/>
-              <a:t>. Rio de Janeiro: Ciência Moderna, 2005. </a:t>
-            </a:r>
-            <a:r>
-              <a:rPr lang="en-US" dirty="0"/>
-              <a:t>404 p</a:t>
-            </a:r>
-            <a:r>
-              <a:rPr lang="en-US" dirty="0" smtClean="0"/>
-              <a:t>.</a:t>
-            </a:r>
-            <a:endParaRPr lang="pt-BR" dirty="0"/>
-          </a:p>
-          <a:p>
-            <a:r>
-              <a:rPr lang="en-US" dirty="0"/>
-              <a:t>MCCABE, Thomas J.. A Complexity Measure. </a:t>
-            </a:r>
-            <a:r>
-              <a:rPr lang="en-US" b="1" dirty="0" err="1"/>
-              <a:t>Ieee</a:t>
-            </a:r>
-            <a:r>
-              <a:rPr lang="en-US" b="1" dirty="0"/>
-              <a:t>: Transactions on software </a:t>
-            </a:r>
-            <a:r>
-              <a:rPr lang="en-US" b="1" dirty="0" err="1"/>
-              <a:t>engineeting</a:t>
-            </a:r>
-            <a:r>
-              <a:rPr lang="en-US" b="1" dirty="0"/>
-              <a:t>, </a:t>
-            </a:r>
-            <a:r>
-              <a:rPr lang="en-US" dirty="0"/>
-              <a:t>Fort George G. Meade, v. 4, n. 2, p.308-319, </a:t>
-            </a:r>
-            <a:r>
-              <a:rPr lang="en-US" dirty="0" err="1"/>
-              <a:t>dez</a:t>
-            </a:r>
-            <a:r>
-              <a:rPr lang="en-US" dirty="0"/>
-              <a:t>. 1976. </a:t>
-            </a:r>
-            <a:endParaRPr lang="pt-BR" dirty="0"/>
-          </a:p>
-          <a:p>
-            <a:r>
-              <a:rPr lang="pt-BR" dirty="0"/>
-              <a:t>SIEGMANN, Paul. </a:t>
-            </a:r>
-            <a:r>
-              <a:rPr lang="pt-BR" b="1" dirty="0"/>
-              <a:t>Download. </a:t>
-            </a:r>
-            <a:r>
-              <a:rPr lang="pt-BR" dirty="0"/>
-              <a:t>Disponível em: &lt;http://www.siegmann.nl/epublib/download&gt;. Acesso em: 22 mar. 2015</a:t>
-            </a:r>
-            <a:r>
-              <a:rPr lang="pt-BR" dirty="0" smtClean="0"/>
-              <a:t>.</a:t>
-            </a:r>
-            <a:r>
-              <a:rPr lang="pt-BR" dirty="0"/>
-              <a:t> </a:t>
-            </a:r>
-          </a:p>
-          <a:p>
-            <a:r>
-              <a:rPr lang="pt-BR" dirty="0"/>
-              <a:t>WEIMBERG, Gerald M.. </a:t>
-            </a:r>
-            <a:r>
-              <a:rPr lang="pt-BR" b="1" dirty="0"/>
-              <a:t>Software com qualidade</a:t>
-            </a:r>
-            <a:r>
-              <a:rPr lang="pt-BR" dirty="0"/>
-              <a:t>: Pensando e idealizando sistemas. São Paulo: Makron Books, 1993. 387 p</a:t>
-            </a:r>
-            <a:r>
-              <a:rPr lang="pt-BR" dirty="0" smtClean="0"/>
-              <a:t>.</a:t>
-            </a:r>
-            <a:endParaRPr lang="pt-BR" dirty="0"/>
-          </a:p>
-          <a:p>
-            <a:endParaRPr lang="pt-BR" dirty="0"/>
-          </a:p>
-          <a:p>
-            <a:endParaRPr lang="pt-BR" dirty="0"/>
-          </a:p>
-        </p:txBody>
-      </p:sp>
-    </p:spTree>
-    <p:extLst>
-      <p:ext uri="{BB962C8B-B14F-4D97-AF65-F5344CB8AC3E}">
-        <p14:creationId xmlns:p14="http://schemas.microsoft.com/office/powerpoint/2010/main" val="606772002"/>
-      </p:ext>
-    </p:extLst>
-  </p:cSld>
-  <p:clrMapOvr>
-    <a:masterClrMapping/>
-  </p:clrMapOvr>
+  <p:timing>
+    <p:tnLst>
+      <p:par>
+        <p:cTn id="1" dur="indefinite" restart="never" nodeType="tmRoot"/>
+      </p:par>
+    </p:tnLst>
+  </p:timing>
 </p:sld>
 </file>
 
@@ -9243,9 +9226,10 @@
           <a:lstStyle/>
           <a:p>
             <a:r>
-              <a:rPr lang="pt-BR" dirty="0"/>
-              <a:t>Qualidade</a:t>
-            </a:r>
+              <a:rPr lang="pt-BR" dirty="0" smtClean="0"/>
+              <a:t>Qualidade (I)</a:t>
+            </a:r>
+            <a:endParaRPr lang="pt-BR" dirty="0"/>
           </a:p>
         </p:txBody>
       </p:sp>
@@ -9267,138 +9251,105 @@
           <a:lstStyle/>
           <a:p>
             <a:r>
-              <a:rPr lang="pt-BR" dirty="0"/>
+              <a:rPr lang="pt-BR" sz="2400" dirty="0"/>
               <a:t>Defeito zero é a alta </a:t>
             </a:r>
             <a:r>
-              <a:rPr lang="pt-BR" dirty="0" smtClean="0"/>
+              <a:rPr lang="pt-BR" sz="2400" dirty="0" smtClean="0"/>
               <a:t>qualidade: </a:t>
             </a:r>
           </a:p>
           <a:p>
             <a:pPr lvl="1"/>
             <a:r>
-              <a:rPr lang="pt-BR" sz="2000" dirty="0" smtClean="0"/>
+              <a:rPr lang="pt-BR" sz="2400" dirty="0" smtClean="0"/>
               <a:t>a</a:t>
             </a:r>
             <a:r>
-              <a:rPr lang="pt-BR" sz="2000" dirty="0"/>
+              <a:rPr lang="pt-BR" sz="2400" dirty="0"/>
               <a:t>) Para os usuários cujo trabalho é afetado pelos defeitos. </a:t>
             </a:r>
-            <a:endParaRPr lang="pt-BR" sz="2000" dirty="0" smtClean="0"/>
+            <a:endParaRPr lang="pt-BR" sz="2400" dirty="0" smtClean="0"/>
           </a:p>
           <a:p>
             <a:pPr lvl="1"/>
             <a:r>
-              <a:rPr lang="pt-BR" sz="2000" dirty="0" smtClean="0"/>
+              <a:rPr lang="pt-BR" sz="2400" dirty="0" smtClean="0"/>
               <a:t>b</a:t>
             </a:r>
             <a:r>
-              <a:rPr lang="pt-BR" sz="2000" dirty="0"/>
+              <a:rPr lang="pt-BR" sz="2400" dirty="0"/>
               <a:t>) Para os gerentes que são criticados pelos defeitos</a:t>
             </a:r>
             <a:r>
-              <a:rPr lang="pt-BR" sz="2000" dirty="0" smtClean="0"/>
+              <a:rPr lang="pt-BR" sz="2400" dirty="0" smtClean="0"/>
               <a:t>.</a:t>
             </a:r>
           </a:p>
           <a:p>
-            <a:r>
-              <a:rPr lang="pt-BR" dirty="0" smtClean="0"/>
+            <a:endParaRPr lang="pt-BR" sz="2400" dirty="0" smtClean="0"/>
+          </a:p>
+          <a:p>
+            <a:r>
+              <a:rPr lang="pt-BR" sz="2400" dirty="0" smtClean="0"/>
               <a:t>Ter </a:t>
             </a:r>
             <a:r>
-              <a:rPr lang="pt-BR" dirty="0"/>
+              <a:rPr lang="pt-BR" sz="2400" dirty="0"/>
               <a:t>um grande número de funções é alta </a:t>
             </a:r>
             <a:r>
-              <a:rPr lang="pt-BR" dirty="0" smtClean="0"/>
+              <a:rPr lang="pt-BR" sz="2400" dirty="0" smtClean="0"/>
               <a:t>qualidade</a:t>
             </a:r>
           </a:p>
           <a:p>
             <a:pPr lvl="1"/>
             <a:r>
-              <a:rPr lang="pt-BR" sz="2000" dirty="0" smtClean="0"/>
+              <a:rPr lang="pt-BR" sz="2400" dirty="0" smtClean="0"/>
               <a:t>a</a:t>
             </a:r>
             <a:r>
-              <a:rPr lang="pt-BR" sz="2000" dirty="0"/>
+              <a:rPr lang="pt-BR" sz="2400" dirty="0"/>
               <a:t>) Para os usuários cujo trabalho pode tirar proveito dessas funções – se eles as conhecerem</a:t>
             </a:r>
             <a:r>
-              <a:rPr lang="pt-BR" sz="2000" dirty="0" smtClean="0"/>
+              <a:rPr lang="pt-BR" sz="2400" dirty="0" smtClean="0"/>
               <a:t>.</a:t>
             </a:r>
           </a:p>
           <a:p>
             <a:pPr lvl="1"/>
             <a:r>
-              <a:rPr lang="pt-BR" sz="2000" dirty="0" smtClean="0"/>
+              <a:rPr lang="pt-BR" sz="2400" dirty="0" smtClean="0"/>
               <a:t>b</a:t>
             </a:r>
             <a:r>
-              <a:rPr lang="pt-BR" sz="2000" dirty="0"/>
-              <a:t>) Para os distribuidores que acreditam que as funções vendem produtos</a:t>
-            </a:r>
-            <a:r>
-              <a:rPr lang="pt-BR" sz="2000" dirty="0" smtClean="0"/>
+              <a:rPr lang="pt-BR" sz="2400" dirty="0"/>
+              <a:t>) Para </a:t>
+            </a:r>
+            <a:r>
+              <a:rPr lang="pt-BR" sz="2400" dirty="0" smtClean="0"/>
+              <a:t>os </a:t>
+            </a:r>
+            <a:r>
+              <a:rPr lang="pt-BR" sz="2400" dirty="0"/>
+              <a:t>distribuidores que acreditam que as funções vendem produtos</a:t>
+            </a:r>
+            <a:r>
+              <a:rPr lang="pt-BR" sz="2400" dirty="0" smtClean="0"/>
               <a:t>.</a:t>
             </a:r>
           </a:p>
           <a:p>
-            <a:r>
-              <a:rPr lang="pt-BR" dirty="0" smtClean="0"/>
-              <a:t>Codificação </a:t>
-            </a:r>
-            <a:r>
-              <a:rPr lang="pt-BR" dirty="0"/>
-              <a:t>elegante é alta </a:t>
-            </a:r>
-            <a:r>
-              <a:rPr lang="pt-BR" dirty="0" smtClean="0"/>
-              <a:t>qualidade</a:t>
-            </a:r>
-          </a:p>
-          <a:p>
-            <a:pPr lvl="1"/>
-            <a:r>
-              <a:rPr lang="pt-BR" sz="2000" dirty="0" smtClean="0"/>
-              <a:t>a</a:t>
-            </a:r>
-            <a:r>
-              <a:rPr lang="pt-BR" sz="2000" dirty="0"/>
-              <a:t>) Para o pessoal de desenvolvimento que dá um grande valor às opiniões de seus colegas</a:t>
-            </a:r>
-            <a:r>
-              <a:rPr lang="pt-BR" sz="2000" dirty="0" smtClean="0"/>
-              <a:t>.</a:t>
-            </a:r>
-          </a:p>
-          <a:p>
-            <a:pPr lvl="1"/>
-            <a:r>
-              <a:rPr lang="pt-BR" sz="2000" dirty="0" smtClean="0"/>
-              <a:t>b</a:t>
-            </a:r>
-            <a:r>
-              <a:rPr lang="pt-BR" sz="2000" dirty="0"/>
-              <a:t>) Para os professores de ciência da computação que apreciam elegância</a:t>
-            </a:r>
-            <a:r>
-              <a:rPr lang="pt-BR" sz="2000" dirty="0" smtClean="0"/>
-              <a:t>.</a:t>
-            </a:r>
-          </a:p>
-          <a:p>
-            <a:r>
-              <a:rPr lang="pt-BR" dirty="0" smtClean="0"/>
-              <a:t>(</a:t>
-            </a:r>
-            <a:r>
-              <a:rPr lang="pt-BR" dirty="0"/>
-              <a:t>WEINBERG, 1993, p. 6-7). </a:t>
-            </a:r>
+            <a:pPr marL="201168" lvl="1" indent="0">
+              <a:buNone/>
+            </a:pPr>
+            <a:r>
+              <a:rPr lang="pt-BR" sz="2400" dirty="0" smtClean="0"/>
+              <a:t>   [...]</a:t>
+            </a:r>
+            <a:endParaRPr lang="pt-BR" sz="2400" dirty="0"/>
           </a:p>
         </p:txBody>
       </p:sp>
@@ -9412,6 +9363,13 @@
   <p:clrMapOvr>
     <a:masterClrMapping/>
   </p:clrMapOvr>
+  <p:timing>
+    <p:tnLst>
+      <p:par>
+        <p:cTn id="1" dur="indefinite" restart="never" nodeType="tmRoot"/>
+      </p:par>
+    </p:tnLst>
+  </p:timing>
 </p:sld>
 </file>
 
@@ -9448,9 +9406,10 @@
           <a:lstStyle/>
           <a:p>
             <a:r>
-              <a:rPr lang="pt-BR" dirty="0"/>
-              <a:t>Qualidade de produto de software</a:t>
-            </a:r>
+              <a:rPr lang="pt-BR" dirty="0" smtClean="0"/>
+              <a:t>Qualidade (II)</a:t>
+            </a:r>
+            <a:endParaRPr lang="pt-BR" dirty="0"/>
           </a:p>
         </p:txBody>
       </p:sp>
@@ -9466,65 +9425,89 @@
         </p:nvSpPr>
         <p:spPr/>
         <p:txBody>
-          <a:bodyPr>
-            <a:noAutofit/>
-          </a:bodyPr>
-          <a:lstStyle/>
-          <a:p>
+          <a:bodyPr/>
+          <a:lstStyle/>
+          <a:p>
+            <a:r>
+              <a:rPr lang="pt-BR" sz="2400" dirty="0"/>
+              <a:t>Codificação elegante é alta qualidade</a:t>
+            </a:r>
+          </a:p>
+          <a:p>
+            <a:pPr lvl="1"/>
+            <a:r>
+              <a:rPr lang="pt-BR" sz="2400" dirty="0"/>
+              <a:t>a) Para o pessoal de desenvolvimento que dá um grande valor às opiniões de seus colegas.</a:t>
+            </a:r>
+          </a:p>
+          <a:p>
+            <a:pPr lvl="1"/>
+            <a:r>
+              <a:rPr lang="pt-BR" sz="2400" dirty="0"/>
+              <a:t>b) Para os professores de ciência da computação que apreciam elegância</a:t>
+            </a:r>
             <a:r>
               <a:rPr lang="pt-BR" sz="2400" dirty="0" smtClean="0"/>
-              <a:t>Garantia </a:t>
-            </a:r>
+              <a:t>.</a:t>
+            </a:r>
+            <a:endParaRPr lang="pt-BR" sz="2400" dirty="0"/>
+          </a:p>
+          <a:p>
+            <a:pPr marL="201168" lvl="1" indent="0">
+              <a:buNone/>
+            </a:pPr>
+            <a:r>
+              <a:rPr lang="pt-BR" sz="2400" dirty="0" smtClean="0"/>
+              <a:t>   </a:t>
+            </a:r>
+          </a:p>
+          <a:p>
+            <a:pPr marL="201168" lvl="1" indent="0">
+              <a:buNone/>
+            </a:pPr>
             <a:r>
               <a:rPr lang="pt-BR" sz="2400" dirty="0"/>
-              <a:t>da </a:t>
+              <a:t> </a:t>
             </a:r>
             <a:r>
               <a:rPr lang="pt-BR" sz="2400" dirty="0" smtClean="0"/>
-              <a:t>Qualidade é uma área voltada em </a:t>
-            </a:r>
+              <a:t>   [...]</a:t>
+            </a:r>
+          </a:p>
+          <a:p>
+            <a:pPr marL="201168" lvl="1" indent="0">
+              <a:buNone/>
+            </a:pPr>
+            <a:endParaRPr lang="pt-BR" sz="2400" dirty="0"/>
+          </a:p>
+          <a:p>
             <a:r>
               <a:rPr lang="pt-BR" sz="2400" dirty="0"/>
-              <a:t>produtos de </a:t>
-            </a:r>
-            <a:r>
-              <a:rPr lang="pt-BR" sz="2400" dirty="0" smtClean="0"/>
-              <a:t>software órgãos como ISO</a:t>
-            </a:r>
-            <a:r>
-              <a:rPr lang="pt-BR" sz="2400" dirty="0"/>
-              <a:t>, </a:t>
-            </a:r>
-            <a:r>
-              <a:rPr lang="pt-BR" sz="2400" dirty="0" smtClean="0"/>
-              <a:t>ABNT, entre outros, criam </a:t>
-            </a:r>
-            <a:r>
-              <a:rPr lang="pt-BR" sz="2400" dirty="0"/>
-              <a:t>normas e especificam padrões de qualidade, atingir tais padrões é o desafio da engenharia de software desde o início das linguagens de programação.</a:t>
-            </a:r>
-          </a:p>
-          <a:p>
-            <a:r>
-              <a:rPr lang="pt-BR" sz="2400" dirty="0"/>
-              <a:t>Definir qualidade é um assunto tão difícil quanto tentar chegar nela. Especialistas do mundo todo debatem formas de conseguir atingir todos os pontos de qualidade, desde o código, até o suporte do mesmo. Modelos de negócio, gestão de áreas, tudo isso entra em conta, quando se quer medir qualidade, porém quando se pensa exatamente o que é necessário e o que é preciso, consegue-se estabelecer um parâmetro e então avaliar em qual nível o produto está.</a:t>
-            </a:r>
-          </a:p>
-          <a:p>
-            <a:endParaRPr lang="pt-BR" sz="2400" dirty="0"/>
+              <a:t>(WEINBERG, 1993, p. 6-7). </a:t>
+            </a:r>
+          </a:p>
+          <a:p>
+            <a:endParaRPr lang="pt-BR" dirty="0"/>
           </a:p>
         </p:txBody>
       </p:sp>
     </p:spTree>
     <p:extLst>
       <p:ext uri="{BB962C8B-B14F-4D97-AF65-F5344CB8AC3E}">
-        <p14:creationId xmlns:p14="http://schemas.microsoft.com/office/powerpoint/2010/main" val="1381217707"/>
+        <p14:creationId xmlns:p14="http://schemas.microsoft.com/office/powerpoint/2010/main" val="1971460762"/>
       </p:ext>
     </p:extLst>
   </p:cSld>
   <p:clrMapOvr>
     <a:masterClrMapping/>
   </p:clrMapOvr>
+  <p:timing>
+    <p:tnLst>
+      <p:par>
+        <p:cTn id="1" dur="indefinite" restart="never" nodeType="tmRoot"/>
+      </p:par>
+    </p:tnLst>
+  </p:timing>
 </p:sld>
 </file>
 
@@ -9562,13 +9545,8 @@
           <a:p>
             <a:r>
               <a:rPr lang="pt-BR" dirty="0"/>
-              <a:t>Qualidade de </a:t>
-            </a:r>
-            <a:r>
-              <a:rPr lang="pt-BR" dirty="0" smtClean="0"/>
-              <a:t>código</a:t>
-            </a:r>
-            <a:endParaRPr lang="pt-BR" dirty="0"/>
+              <a:t>Qualidade de produto de software</a:t>
+            </a:r>
           </a:p>
         </p:txBody>
       </p:sp>
@@ -9591,72 +9569,47 @@
           <a:p>
             <a:r>
               <a:rPr lang="pt-BR" sz="2400" dirty="0" smtClean="0"/>
-              <a:t>“</a:t>
+              <a:t>Garantia </a:t>
             </a:r>
             <a:r>
               <a:rPr lang="pt-BR" sz="2400" dirty="0"/>
-              <a:t>Qualquer tolo consegue escrever código que um computador entenda. Bons programadores conseguem escrever código que humanos conseguem entender</a:t>
+              <a:t>da </a:t>
+            </a:r>
+            <a:r>
+              <a:rPr lang="pt-BR" sz="2400" dirty="0" smtClean="0"/>
+              <a:t>Qualidade é uma área voltada em </a:t>
             </a:r>
             <a:r>
               <a:rPr lang="pt-BR" sz="2400" dirty="0"/>
-              <a:t>” Fowler (2007</a:t>
+              <a:t>produtos de </a:t>
             </a:r>
             <a:r>
               <a:rPr lang="pt-BR" sz="2400" dirty="0" smtClean="0"/>
-              <a:t>);</a:t>
-            </a:r>
-          </a:p>
-          <a:p>
+              <a:t>software órgãos como ISO</a:t>
+            </a:r>
+            <a:r>
+              <a:rPr lang="pt-BR" sz="2400" dirty="0"/>
+              <a:t>, </a:t>
+            </a:r>
             <a:r>
               <a:rPr lang="pt-BR" sz="2400" dirty="0" smtClean="0"/>
-              <a:t>Código legado:</a:t>
+              <a:t>ABNT, entre outros, criam </a:t>
+            </a:r>
+            <a:r>
+              <a:rPr lang="pt-BR" sz="2400" dirty="0"/>
+              <a:t>normas e especificam padrões de qualidade, atingir tais padrões é o desafio da engenharia de software desde o início das linguagens de programação.</a:t>
+            </a:r>
+          </a:p>
+          <a:p>
+            <a:r>
+              <a:rPr lang="pt-BR" sz="2400" dirty="0"/>
+              <a:t>Definir qualidade é um assunto tão difícil quanto tentar chegar nela. Especialistas do mundo todo debatem formas de conseguir atingir todos os pontos de qualidade, desde o código, até o suporte do mesmo. Modelos de negócio, gestão de áreas, tudo isso entra em conta, quando se quer medir </a:t>
+            </a:r>
+            <a:r>
+              <a:rPr lang="pt-BR" sz="2400" dirty="0" smtClean="0"/>
+              <a:t>e garantir qualidade.</a:t>
             </a:r>
             <a:endParaRPr lang="pt-BR" sz="2400" dirty="0"/>
-          </a:p>
-          <a:p>
-            <a:pPr lvl="1"/>
-            <a:r>
-              <a:rPr lang="pt-BR" sz="2200" dirty="0" smtClean="0"/>
-              <a:t>Código </a:t>
-            </a:r>
-            <a:r>
-              <a:rPr lang="pt-BR" sz="2200" dirty="0"/>
-              <a:t>mal </a:t>
-            </a:r>
-            <a:r>
-              <a:rPr lang="pt-BR" sz="2200" dirty="0" smtClean="0"/>
-              <a:t>escrito</a:t>
-            </a:r>
-          </a:p>
-          <a:p>
-            <a:pPr lvl="1"/>
-            <a:r>
-              <a:rPr lang="pt-BR" sz="2200" dirty="0" smtClean="0"/>
-              <a:t>poucas </a:t>
-            </a:r>
-            <a:r>
-              <a:rPr lang="pt-BR" sz="2200" dirty="0"/>
-              <a:t>pessoas </a:t>
-            </a:r>
-            <a:r>
-              <a:rPr lang="pt-BR" sz="2200" dirty="0" smtClean="0"/>
-              <a:t>da </a:t>
-            </a:r>
-            <a:r>
-              <a:rPr lang="pt-BR" sz="2200" dirty="0"/>
-              <a:t>equipe que conhecem o </a:t>
-            </a:r>
-            <a:r>
-              <a:rPr lang="pt-BR" sz="2200" dirty="0" smtClean="0"/>
-              <a:t>código</a:t>
-            </a:r>
-            <a:endParaRPr lang="pt-BR" sz="2200" dirty="0"/>
-          </a:p>
-          <a:p>
-            <a:r>
-              <a:rPr lang="pt-BR" sz="2400" dirty="0"/>
-              <a:t>E para tentar assegurar qualidade foram criadas métricas de qualidade de código.</a:t>
-            </a:r>
           </a:p>
           <a:p>
             <a:endParaRPr lang="pt-BR" sz="2400" dirty="0"/>
@@ -9666,13 +9619,20 @@
     </p:spTree>
     <p:extLst>
       <p:ext uri="{BB962C8B-B14F-4D97-AF65-F5344CB8AC3E}">
-        <p14:creationId xmlns:p14="http://schemas.microsoft.com/office/powerpoint/2010/main" val="2737498091"/>
+        <p14:creationId xmlns:p14="http://schemas.microsoft.com/office/powerpoint/2010/main" val="1381217707"/>
       </p:ext>
     </p:extLst>
   </p:cSld>
   <p:clrMapOvr>
     <a:masterClrMapping/>
   </p:clrMapOvr>
+  <p:timing>
+    <p:tnLst>
+      <p:par>
+        <p:cTn id="1" dur="indefinite" restart="never" nodeType="tmRoot"/>
+      </p:par>
+    </p:tnLst>
+  </p:timing>
 </p:sld>
 </file>
 
@@ -9733,102 +9693,97 @@
         <p:spPr/>
         <p:txBody>
           <a:bodyPr>
-            <a:normAutofit/>
+            <a:noAutofit/>
           </a:bodyPr>
           <a:lstStyle/>
           <a:p>
+            <a:r>
+              <a:rPr lang="pt-BR" sz="2400" dirty="0" smtClean="0"/>
+              <a:t>“</a:t>
+            </a:r>
+            <a:r>
+              <a:rPr lang="pt-BR" sz="2400" dirty="0"/>
+              <a:t>Qualquer tolo consegue escrever código que um computador entenda. Bons programadores conseguem escrever código que humanos conseguem entender” Fowler (2007</a:t>
+            </a:r>
+            <a:r>
+              <a:rPr lang="pt-BR" sz="2400" dirty="0" smtClean="0"/>
+              <a:t>);</a:t>
+            </a:r>
+          </a:p>
+          <a:p>
+            <a:r>
+              <a:rPr lang="pt-BR" sz="2400" dirty="0" smtClean="0"/>
+              <a:t>Código legado:</a:t>
+            </a:r>
             <a:endParaRPr lang="pt-BR" sz="2400" dirty="0"/>
           </a:p>
           <a:p>
+            <a:pPr lvl="1"/>
+            <a:r>
+              <a:rPr lang="pt-BR" sz="2200" dirty="0" smtClean="0"/>
+              <a:t>Código </a:t>
+            </a:r>
+            <a:r>
+              <a:rPr lang="pt-BR" sz="2200" dirty="0"/>
+              <a:t>mal </a:t>
+            </a:r>
+            <a:r>
+              <a:rPr lang="pt-BR" sz="2200" dirty="0" smtClean="0"/>
+              <a:t>escrito</a:t>
+            </a:r>
+          </a:p>
+          <a:p>
+            <a:pPr lvl="1"/>
+            <a:r>
+              <a:rPr lang="pt-BR" sz="2200" dirty="0" smtClean="0"/>
+              <a:t>poucas </a:t>
+            </a:r>
+            <a:r>
+              <a:rPr lang="pt-BR" sz="2200" dirty="0"/>
+              <a:t>pessoas </a:t>
+            </a:r>
+            <a:r>
+              <a:rPr lang="pt-BR" sz="2200" dirty="0" smtClean="0"/>
+              <a:t>da </a:t>
+            </a:r>
+            <a:r>
+              <a:rPr lang="pt-BR" sz="2200" dirty="0"/>
+              <a:t>equipe que conhecem o </a:t>
+            </a:r>
+            <a:r>
+              <a:rPr lang="pt-BR" sz="2200" dirty="0" smtClean="0"/>
+              <a:t>código</a:t>
+            </a:r>
+            <a:endParaRPr lang="pt-BR" sz="2200" dirty="0"/>
+          </a:p>
+          <a:p>
             <a:r>
               <a:rPr lang="pt-BR" sz="2400" dirty="0"/>
-              <a:t>Complexidade Ciclomática (CC</a:t>
-            </a:r>
-            <a:r>
-              <a:rPr lang="pt-BR" sz="2400" dirty="0" smtClean="0"/>
-              <a:t>)</a:t>
-            </a:r>
-          </a:p>
-          <a:p>
-            <a:r>
-              <a:rPr lang="pt-BR" sz="2400" dirty="0"/>
-              <a:t>Número de Linhas De Código (LOC – </a:t>
-            </a:r>
-            <a:r>
-              <a:rPr lang="pt-BR" sz="2400" dirty="0" err="1"/>
-              <a:t>Lines</a:t>
-            </a:r>
-            <a:r>
-              <a:rPr lang="pt-BR" sz="2400" dirty="0"/>
-              <a:t> </a:t>
-            </a:r>
-            <a:r>
-              <a:rPr lang="pt-BR" sz="2400" dirty="0" err="1"/>
-              <a:t>of</a:t>
-            </a:r>
-            <a:r>
-              <a:rPr lang="pt-BR" sz="2400" dirty="0"/>
-              <a:t> </a:t>
-            </a:r>
-            <a:r>
-              <a:rPr lang="pt-BR" sz="2400" dirty="0" err="1"/>
-              <a:t>Code</a:t>
-            </a:r>
-            <a:r>
-              <a:rPr lang="pt-BR" sz="2400" dirty="0" smtClean="0"/>
-              <a:t>)</a:t>
-            </a:r>
-          </a:p>
-          <a:p>
-            <a:r>
-              <a:rPr lang="pt-BR" sz="2400" dirty="0"/>
-              <a:t>Dívida Técnica (</a:t>
-            </a:r>
-            <a:r>
-              <a:rPr lang="pt-BR" sz="2400" dirty="0" err="1"/>
-              <a:t>Technical</a:t>
-            </a:r>
-            <a:r>
-              <a:rPr lang="pt-BR" sz="2400" dirty="0"/>
-              <a:t> </a:t>
-            </a:r>
-            <a:r>
-              <a:rPr lang="pt-BR" sz="2400" dirty="0" err="1"/>
-              <a:t>Debt</a:t>
-            </a:r>
-            <a:r>
-              <a:rPr lang="pt-BR" sz="2400" dirty="0" smtClean="0"/>
-              <a:t>)</a:t>
-            </a:r>
-          </a:p>
-          <a:p>
-            <a:r>
-              <a:rPr lang="pt-BR" sz="2400" dirty="0"/>
-              <a:t>Cobertura de </a:t>
-            </a:r>
-            <a:r>
-              <a:rPr lang="pt-BR" sz="2400" dirty="0" smtClean="0"/>
-              <a:t>código</a:t>
-            </a:r>
-          </a:p>
-          <a:p>
-            <a:r>
-              <a:rPr lang="pt-BR" sz="2400" dirty="0"/>
-              <a:t>Duplicação de código</a:t>
-            </a:r>
+              <a:t>E para tentar assegurar qualidade foram criadas métricas de qualidade de código.</a:t>
+            </a:r>
+          </a:p>
+          <a:p>
+            <a:endParaRPr lang="pt-BR" sz="2400" dirty="0"/>
           </a:p>
         </p:txBody>
       </p:sp>
     </p:spTree>
     <p:extLst>
       <p:ext uri="{BB962C8B-B14F-4D97-AF65-F5344CB8AC3E}">
-        <p14:creationId xmlns:p14="http://schemas.microsoft.com/office/powerpoint/2010/main" val="4028082980"/>
+        <p14:creationId xmlns:p14="http://schemas.microsoft.com/office/powerpoint/2010/main" val="2737498091"/>
       </p:ext>
     </p:extLst>
   </p:cSld>
   <p:clrMapOvr>
     <a:masterClrMapping/>
   </p:clrMapOvr>
+  <p:timing>
+    <p:tnLst>
+      <p:par>
+        <p:cTn id="1" dur="indefinite" restart="never" nodeType="tmRoot"/>
+      </p:par>
+    </p:tnLst>
+  </p:timing>
 </p:sld>
 </file>
 
